--- a/41, Gururajan.pptx
+++ b/41, Gururajan.pptx
@@ -1,6 +1,6 @@
 
 <file path=ppt/presentation.xml><?xml version="1.0" encoding="utf-8"?>
-<p:presentation xmlns:a="http://schemas.openxmlformats.org/drawingml/2006/main" xmlns:r="http://schemas.openxmlformats.org/officeDocument/2006/relationships" xmlns:p="http://schemas.openxmlformats.org/presentationml/2006/main" saveSubsetFonts="1">
+<p:presentation xmlns:a="http://schemas.openxmlformats.org/drawingml/2006/main" xmlns:r="http://schemas.openxmlformats.org/officeDocument/2006/relationships" xmlns:p="http://schemas.openxmlformats.org/presentationml/2006/main" showSpecialPlsOnTitleSld="0" saveSubsetFonts="1">
   <p:sldMasterIdLst>
     <p:sldMasterId id="2147483648" r:id="rId4"/>
   </p:sldMasterIdLst>
@@ -162,8 +162,7 @@
 <file path=ppt/revisionInfo.xml><?xml version="1.0" encoding="utf-8"?>
 <p1510:revInfo xmlns:a="http://schemas.openxmlformats.org/drawingml/2006/main" xmlns:r="http://schemas.openxmlformats.org/officeDocument/2006/relationships" xmlns:p1510="http://schemas.microsoft.com/office/powerpoint/2015/10/main">
   <p1510:revLst>
-    <p1510:client id="{2F5D3C51-74D5-4277-AE3F-85E1549F2480}" v="1" dt="2019-11-14T18:00:42.374"/>
-    <p1510:client id="{9F323B12-9AC5-45DF-80CD-28EEF753E6BA}" v="2508" dt="2019-11-14T18:01:28.398"/>
+    <p1510:client id="{72CAD2B5-107D-4B88-BC94-6201092ABC4C}" v="32" dt="2019-11-19T01:07:04.006"/>
   </p1510:revLst>
 </p1510:revInfo>
 </file>
@@ -250,7 +249,7 @@
           <a:p>
             <a:fld id="{3A141E59-5BDD-4457-9CA5-8C09B39A99A5}" type="datetimeFigureOut">
               <a:rPr lang="en-US" smtClean="0"/>
-              <a:t>11/18/2019</a:t>
+              <a:t>11/19/2019</a:t>
             </a:fld>
             <a:endParaRPr lang="en-US"/>
           </a:p>
@@ -561,7 +560,7 @@
           <a:bodyPr/>
           <a:lstStyle/>
           <a:p>
-            <a:endParaRPr lang="en-US" dirty="0"/>
+            <a:endParaRPr lang="en-US"/>
           </a:p>
         </p:txBody>
       </p:sp>
@@ -580,7 +579,7 @@
           <a:bodyPr/>
           <a:lstStyle/>
           <a:p>
-            <a:endParaRPr lang="en-US" dirty="0"/>
+            <a:endParaRPr lang="en-US"/>
           </a:p>
         </p:txBody>
       </p:sp>
@@ -601,7 +600,7 @@
           <a:p>
             <a:pPr defTabSz="914099" eaLnBrk="0" hangingPunct="0"/>
             <a:r>
-              <a:rPr lang="en-US" sz="400" dirty="0">
+              <a:rPr lang="en-US" sz="400">
                 <a:gradFill>
                   <a:gsLst>
                     <a:gs pos="0">
@@ -639,9 +638,9 @@
           <a:p>
             <a:fld id="{62072DC8-D49D-432C-9D46-A7718B5F5490}" type="datetime8">
               <a:rPr lang="en-US" smtClean="0"/>
-              <a:t>11/18/2019 4:55 PM</a:t>
+              <a:t>11/19/2019 9:52 AM</a:t>
             </a:fld>
-            <a:endParaRPr lang="en-US" dirty="0"/>
+            <a:endParaRPr lang="en-US"/>
           </a:p>
         </p:txBody>
       </p:sp>
@@ -665,7 +664,7 @@
               <a:pPr/>
               <a:t>1</a:t>
             </a:fld>
-            <a:endParaRPr lang="en-US" dirty="0"/>
+            <a:endParaRPr lang="en-US"/>
           </a:p>
         </p:txBody>
       </p:sp>
@@ -726,7 +725,7 @@
           <a:bodyPr/>
           <a:lstStyle/>
           <a:p>
-            <a:endParaRPr lang="en-US" dirty="0"/>
+            <a:endParaRPr lang="en-US"/>
           </a:p>
         </p:txBody>
       </p:sp>
@@ -745,7 +744,7 @@
           <a:bodyPr/>
           <a:lstStyle/>
           <a:p>
-            <a:endParaRPr lang="en-US" dirty="0"/>
+            <a:endParaRPr lang="en-US"/>
           </a:p>
         </p:txBody>
       </p:sp>
@@ -766,7 +765,7 @@
           <a:p>
             <a:pPr defTabSz="914099" eaLnBrk="0" hangingPunct="0"/>
             <a:r>
-              <a:rPr lang="en-US" sz="400" dirty="0">
+              <a:rPr lang="en-US" sz="400">
                 <a:gradFill>
                   <a:gsLst>
                     <a:gs pos="0">
@@ -804,9 +803,9 @@
           <a:p>
             <a:fld id="{3619146B-24F9-441E-A368-DB3B5A84C1D4}" type="datetime8">
               <a:rPr lang="en-US" smtClean="0"/>
-              <a:t>11/18/2019 4:55 PM</a:t>
+              <a:t>11/19/2019 9:52 AM</a:t>
             </a:fld>
-            <a:endParaRPr lang="en-US" dirty="0"/>
+            <a:endParaRPr lang="en-US"/>
           </a:p>
         </p:txBody>
       </p:sp>
@@ -830,7 +829,7 @@
               <a:pPr/>
               <a:t>2</a:t>
             </a:fld>
-            <a:endParaRPr lang="en-US" dirty="0"/>
+            <a:endParaRPr lang="en-US"/>
           </a:p>
         </p:txBody>
       </p:sp>
@@ -910,7 +909,7 @@
           <a:lstStyle/>
           <a:p>
             <a:r>
-              <a:rPr lang="en-US" sz="900" b="1" kern="1200" dirty="0">
+              <a:rPr lang="en-US" sz="900" b="1" kern="1200">
                 <a:solidFill>
                   <a:schemeClr val="tx1"/>
                 </a:solidFill>
@@ -922,7 +921,7 @@
               <a:t>This slide is required. </a:t>
             </a:r>
             <a:r>
-              <a:rPr lang="en-US" sz="900" b="1" u="sng" kern="1200" dirty="0">
+              <a:rPr lang="en-US" sz="900" b="1" u="sng" kern="1200">
                 <a:solidFill>
                   <a:schemeClr val="tx1"/>
                 </a:solidFill>
@@ -934,7 +933,7 @@
               <a:t>Do NOT delete</a:t>
             </a:r>
             <a:r>
-              <a:rPr lang="en-US" sz="900" b="1" kern="1200" dirty="0">
+              <a:rPr lang="en-US" sz="900" b="1" kern="1200">
                 <a:solidFill>
                   <a:schemeClr val="tx1"/>
                 </a:solidFill>
@@ -945,7 +944,7 @@
               </a:rPr>
               <a:t>. This should be the first slide after your Title Slide. </a:t>
             </a:r>
-            <a:endParaRPr lang="en-US" sz="900" kern="1200" dirty="0">
+            <a:endParaRPr lang="en-US" sz="900" kern="1200">
               <a:solidFill>
                 <a:schemeClr val="tx1"/>
               </a:solidFill>
@@ -957,7 +956,7 @@
           </a:p>
           <a:p>
             <a:r>
-              <a:rPr lang="en-US" sz="900" kern="1200" dirty="0">
+              <a:rPr lang="en-US" sz="900" kern="1200">
                 <a:solidFill>
                   <a:schemeClr val="tx1"/>
                 </a:solidFill>
@@ -972,7 +971,7 @@
           <a:p>
             <a:pPr lvl="1"/>
             <a:r>
-              <a:rPr lang="en-US" sz="900" kern="1200" dirty="0">
+              <a:rPr lang="en-US" sz="900" kern="1200">
                 <a:solidFill>
                   <a:schemeClr val="tx1"/>
                 </a:solidFill>
@@ -984,7 +983,7 @@
               <a:t>This slide should describe what your goals are for this session. This information lets your audience know what you are trying to accomplish with your talk or tutorial—</a:t>
             </a:r>
             <a:r>
-              <a:rPr lang="en-US" sz="900" kern="1200" dirty="0" err="1">
+              <a:rPr lang="en-US" sz="900" kern="1200" err="1">
                 <a:solidFill>
                   <a:schemeClr val="tx1"/>
                 </a:solidFill>
@@ -996,7 +995,7 @@
               <a:t>ie</a:t>
             </a:r>
             <a:r>
-              <a:rPr lang="en-US" sz="900" kern="1200" dirty="0">
+              <a:rPr lang="en-US" sz="900" kern="1200">
                 <a:solidFill>
                   <a:schemeClr val="tx1"/>
                 </a:solidFill>
@@ -1011,7 +1010,7 @@
           <a:p>
             <a:pPr lvl="1"/>
             <a:r>
-              <a:rPr lang="en-US" sz="900" b="1" kern="1200" dirty="0">
+              <a:rPr lang="en-US" sz="900" b="1" kern="1200">
                 <a:solidFill>
                   <a:schemeClr val="tx1"/>
                 </a:solidFill>
@@ -1022,7 +1021,7 @@
               </a:rPr>
               <a:t>You should not spend more than 1 minute presenting this slide.</a:t>
             </a:r>
-            <a:endParaRPr lang="en-US" sz="900" kern="1200" dirty="0">
+            <a:endParaRPr lang="en-US" sz="900" kern="1200">
               <a:solidFill>
                 <a:schemeClr val="tx1"/>
               </a:solidFill>
@@ -1035,7 +1034,7 @@
           <a:p>
             <a:pPr lvl="1"/>
             <a:r>
-              <a:rPr lang="en-US" sz="900" b="1" kern="1200" dirty="0">
+              <a:rPr lang="en-US" sz="900" b="1" kern="1200">
                 <a:solidFill>
                   <a:schemeClr val="tx1"/>
                 </a:solidFill>
@@ -1047,7 +1046,7 @@
               <a:t>General examples of session goals </a:t>
             </a:r>
             <a:r>
-              <a:rPr lang="en-US" sz="900" b="1" i="1" kern="1200" dirty="0">
+              <a:rPr lang="en-US" sz="900" b="1" i="1" kern="1200">
                 <a:solidFill>
                   <a:schemeClr val="tx1"/>
                 </a:solidFill>
@@ -1059,7 +1058,7 @@
               <a:t>could</a:t>
             </a:r>
             <a:r>
-              <a:rPr lang="en-US" sz="900" b="1" kern="1200" dirty="0">
+              <a:rPr lang="en-US" sz="900" b="1" kern="1200">
                 <a:solidFill>
                   <a:schemeClr val="tx1"/>
                 </a:solidFill>
@@ -1070,7 +1069,7 @@
               </a:rPr>
               <a:t> be (you will have to create your own specific goals):</a:t>
             </a:r>
-            <a:endParaRPr lang="en-US" sz="900" kern="1200" dirty="0">
+            <a:endParaRPr lang="en-US" sz="900" kern="1200">
               <a:solidFill>
                 <a:schemeClr val="tx1"/>
               </a:solidFill>
@@ -1083,7 +1082,7 @@
           <a:p>
             <a:pPr lvl="2"/>
             <a:r>
-              <a:rPr lang="en-US" sz="900" kern="1200" dirty="0">
+              <a:rPr lang="en-US" sz="900" kern="1200">
                 <a:solidFill>
                   <a:schemeClr val="tx1"/>
                 </a:solidFill>
@@ -1098,7 +1097,7 @@
           <a:p>
             <a:pPr lvl="2"/>
             <a:r>
-              <a:rPr lang="en-US" sz="900" kern="1200" dirty="0">
+              <a:rPr lang="en-US" sz="900" kern="1200">
                 <a:solidFill>
                   <a:schemeClr val="tx1"/>
                 </a:solidFill>
@@ -1113,7 +1112,7 @@
           <a:p>
             <a:pPr lvl="2"/>
             <a:r>
-              <a:rPr lang="en-US" sz="900" kern="1200" dirty="0">
+              <a:rPr lang="en-US" sz="900" kern="1200">
                 <a:solidFill>
                   <a:schemeClr val="tx1"/>
                 </a:solidFill>
@@ -1128,7 +1127,7 @@
           <a:p>
             <a:pPr lvl="2"/>
             <a:r>
-              <a:rPr lang="en-US" sz="900" kern="1200" dirty="0">
+              <a:rPr lang="en-US" sz="900" kern="1200">
                 <a:solidFill>
                   <a:schemeClr val="tx1"/>
                 </a:solidFill>
@@ -1167,9 +1166,9 @@
           <a:p>
             <a:fld id="{EA2B2ED8-C573-45EF-BF68-CEC19505703A}" type="datetime8">
               <a:rPr lang="en-US" smtClean="0"/>
-              <a:t>11/18/2019 4:55 PM</a:t>
+              <a:t>11/19/2019 9:52 AM</a:t>
             </a:fld>
-            <a:endParaRPr lang="en-US" dirty="0"/>
+            <a:endParaRPr lang="en-US"/>
           </a:p>
         </p:txBody>
       </p:sp>
@@ -1201,7 +1200,7 @@
               <a:pPr/>
               <a:t>3</a:t>
             </a:fld>
-            <a:endParaRPr lang="en-US" dirty="0"/>
+            <a:endParaRPr lang="en-US"/>
           </a:p>
         </p:txBody>
       </p:sp>
@@ -1222,7 +1221,7 @@
           <a:p>
             <a:pPr defTabSz="914099" eaLnBrk="0" hangingPunct="0"/>
             <a:r>
-              <a:rPr lang="en-US" sz="400" dirty="0">
+              <a:rPr lang="en-US" sz="400">
                 <a:gradFill>
                   <a:gsLst>
                     <a:gs pos="0">
@@ -1259,7 +1258,7 @@
           <a:lstStyle/>
           <a:p>
             <a:r>
-              <a:rPr lang="en-US" dirty="0"/>
+              <a:rPr lang="en-US"/>
               <a:t>Machine Learning, Analytics, &amp; Data Science Conference</a:t>
             </a:r>
           </a:p>
@@ -1423,9 +1422,9 @@
           <a:bodyPr/>
           <a:lstStyle/>
           <a:p>
-            <a:fld id="{FA9E209E-AFDF-45CC-8EFA-6B239D051061}" type="datetimeFigureOut">
+            <a:fld id="{9011E5F2-46C1-4E04-928F-2B55820958C6}" type="datetime1">
               <a:rPr lang="en-US" smtClean="0"/>
-              <a:t>11/18/2019</a:t>
+              <a:t>11/19/2019</a:t>
             </a:fld>
             <a:endParaRPr lang="en-US"/>
           </a:p>
@@ -1452,7 +1451,10 @@
           <a:bodyPr/>
           <a:lstStyle/>
           <a:p>
-            <a:endParaRPr lang="en-US"/>
+            <a:r>
+              <a:rPr lang="en-US"/>
+              <a:t>aka.ms/mlads-checklists</a:t>
+            </a:r>
           </a:p>
         </p:txBody>
       </p:sp>
@@ -1621,9 +1623,9 @@
           <a:bodyPr/>
           <a:lstStyle/>
           <a:p>
-            <a:fld id="{FA9E209E-AFDF-45CC-8EFA-6B239D051061}" type="datetimeFigureOut">
+            <a:fld id="{1C83FF24-B23D-4235-915E-5F1384D45719}" type="datetime1">
               <a:rPr lang="en-US" smtClean="0"/>
-              <a:t>11/18/2019</a:t>
+              <a:t>11/19/2019</a:t>
             </a:fld>
             <a:endParaRPr lang="en-US"/>
           </a:p>
@@ -1650,7 +1652,10 @@
           <a:bodyPr/>
           <a:lstStyle/>
           <a:p>
-            <a:endParaRPr lang="en-US"/>
+            <a:r>
+              <a:rPr lang="en-US"/>
+              <a:t>aka.ms/mlads-checklists</a:t>
+            </a:r>
           </a:p>
         </p:txBody>
       </p:sp>
@@ -1829,9 +1834,9 @@
           <a:bodyPr/>
           <a:lstStyle/>
           <a:p>
-            <a:fld id="{FA9E209E-AFDF-45CC-8EFA-6B239D051061}" type="datetimeFigureOut">
+            <a:fld id="{40F72D63-30F3-41E8-9BD7-EAAFB2B5EBDA}" type="datetime1">
               <a:rPr lang="en-US" smtClean="0"/>
-              <a:t>11/18/2019</a:t>
+              <a:t>11/19/2019</a:t>
             </a:fld>
             <a:endParaRPr lang="en-US"/>
           </a:p>
@@ -1858,7 +1863,10 @@
           <a:bodyPr/>
           <a:lstStyle/>
           <a:p>
-            <a:endParaRPr lang="en-US"/>
+            <a:r>
+              <a:rPr lang="en-US"/>
+              <a:t>aka.ms/mlads-checklists</a:t>
+            </a:r>
           </a:p>
         </p:txBody>
       </p:sp>
@@ -2044,7 +2052,7 @@
                 <a:spcPct val="0"/>
               </a:spcAft>
             </a:pPr>
-            <a:endParaRPr lang="en-US" sz="2000" dirty="0" err="1">
+            <a:endParaRPr lang="en-US" sz="2000" err="1">
               <a:gradFill>
                 <a:gsLst>
                   <a:gs pos="0">
@@ -2116,21 +2124,21 @@
           </a:lstStyle>
           <a:p>
             <a:r>
-              <a:rPr lang="en-US" dirty="0"/>
+              <a:rPr lang="en-US"/>
               <a:t>drag &amp; drop your photo here </a:t>
             </a:r>
             <a:br>
-              <a:rPr lang="en-US" dirty="0"/>
+              <a:rPr lang="en-US"/>
             </a:br>
             <a:r>
-              <a:rPr lang="en-US" dirty="0"/>
+              <a:rPr lang="en-US"/>
               <a:t>or click or tap icon below </a:t>
             </a:r>
             <a:br>
-              <a:rPr lang="en-US" dirty="0"/>
+              <a:rPr lang="en-US"/>
             </a:br>
             <a:r>
-              <a:rPr lang="en-US" dirty="0"/>
+              <a:rPr lang="en-US"/>
               <a:t>to insert</a:t>
             </a:r>
           </a:p>
@@ -2199,7 +2207,7 @@
           </a:lstStyle>
           <a:p>
             <a:r>
-              <a:rPr lang="en-US" dirty="0"/>
+              <a:rPr lang="en-US"/>
               <a:t>Presentation title </a:t>
             </a:r>
           </a:p>
@@ -2244,7 +2252,7 @@
           <a:p>
             <a:pPr lvl="0"/>
             <a:r>
-              <a:rPr lang="en-US" dirty="0"/>
+              <a:rPr lang="en-US"/>
               <a:t>Speaker name or subtitle</a:t>
             </a:r>
           </a:p>
@@ -2459,14 +2467,14 @@
           </a:lstStyle>
           <a:p>
             <a:r>
-              <a:rPr lang="en-US" dirty="0"/>
+              <a:rPr lang="en-US"/>
               <a:t>Click to edit </a:t>
             </a:r>
             <a:br>
-              <a:rPr lang="en-US" dirty="0"/>
+              <a:rPr lang="en-US"/>
             </a:br>
             <a:r>
-              <a:rPr lang="en-US" dirty="0"/>
+              <a:rPr lang="en-US"/>
               <a:t>event title</a:t>
             </a:r>
           </a:p>
@@ -2520,7 +2528,7 @@
           <a:p>
             <a:pPr lvl="0"/>
             <a:r>
-              <a:rPr lang="en-US" dirty="0"/>
+              <a:rPr lang="en-US"/>
               <a:t>EVENT DATE</a:t>
             </a:r>
           </a:p>
@@ -2619,7 +2627,6 @@
               <a:rPr lang="en-US"/>
               <a:t>Click to edit Master title style</a:t>
             </a:r>
-            <a:endParaRPr lang="en-US" dirty="0"/>
           </a:p>
         </p:txBody>
       </p:sp>
@@ -2682,7 +2689,6 @@
               <a:rPr lang="en-US"/>
               <a:t>Fifth level</a:t>
             </a:r>
-            <a:endParaRPr lang="en-US" dirty="0"/>
           </a:p>
         </p:txBody>
       </p:sp>
@@ -2723,7 +2729,7 @@
               </a:rPr>
               <a:t>‹#›</a:t>
             </a:fld>
-            <a:endParaRPr lang="en-US" sz="1200" dirty="0">
+            <a:endParaRPr lang="en-US" sz="1200">
               <a:solidFill>
                 <a:schemeClr val="tx1"/>
               </a:solidFill>
@@ -2891,9 +2897,9 @@
           <a:bodyPr/>
           <a:lstStyle/>
           <a:p>
-            <a:fld id="{FA9E209E-AFDF-45CC-8EFA-6B239D051061}" type="datetimeFigureOut">
+            <a:fld id="{1A2F1B09-DD30-4CF1-A8A2-602A7875C4BA}" type="datetime1">
               <a:rPr lang="en-US" smtClean="0"/>
-              <a:t>11/18/2019</a:t>
+              <a:t>11/19/2019</a:t>
             </a:fld>
             <a:endParaRPr lang="en-US"/>
           </a:p>
@@ -2920,7 +2926,10 @@
           <a:bodyPr/>
           <a:lstStyle/>
           <a:p>
-            <a:endParaRPr lang="en-US"/>
+            <a:r>
+              <a:rPr lang="en-US"/>
+              <a:t>aka.ms/mlads-checklists</a:t>
+            </a:r>
           </a:p>
         </p:txBody>
       </p:sp>
@@ -3166,9 +3175,9 @@
           <a:bodyPr/>
           <a:lstStyle/>
           <a:p>
-            <a:fld id="{FA9E209E-AFDF-45CC-8EFA-6B239D051061}" type="datetimeFigureOut">
+            <a:fld id="{185085C5-BEA8-4FD5-8627-8FF4643CFBAD}" type="datetime1">
               <a:rPr lang="en-US" smtClean="0"/>
-              <a:t>11/18/2019</a:t>
+              <a:t>11/19/2019</a:t>
             </a:fld>
             <a:endParaRPr lang="en-US"/>
           </a:p>
@@ -3195,7 +3204,10 @@
           <a:bodyPr/>
           <a:lstStyle/>
           <a:p>
-            <a:endParaRPr lang="en-US"/>
+            <a:r>
+              <a:rPr lang="en-US"/>
+              <a:t>aka.ms/mlads-checklists</a:t>
+            </a:r>
           </a:p>
         </p:txBody>
       </p:sp>
@@ -3431,9 +3443,9 @@
           <a:bodyPr/>
           <a:lstStyle/>
           <a:p>
-            <a:fld id="{FA9E209E-AFDF-45CC-8EFA-6B239D051061}" type="datetimeFigureOut">
+            <a:fld id="{4C68F864-2861-47DF-846F-58AF74EA4B61}" type="datetime1">
               <a:rPr lang="en-US" smtClean="0"/>
-              <a:t>11/18/2019</a:t>
+              <a:t>11/19/2019</a:t>
             </a:fld>
             <a:endParaRPr lang="en-US"/>
           </a:p>
@@ -3460,7 +3472,10 @@
           <a:bodyPr/>
           <a:lstStyle/>
           <a:p>
-            <a:endParaRPr lang="en-US"/>
+            <a:r>
+              <a:rPr lang="en-US"/>
+              <a:t>aka.ms/mlads-checklists</a:t>
+            </a:r>
           </a:p>
         </p:txBody>
       </p:sp>
@@ -3843,9 +3858,9 @@
           <a:bodyPr/>
           <a:lstStyle/>
           <a:p>
-            <a:fld id="{FA9E209E-AFDF-45CC-8EFA-6B239D051061}" type="datetimeFigureOut">
+            <a:fld id="{01909C5F-979B-4652-98E9-8F55DB32380A}" type="datetime1">
               <a:rPr lang="en-US" smtClean="0"/>
-              <a:t>11/18/2019</a:t>
+              <a:t>11/19/2019</a:t>
             </a:fld>
             <a:endParaRPr lang="en-US"/>
           </a:p>
@@ -3872,7 +3887,10 @@
           <a:bodyPr/>
           <a:lstStyle/>
           <a:p>
-            <a:endParaRPr lang="en-US"/>
+            <a:r>
+              <a:rPr lang="en-US"/>
+              <a:t>aka.ms/mlads-checklists</a:t>
+            </a:r>
           </a:p>
         </p:txBody>
       </p:sp>
@@ -3984,9 +4002,9 @@
           <a:bodyPr/>
           <a:lstStyle/>
           <a:p>
-            <a:fld id="{FA9E209E-AFDF-45CC-8EFA-6B239D051061}" type="datetimeFigureOut">
+            <a:fld id="{27E9FFD5-1706-4FD3-9624-3C26800267FF}" type="datetime1">
               <a:rPr lang="en-US" smtClean="0"/>
-              <a:t>11/18/2019</a:t>
+              <a:t>11/19/2019</a:t>
             </a:fld>
             <a:endParaRPr lang="en-US"/>
           </a:p>
@@ -4013,7 +4031,10 @@
           <a:bodyPr/>
           <a:lstStyle/>
           <a:p>
-            <a:endParaRPr lang="en-US"/>
+            <a:r>
+              <a:rPr lang="en-US"/>
+              <a:t>aka.ms/mlads-checklists</a:t>
+            </a:r>
           </a:p>
         </p:txBody>
       </p:sp>
@@ -4097,9 +4118,9 @@
           <a:bodyPr/>
           <a:lstStyle/>
           <a:p>
-            <a:fld id="{FA9E209E-AFDF-45CC-8EFA-6B239D051061}" type="datetimeFigureOut">
+            <a:fld id="{64787AFE-2080-40E9-898C-BE76EC121788}" type="datetime1">
               <a:rPr lang="en-US" smtClean="0"/>
-              <a:t>11/18/2019</a:t>
+              <a:t>11/19/2019</a:t>
             </a:fld>
             <a:endParaRPr lang="en-US"/>
           </a:p>
@@ -4126,7 +4147,10 @@
           <a:bodyPr/>
           <a:lstStyle/>
           <a:p>
-            <a:endParaRPr lang="en-US"/>
+            <a:r>
+              <a:rPr lang="en-US"/>
+              <a:t>aka.ms/mlads-checklists</a:t>
+            </a:r>
           </a:p>
         </p:txBody>
       </p:sp>
@@ -4408,9 +4432,9 @@
           <a:bodyPr/>
           <a:lstStyle/>
           <a:p>
-            <a:fld id="{FA9E209E-AFDF-45CC-8EFA-6B239D051061}" type="datetimeFigureOut">
+            <a:fld id="{D2B9F5E7-1B7D-4D72-BEB6-C774C2F7AB1E}" type="datetime1">
               <a:rPr lang="en-US" smtClean="0"/>
-              <a:t>11/18/2019</a:t>
+              <a:t>11/19/2019</a:t>
             </a:fld>
             <a:endParaRPr lang="en-US"/>
           </a:p>
@@ -4437,7 +4461,10 @@
           <a:bodyPr/>
           <a:lstStyle/>
           <a:p>
-            <a:endParaRPr lang="en-US"/>
+            <a:r>
+              <a:rPr lang="en-US"/>
+              <a:t>aka.ms/mlads-checklists</a:t>
+            </a:r>
           </a:p>
         </p:txBody>
       </p:sp>
@@ -4696,9 +4723,9 @@
           <a:bodyPr/>
           <a:lstStyle/>
           <a:p>
-            <a:fld id="{FA9E209E-AFDF-45CC-8EFA-6B239D051061}" type="datetimeFigureOut">
+            <a:fld id="{9177E287-B598-4229-8B46-28E2A3E8F861}" type="datetime1">
               <a:rPr lang="en-US" smtClean="0"/>
-              <a:t>11/18/2019</a:t>
+              <a:t>11/19/2019</a:t>
             </a:fld>
             <a:endParaRPr lang="en-US"/>
           </a:p>
@@ -4725,7 +4752,10 @@
           <a:bodyPr/>
           <a:lstStyle/>
           <a:p>
-            <a:endParaRPr lang="en-US"/>
+            <a:r>
+              <a:rPr lang="en-US"/>
+              <a:t>aka.ms/mlads-checklists</a:t>
+            </a:r>
           </a:p>
         </p:txBody>
       </p:sp>
@@ -4937,9 +4967,9 @@
             </a:lvl1pPr>
           </a:lstStyle>
           <a:p>
-            <a:fld id="{FA9E209E-AFDF-45CC-8EFA-6B239D051061}" type="datetimeFigureOut">
+            <a:fld id="{53955219-6F27-44A6-BCAB-A510701E63D0}" type="datetime1">
               <a:rPr lang="en-US" smtClean="0"/>
-              <a:t>11/18/2019</a:t>
+              <a:t>11/19/2019</a:t>
             </a:fld>
             <a:endParaRPr lang="en-US"/>
           </a:p>
@@ -4984,7 +5014,10 @@
             </a:lvl1pPr>
           </a:lstStyle>
           <a:p>
-            <a:endParaRPr lang="en-US"/>
+            <a:r>
+              <a:rPr lang="en-US"/>
+              <a:t>aka.ms/mlads-checklists</a:t>
+            </a:r>
           </a:p>
         </p:txBody>
       </p:sp>
@@ -5059,6 +5092,7 @@
     <p:sldLayoutId id="2147483661" r:id="rId13"/>
     <p:sldLayoutId id="2147483662" r:id="rId14"/>
   </p:sldLayoutIdLst>
+  <p:hf sldNum="0" hdr="0" dt="0"/>
   <p:txStyles>
     <p:titleStyle>
       <a:lvl1pPr algn="l" defTabSz="914400" rtl="0" eaLnBrk="1" latinLnBrk="0" hangingPunct="1">
@@ -5377,14 +5411,14 @@
           <a:lstStyle/>
           <a:p>
             <a:r>
-              <a:rPr lang="en-US" dirty="0"/>
+              <a:rPr lang="en-US"/>
               <a:t>MACHINE LEARNING, AI,</a:t>
             </a:r>
             <a:br>
-              <a:rPr lang="en-US" dirty="0"/>
+              <a:rPr lang="en-US"/>
             </a:br>
             <a:r>
-              <a:rPr lang="en-US" dirty="0"/>
+              <a:rPr lang="en-US"/>
               <a:t>AND DATA SCIENCE CONFERENCE</a:t>
             </a:r>
           </a:p>
@@ -5408,7 +5442,7 @@
           <a:lstStyle/>
           <a:p>
             <a:r>
-              <a:rPr lang="en-US" dirty="0"/>
+              <a:rPr lang="en-US"/>
               <a:t>November 19-21, 2019</a:t>
             </a:r>
           </a:p>
@@ -5470,7 +5504,7 @@
         </p:nvSpPr>
         <p:spPr>
           <a:xfrm>
-            <a:off x="1451579" y="738512"/>
+            <a:off x="1405556" y="274269"/>
             <a:ext cx="2471697" cy="1013448"/>
           </a:xfrm>
           <a:prstGeom prst="rect">
@@ -5499,7 +5533,7 @@
           <a:p>
             <a:pPr algn="ctr"/>
             <a:r>
-              <a:rPr lang="en-US" sz="2800" dirty="0"/>
+              <a:rPr lang="en-US" sz="2800"/>
               <a:t>Vectorization</a:t>
             </a:r>
           </a:p>
@@ -5519,7 +5553,7 @@
         </p:nvSpPr>
         <p:spPr>
           <a:xfrm>
-            <a:off x="4046273" y="2566357"/>
+            <a:off x="4046273" y="1802562"/>
             <a:ext cx="758864" cy="436605"/>
           </a:xfrm>
           <a:prstGeom prst="rect">
@@ -5548,7 +5582,7 @@
           <a:p>
             <a:pPr algn="ctr"/>
             <a:r>
-              <a:rPr lang="en-US" dirty="0"/>
+              <a:rPr lang="en-US"/>
               <a:t>like</a:t>
             </a:r>
           </a:p>
@@ -5568,7 +5602,7 @@
         </p:nvSpPr>
         <p:spPr>
           <a:xfrm>
-            <a:off x="3131573" y="2566358"/>
+            <a:off x="3131573" y="1802563"/>
             <a:ext cx="758864" cy="436605"/>
           </a:xfrm>
           <a:prstGeom prst="rect">
@@ -5600,7 +5634,6 @@
               <a:rPr lang="en-US"/>
               <a:t>I</a:t>
             </a:r>
-            <a:endParaRPr lang="en-US" dirty="0"/>
           </a:p>
         </p:txBody>
       </p:sp>
@@ -5618,7 +5651,7 @@
         </p:nvSpPr>
         <p:spPr>
           <a:xfrm>
-            <a:off x="5006704" y="2567630"/>
+            <a:off x="5006704" y="1803835"/>
             <a:ext cx="758864" cy="436605"/>
           </a:xfrm>
           <a:prstGeom prst="rect">
@@ -5647,7 +5680,7 @@
           <a:p>
             <a:pPr algn="ctr"/>
             <a:r>
-              <a:rPr lang="en-US" dirty="0"/>
+              <a:rPr lang="en-US"/>
               <a:t>this</a:t>
             </a:r>
           </a:p>
@@ -5667,7 +5700,7 @@
         </p:nvSpPr>
         <p:spPr>
           <a:xfrm>
-            <a:off x="5967136" y="2584990"/>
+            <a:off x="5967136" y="1821195"/>
             <a:ext cx="836793" cy="436605"/>
           </a:xfrm>
           <a:prstGeom prst="rect">
@@ -5696,7 +5729,7 @@
           <a:p>
             <a:pPr algn="ctr"/>
             <a:r>
-              <a:rPr lang="en-US" dirty="0"/>
+              <a:rPr lang="en-US"/>
               <a:t>movie</a:t>
             </a:r>
           </a:p>
@@ -5716,7 +5749,7 @@
         </p:nvSpPr>
         <p:spPr>
           <a:xfrm>
-            <a:off x="1456525" y="2618092"/>
+            <a:off x="1456525" y="1854297"/>
             <a:ext cx="1473480" cy="369332"/>
           </a:xfrm>
           <a:prstGeom prst="rect">
@@ -5731,7 +5764,7 @@
           <a:lstStyle/>
           <a:p>
             <a:r>
-              <a:rPr lang="en-US" dirty="0"/>
+              <a:rPr lang="en-US"/>
               <a:t>Instance 0001</a:t>
             </a:r>
           </a:p>
@@ -5749,10 +5782,16 @@
           <p:cNvGraphicFramePr>
             <a:graphicFrameLocks noGrp="1"/>
           </p:cNvGraphicFramePr>
-          <p:nvPr/>
+          <p:nvPr>
+            <p:extLst>
+              <p:ext uri="{D42A27DB-BD31-4B8C-83A1-F6EECF244321}">
+                <p14:modId xmlns:p14="http://schemas.microsoft.com/office/powerpoint/2010/main" val="90717954"/>
+              </p:ext>
+            </p:extLst>
+          </p:nvPr>
         </p:nvGraphicFramePr>
         <p:xfrm>
-          <a:off x="1451579" y="4478667"/>
+          <a:off x="1451579" y="3714872"/>
           <a:ext cx="5927961" cy="1112520"/>
         </p:xfrm>
         <a:graphic>
@@ -5813,7 +5852,7 @@
                     <a:p>
                       <a:pPr algn="ctr"/>
                       <a:r>
-                        <a:rPr lang="en-US" dirty="0"/>
+                        <a:rPr lang="en-US"/>
                         <a:t>Vector</a:t>
                       </a:r>
                     </a:p>
@@ -5827,7 +5866,7 @@
                     <a:p>
                       <a:pPr algn="ctr"/>
                       <a:r>
-                        <a:rPr lang="en-US" dirty="0"/>
+                        <a:rPr lang="en-US"/>
                         <a:t>I</a:t>
                       </a:r>
                     </a:p>
@@ -5841,7 +5880,7 @@
                     <a:p>
                       <a:pPr algn="ctr"/>
                       <a:r>
-                        <a:rPr lang="en-US" dirty="0"/>
+                        <a:rPr lang="en-US"/>
                         <a:t>Like</a:t>
                       </a:r>
                     </a:p>
@@ -5855,7 +5894,7 @@
                     <a:p>
                       <a:pPr algn="ctr"/>
                       <a:r>
-                        <a:rPr lang="en-US" dirty="0"/>
+                        <a:rPr lang="en-US"/>
                         <a:t>Movie</a:t>
                       </a:r>
                     </a:p>
@@ -5869,7 +5908,7 @@
                     <a:p>
                       <a:pPr algn="ctr"/>
                       <a:r>
-                        <a:rPr lang="en-US" dirty="0"/>
+                        <a:rPr lang="en-US"/>
                         <a:t>Really</a:t>
                       </a:r>
                     </a:p>
@@ -5883,7 +5922,7 @@
                     <a:p>
                       <a:pPr algn="ctr"/>
                       <a:r>
-                        <a:rPr lang="en-US" dirty="0"/>
+                        <a:rPr lang="en-US"/>
                         <a:t>Enjoy</a:t>
                       </a:r>
                     </a:p>
@@ -5904,7 +5943,7 @@
                     <a:p>
                       <a:pPr algn="ctr"/>
                       <a:r>
-                        <a:rPr lang="en-US" dirty="0"/>
+                        <a:rPr lang="en-US"/>
                         <a:t>0001</a:t>
                       </a:r>
                     </a:p>
@@ -5918,7 +5957,7 @@
                     <a:p>
                       <a:pPr algn="ctr"/>
                       <a:r>
-                        <a:rPr lang="en-US" dirty="0"/>
+                        <a:rPr lang="en-US"/>
                         <a:t>1</a:t>
                       </a:r>
                     </a:p>
@@ -5932,7 +5971,7 @@
                     <a:p>
                       <a:pPr algn="ctr"/>
                       <a:r>
-                        <a:rPr lang="en-US" dirty="0"/>
+                        <a:rPr lang="en-US"/>
                         <a:t>1</a:t>
                       </a:r>
                     </a:p>
@@ -5946,7 +5985,7 @@
                     <a:p>
                       <a:pPr algn="ctr"/>
                       <a:r>
-                        <a:rPr lang="en-US" dirty="0"/>
+                        <a:rPr lang="en-US"/>
                         <a:t>1</a:t>
                       </a:r>
                     </a:p>
@@ -5960,7 +5999,7 @@
                     <a:p>
                       <a:pPr algn="ctr"/>
                       <a:r>
-                        <a:rPr lang="en-US" dirty="0"/>
+                        <a:rPr lang="en-US"/>
                         <a:t>1</a:t>
                       </a:r>
                     </a:p>
@@ -5974,7 +6013,7 @@
                     <a:p>
                       <a:pPr algn="ctr"/>
                       <a:r>
-                        <a:rPr lang="en-US" dirty="0"/>
+                        <a:rPr lang="en-US"/>
                         <a:t>1</a:t>
                       </a:r>
                     </a:p>
@@ -5995,7 +6034,7 @@
                     <a:p>
                       <a:pPr algn="ctr"/>
                       <a:r>
-                        <a:rPr lang="en-US" dirty="0"/>
+                        <a:rPr lang="en-US"/>
                         <a:t>0002</a:t>
                       </a:r>
                     </a:p>
@@ -6009,7 +6048,7 @@
                     <a:p>
                       <a:pPr algn="ctr"/>
                       <a:r>
-                        <a:rPr lang="en-US" dirty="0"/>
+                        <a:rPr lang="en-US"/>
                         <a:t>1</a:t>
                       </a:r>
                     </a:p>
@@ -6023,7 +6062,7 @@
                     <a:p>
                       <a:pPr algn="ctr"/>
                       <a:r>
-                        <a:rPr lang="en-US" dirty="0"/>
+                        <a:rPr lang="en-US"/>
                         <a:t>0</a:t>
                       </a:r>
                     </a:p>
@@ -6037,7 +6076,7 @@
                     <a:p>
                       <a:pPr algn="ctr"/>
                       <a:r>
-                        <a:rPr lang="en-US" dirty="0"/>
+                        <a:rPr lang="en-US"/>
                         <a:t>1</a:t>
                       </a:r>
                     </a:p>
@@ -6051,7 +6090,7 @@
                     <a:p>
                       <a:pPr algn="ctr"/>
                       <a:r>
-                        <a:rPr lang="en-US" dirty="0"/>
+                        <a:rPr lang="en-US"/>
                         <a:t>1</a:t>
                       </a:r>
                     </a:p>
@@ -6065,7 +6104,7 @@
                     <a:p>
                       <a:pPr algn="ctr"/>
                       <a:r>
-                        <a:rPr lang="en-US" dirty="0"/>
+                        <a:rPr lang="en-US"/>
                         <a:t>1</a:t>
                       </a:r>
                     </a:p>
@@ -6096,7 +6135,7 @@
         </p:nvSpPr>
         <p:spPr>
           <a:xfrm>
-            <a:off x="4046272" y="3212776"/>
+            <a:off x="4046272" y="2448981"/>
             <a:ext cx="758864" cy="436605"/>
           </a:xfrm>
           <a:prstGeom prst="rect">
@@ -6125,7 +6164,7 @@
           <a:p>
             <a:pPr algn="ctr"/>
             <a:r>
-              <a:rPr lang="en-US" dirty="0"/>
+              <a:rPr lang="en-US"/>
               <a:t>really</a:t>
             </a:r>
           </a:p>
@@ -6145,7 +6184,7 @@
         </p:nvSpPr>
         <p:spPr>
           <a:xfrm>
-            <a:off x="3131573" y="3212776"/>
+            <a:off x="3131573" y="2448981"/>
             <a:ext cx="758864" cy="436605"/>
           </a:xfrm>
           <a:prstGeom prst="rect">
@@ -6177,7 +6216,6 @@
               <a:rPr lang="en-US"/>
               <a:t>I</a:t>
             </a:r>
-            <a:endParaRPr lang="en-US" dirty="0"/>
           </a:p>
         </p:txBody>
       </p:sp>
@@ -6195,7 +6233,7 @@
         </p:nvSpPr>
         <p:spPr>
           <a:xfrm>
-            <a:off x="6031351" y="3195416"/>
+            <a:off x="6031351" y="2431621"/>
             <a:ext cx="758864" cy="453965"/>
           </a:xfrm>
           <a:prstGeom prst="rect">
@@ -6224,7 +6262,7 @@
           <a:p>
             <a:pPr algn="ctr"/>
             <a:r>
-              <a:rPr lang="en-US" dirty="0"/>
+              <a:rPr lang="en-US"/>
               <a:t>this</a:t>
             </a:r>
           </a:p>
@@ -6244,7 +6282,7 @@
         </p:nvSpPr>
         <p:spPr>
           <a:xfrm>
-            <a:off x="6918992" y="3212776"/>
+            <a:off x="6918992" y="2448981"/>
             <a:ext cx="836793" cy="436605"/>
           </a:xfrm>
           <a:prstGeom prst="rect">
@@ -6273,7 +6311,7 @@
           <a:p>
             <a:pPr algn="ctr"/>
             <a:r>
-              <a:rPr lang="en-US" dirty="0"/>
+              <a:rPr lang="en-US"/>
               <a:t>movie</a:t>
             </a:r>
           </a:p>
@@ -6293,7 +6331,7 @@
         </p:nvSpPr>
         <p:spPr>
           <a:xfrm>
-            <a:off x="1456525" y="3264510"/>
+            <a:off x="1456525" y="2500715"/>
             <a:ext cx="1473480" cy="369332"/>
           </a:xfrm>
           <a:prstGeom prst="rect">
@@ -6308,7 +6346,7 @@
           <a:lstStyle/>
           <a:p>
             <a:r>
-              <a:rPr lang="en-US" dirty="0"/>
+              <a:rPr lang="en-US"/>
               <a:t>Instance 0002</a:t>
             </a:r>
           </a:p>
@@ -6328,7 +6366,7 @@
         </p:nvSpPr>
         <p:spPr>
           <a:xfrm>
-            <a:off x="4974249" y="3189468"/>
+            <a:off x="4974249" y="2425673"/>
             <a:ext cx="928325" cy="459913"/>
           </a:xfrm>
           <a:prstGeom prst="rect">
@@ -6357,7 +6395,7 @@
           <a:p>
             <a:pPr algn="ctr"/>
             <a:r>
-              <a:rPr lang="en-US" dirty="0"/>
+              <a:rPr lang="en-US"/>
               <a:t>enjoy</a:t>
             </a:r>
           </a:p>
@@ -6377,7 +6415,7 @@
         </p:nvSpPr>
         <p:spPr>
           <a:xfrm>
-            <a:off x="1451579" y="3910928"/>
+            <a:off x="1451579" y="3147133"/>
             <a:ext cx="1473480" cy="369332"/>
           </a:xfrm>
           <a:prstGeom prst="rect">
@@ -6392,7 +6430,7 @@
           <a:lstStyle/>
           <a:p>
             <a:r>
-              <a:rPr lang="en-US" dirty="0"/>
+              <a:rPr lang="en-US"/>
               <a:t>Instance 0003</a:t>
             </a:r>
           </a:p>
@@ -6412,7 +6450,7 @@
         </p:nvSpPr>
         <p:spPr>
           <a:xfrm>
-            <a:off x="4033088" y="3884852"/>
+            <a:off x="4033088" y="3121057"/>
             <a:ext cx="758864" cy="436605"/>
           </a:xfrm>
           <a:prstGeom prst="rect">
@@ -6441,7 +6479,7 @@
           <a:p>
             <a:pPr algn="ctr"/>
             <a:r>
-              <a:rPr lang="en-US" dirty="0"/>
+              <a:rPr lang="en-US"/>
               <a:t>like</a:t>
             </a:r>
           </a:p>
@@ -6461,7 +6499,7 @@
         </p:nvSpPr>
         <p:spPr>
           <a:xfrm>
-            <a:off x="3118389" y="3884852"/>
+            <a:off x="3118389" y="3121057"/>
             <a:ext cx="758864" cy="436605"/>
           </a:xfrm>
           <a:prstGeom prst="rect">
@@ -6493,7 +6531,6 @@
               <a:rPr lang="en-US"/>
               <a:t>I</a:t>
             </a:r>
-            <a:endParaRPr lang="en-US" dirty="0"/>
           </a:p>
         </p:txBody>
       </p:sp>
@@ -6511,7 +6548,7 @@
         </p:nvSpPr>
         <p:spPr>
           <a:xfrm>
-            <a:off x="6018167" y="3867492"/>
+            <a:off x="6018167" y="3103697"/>
             <a:ext cx="758864" cy="453965"/>
           </a:xfrm>
           <a:prstGeom prst="rect">
@@ -6540,7 +6577,7 @@
           <a:p>
             <a:pPr algn="ctr"/>
             <a:r>
-              <a:rPr lang="en-US" dirty="0"/>
+              <a:rPr lang="en-US"/>
               <a:t>movie</a:t>
             </a:r>
           </a:p>
@@ -6560,7 +6597,7 @@
         </p:nvSpPr>
         <p:spPr>
           <a:xfrm>
-            <a:off x="6905808" y="3884852"/>
+            <a:off x="6905808" y="3121057"/>
             <a:ext cx="836793" cy="436605"/>
           </a:xfrm>
           <a:prstGeom prst="rect">
@@ -6589,7 +6626,7 @@
           <a:p>
             <a:pPr algn="ctr"/>
             <a:r>
-              <a:rPr lang="en-US" dirty="0"/>
+              <a:rPr lang="en-US"/>
               <a:t>hate</a:t>
             </a:r>
           </a:p>
@@ -6609,7 +6646,7 @@
         </p:nvSpPr>
         <p:spPr>
           <a:xfrm>
-            <a:off x="4961065" y="3861544"/>
+            <a:off x="4961065" y="3097749"/>
             <a:ext cx="928325" cy="459913"/>
           </a:xfrm>
           <a:prstGeom prst="rect">
@@ -6638,7 +6675,7 @@
           <a:p>
             <a:pPr algn="ctr"/>
             <a:r>
-              <a:rPr lang="en-US" dirty="0"/>
+              <a:rPr lang="en-US"/>
               <a:t>this</a:t>
             </a:r>
           </a:p>
@@ -6658,7 +6695,7 @@
         </p:nvSpPr>
         <p:spPr>
           <a:xfrm>
-            <a:off x="7896352" y="3884852"/>
+            <a:off x="7896352" y="3121057"/>
             <a:ext cx="836793" cy="436605"/>
           </a:xfrm>
           <a:prstGeom prst="rect">
@@ -6687,7 +6724,7 @@
           <a:p>
             <a:pPr algn="ctr"/>
             <a:r>
-              <a:rPr lang="en-US" dirty="0"/>
+              <a:rPr lang="en-US"/>
               <a:t>miss</a:t>
             </a:r>
           </a:p>
@@ -6705,10 +6742,16 @@
           <p:cNvGraphicFramePr>
             <a:graphicFrameLocks noGrp="1"/>
           </p:cNvGraphicFramePr>
-          <p:nvPr/>
+          <p:nvPr>
+            <p:extLst>
+              <p:ext uri="{D42A27DB-BD31-4B8C-83A1-F6EECF244321}">
+                <p14:modId xmlns:p14="http://schemas.microsoft.com/office/powerpoint/2010/main" val="3682162287"/>
+              </p:ext>
+            </p:extLst>
+          </p:nvPr>
         </p:nvGraphicFramePr>
         <p:xfrm>
-          <a:off x="7379540" y="4478667"/>
+          <a:off x="7379540" y="3714872"/>
           <a:ext cx="2069365" cy="1483360"/>
         </p:xfrm>
         <a:graphic>
@@ -6741,7 +6784,7 @@
                     <a:p>
                       <a:pPr algn="ctr"/>
                       <a:r>
-                        <a:rPr lang="en-US" dirty="0"/>
+                        <a:rPr lang="en-US"/>
                         <a:t>Hate</a:t>
                       </a:r>
                     </a:p>
@@ -6755,10 +6798,10 @@
                     <a:p>
                       <a:pPr algn="ctr"/>
                       <a:r>
-                        <a:rPr lang="en-US" altLang="zh-CN" dirty="0"/>
+                        <a:rPr lang="en-US" altLang="zh-CN"/>
                         <a:t>Miss</a:t>
                       </a:r>
-                      <a:endParaRPr lang="en-US" dirty="0"/>
+                      <a:endParaRPr lang="en-US"/>
                     </a:p>
                   </a:txBody>
                   <a:tcPr/>
@@ -6777,7 +6820,7 @@
                     <a:p>
                       <a:pPr algn="ctr"/>
                       <a:r>
-                        <a:rPr lang="en-US" dirty="0"/>
+                        <a:rPr lang="en-US"/>
                         <a:t>0</a:t>
                       </a:r>
                     </a:p>
@@ -6791,7 +6834,7 @@
                     <a:p>
                       <a:pPr algn="ctr"/>
                       <a:r>
-                        <a:rPr lang="en-US" dirty="0"/>
+                        <a:rPr lang="en-US"/>
                         <a:t>0</a:t>
                       </a:r>
                     </a:p>
@@ -6812,7 +6855,7 @@
                     <a:p>
                       <a:pPr algn="ctr"/>
                       <a:r>
-                        <a:rPr lang="en-US" dirty="0"/>
+                        <a:rPr lang="en-US"/>
                         <a:t>0</a:t>
                       </a:r>
                     </a:p>
@@ -6826,7 +6869,7 @@
                     <a:p>
                       <a:pPr algn="ctr"/>
                       <a:r>
-                        <a:rPr lang="en-US" dirty="0"/>
+                        <a:rPr lang="en-US"/>
                         <a:t>0</a:t>
                       </a:r>
                     </a:p>
@@ -6847,7 +6890,7 @@
                     <a:p>
                       <a:pPr algn="ctr"/>
                       <a:r>
-                        <a:rPr lang="en-US" dirty="0"/>
+                        <a:rPr lang="en-US"/>
                         <a:t>1</a:t>
                       </a:r>
                     </a:p>
@@ -6861,7 +6904,7 @@
                     <a:p>
                       <a:pPr algn="ctr"/>
                       <a:r>
-                        <a:rPr lang="en-US" dirty="0"/>
+                        <a:rPr lang="en-US"/>
                         <a:t>1</a:t>
                       </a:r>
                     </a:p>
@@ -6890,10 +6933,16 @@
           <p:cNvGraphicFramePr>
             <a:graphicFrameLocks noGrp="1"/>
           </p:cNvGraphicFramePr>
-          <p:nvPr/>
+          <p:nvPr>
+            <p:extLst>
+              <p:ext uri="{D42A27DB-BD31-4B8C-83A1-F6EECF244321}">
+                <p14:modId xmlns:p14="http://schemas.microsoft.com/office/powerpoint/2010/main" val="2301074072"/>
+              </p:ext>
+            </p:extLst>
+          </p:nvPr>
         </p:nvGraphicFramePr>
         <p:xfrm>
-          <a:off x="1451579" y="5593109"/>
+          <a:off x="1451579" y="4829314"/>
           <a:ext cx="5927964" cy="370840"/>
         </p:xfrm>
         <a:graphic>
@@ -6954,7 +7003,7 @@
                     <a:p>
                       <a:pPr algn="ctr"/>
                       <a:r>
-                        <a:rPr lang="en-US" dirty="0"/>
+                        <a:rPr lang="en-US"/>
                         <a:t>0003</a:t>
                       </a:r>
                     </a:p>
@@ -6968,7 +7017,7 @@
                     <a:p>
                       <a:pPr algn="ctr"/>
                       <a:r>
-                        <a:rPr lang="en-US" dirty="0"/>
+                        <a:rPr lang="en-US"/>
                         <a:t>1</a:t>
                       </a:r>
                     </a:p>
@@ -6982,7 +7031,7 @@
                     <a:p>
                       <a:pPr algn="ctr"/>
                       <a:r>
-                        <a:rPr lang="en-US" dirty="0"/>
+                        <a:rPr lang="en-US"/>
                         <a:t>1</a:t>
                       </a:r>
                     </a:p>
@@ -6996,7 +7045,7 @@
                     <a:p>
                       <a:pPr algn="ctr"/>
                       <a:r>
-                        <a:rPr lang="en-US" dirty="0"/>
+                        <a:rPr lang="en-US"/>
                         <a:t>1</a:t>
                       </a:r>
                     </a:p>
@@ -7010,7 +7059,7 @@
                     <a:p>
                       <a:pPr algn="ctr"/>
                       <a:r>
-                        <a:rPr lang="en-US" dirty="0"/>
+                        <a:rPr lang="en-US"/>
                         <a:t>0</a:t>
                       </a:r>
                     </a:p>
@@ -7024,7 +7073,7 @@
                     <a:p>
                       <a:pPr algn="ctr"/>
                       <a:r>
-                        <a:rPr lang="en-US" dirty="0"/>
+                        <a:rPr lang="en-US"/>
                         <a:t>0</a:t>
                       </a:r>
                     </a:p>
@@ -7043,77 +7092,6 @@
       </p:graphicFrame>
       <p:sp>
         <p:nvSpPr>
-          <p:cNvPr id="46" name="Content Placeholder 2">
-            <a:extLst>
-              <a:ext uri="{FF2B5EF4-FFF2-40B4-BE49-F238E27FC236}">
-                <a16:creationId xmlns:a16="http://schemas.microsoft.com/office/drawing/2014/main" id="{387D4F09-A881-4751-B15E-C6AA84CD9B49}"/>
-              </a:ext>
-            </a:extLst>
-          </p:cNvPr>
-          <p:cNvSpPr>
-            <a:spLocks noGrp="1"/>
-          </p:cNvSpPr>
-          <p:nvPr>
-            <p:ph idx="1"/>
-          </p:nvPr>
-        </p:nvSpPr>
-        <p:spPr>
-          <a:xfrm>
-            <a:off x="1216529" y="1921384"/>
-            <a:ext cx="10873145" cy="4800145"/>
-          </a:xfrm>
-        </p:spPr>
-        <p:txBody>
-          <a:bodyPr/>
-          <a:lstStyle/>
-          <a:p>
-            <a:r>
-              <a:rPr lang="en-US" dirty="0"/>
-              <a:t>Bag of words – </a:t>
-            </a:r>
-            <a:r>
-              <a:rPr lang="en-US"/>
-              <a:t>simple and based only on term-frequency</a:t>
-            </a:r>
-          </a:p>
-          <a:p>
-            <a:endParaRPr lang="en-US"/>
-          </a:p>
-          <a:p>
-            <a:endParaRPr lang="en-US"/>
-          </a:p>
-          <a:p>
-            <a:endParaRPr lang="en-US"/>
-          </a:p>
-          <a:p>
-            <a:endParaRPr lang="en-US"/>
-          </a:p>
-          <a:p>
-            <a:endParaRPr lang="en-US"/>
-          </a:p>
-          <a:p>
-            <a:endParaRPr lang="en-US"/>
-          </a:p>
-          <a:p>
-            <a:endParaRPr lang="en-US"/>
-          </a:p>
-          <a:p>
-            <a:r>
-              <a:rPr lang="en-US"/>
-              <a:t>TF-IDF – combines Term Frequency and </a:t>
-            </a:r>
-            <a:r>
-              <a:rPr lang="en-US" i="1"/>
-              <a:t>Inverse Document Frequency </a:t>
-            </a:r>
-          </a:p>
-          <a:p>
-            <a:endParaRPr lang="en-US" dirty="0"/>
-          </a:p>
-        </p:txBody>
-      </p:sp>
-      <p:sp>
-        <p:nvSpPr>
           <p:cNvPr id="28" name="TextBox 27">
             <a:extLst>
               <a:ext uri="{FF2B5EF4-FFF2-40B4-BE49-F238E27FC236}">
@@ -7152,6 +7130,152 @@
               <a:rPr lang="en-US" sz="1200" i="1"/>
               <a:t>. "Introduction to information retrieval." An Introduction To Information Retrieval 151.177 (2008): 5.</a:t>
             </a:r>
+          </a:p>
+        </p:txBody>
+      </p:sp>
+      <p:sp>
+        <p:nvSpPr>
+          <p:cNvPr id="5" name="Footer Placeholder 4">
+            <a:extLst>
+              <a:ext uri="{FF2B5EF4-FFF2-40B4-BE49-F238E27FC236}">
+                <a16:creationId xmlns:a16="http://schemas.microsoft.com/office/drawing/2014/main" id="{274D2436-47BE-4E79-97B0-7A0E1EFED575}"/>
+              </a:ext>
+            </a:extLst>
+          </p:cNvPr>
+          <p:cNvSpPr>
+            <a:spLocks noGrp="1"/>
+          </p:cNvSpPr>
+          <p:nvPr>
+            <p:ph type="ftr" sz="quarter" idx="11"/>
+          </p:nvPr>
+        </p:nvSpPr>
+        <p:spPr/>
+        <p:txBody>
+          <a:bodyPr/>
+          <a:lstStyle/>
+          <a:p>
+            <a:r>
+              <a:rPr lang="en-US"/>
+              <a:t>aka.ms/mlads-checklists</a:t>
+            </a:r>
+          </a:p>
+        </p:txBody>
+      </p:sp>
+      <p:sp>
+        <p:nvSpPr>
+          <p:cNvPr id="30" name="Content Placeholder 2">
+            <a:extLst>
+              <a:ext uri="{FF2B5EF4-FFF2-40B4-BE49-F238E27FC236}">
+                <a16:creationId xmlns:a16="http://schemas.microsoft.com/office/drawing/2014/main" id="{7C2DC660-459B-437C-8636-88B5FFE32310}"/>
+              </a:ext>
+            </a:extLst>
+          </p:cNvPr>
+          <p:cNvSpPr>
+            <a:spLocks noGrp="1"/>
+          </p:cNvSpPr>
+          <p:nvPr>
+            <p:ph idx="1"/>
+          </p:nvPr>
+        </p:nvSpPr>
+        <p:spPr>
+          <a:xfrm>
+            <a:off x="328995" y="1374860"/>
+            <a:ext cx="10873145" cy="444414"/>
+          </a:xfrm>
+        </p:spPr>
+        <p:txBody>
+          <a:bodyPr>
+            <a:normAutofit lnSpcReduction="10000"/>
+          </a:bodyPr>
+          <a:lstStyle/>
+          <a:p>
+            <a:r>
+              <a:rPr lang="en-US" dirty="0"/>
+              <a:t>One-hot encoding – simple and based only on the existence of the term</a:t>
+            </a:r>
+          </a:p>
+          <a:p>
+            <a:endParaRPr lang="en-US" dirty="0"/>
+          </a:p>
+          <a:p>
+            <a:endParaRPr lang="en-US" dirty="0"/>
+          </a:p>
+          <a:p>
+            <a:endParaRPr lang="en-US" dirty="0"/>
+          </a:p>
+          <a:p>
+            <a:endParaRPr lang="en-US" dirty="0"/>
+          </a:p>
+          <a:p>
+            <a:endParaRPr lang="en-US" dirty="0"/>
+          </a:p>
+          <a:p>
+            <a:endParaRPr lang="en-US" dirty="0"/>
+          </a:p>
+          <a:p>
+            <a:pPr marL="0" indent="0">
+              <a:buNone/>
+            </a:pPr>
+            <a:endParaRPr lang="en-US" dirty="0"/>
+          </a:p>
+          <a:p>
+            <a:endParaRPr lang="en-US" dirty="0"/>
+          </a:p>
+        </p:txBody>
+      </p:sp>
+      <p:sp>
+        <p:nvSpPr>
+          <p:cNvPr id="13" name="TextBox 12">
+            <a:extLst>
+              <a:ext uri="{FF2B5EF4-FFF2-40B4-BE49-F238E27FC236}">
+                <a16:creationId xmlns:a16="http://schemas.microsoft.com/office/drawing/2014/main" id="{9F38017F-02E6-412C-A915-11F29409E8A7}"/>
+              </a:ext>
+            </a:extLst>
+          </p:cNvPr>
+          <p:cNvSpPr txBox="1"/>
+          <p:nvPr/>
+        </p:nvSpPr>
+        <p:spPr>
+          <a:xfrm>
+            <a:off x="557376" y="5425873"/>
+            <a:ext cx="10726199" cy="1384995"/>
+          </a:xfrm>
+          <a:prstGeom prst="rect">
+            <a:avLst/>
+          </a:prstGeom>
+          <a:noFill/>
+        </p:spPr>
+        <p:txBody>
+          <a:bodyPr wrap="square" rtlCol="0">
+            <a:spAutoFit/>
+          </a:bodyPr>
+          <a:lstStyle/>
+          <a:p>
+            <a:pPr marL="285750" indent="-285750">
+              <a:buFont typeface="Arial" panose="020B0604020202020204" pitchFamily="34" charset="0"/>
+              <a:buChar char="•"/>
+            </a:pPr>
+            <a:r>
+              <a:rPr lang="en-US" sz="2800" dirty="0"/>
+              <a:t>Bag-of-Words: Same as One-hot except it includes term frequency</a:t>
+            </a:r>
+          </a:p>
+          <a:p>
+            <a:pPr marL="285750" indent="-285750">
+              <a:buFont typeface="Arial" panose="020B0604020202020204" pitchFamily="34" charset="0"/>
+              <a:buChar char="•"/>
+            </a:pPr>
+            <a:r>
+              <a:rPr lang="en-US" sz="2800" dirty="0"/>
+              <a:t>TF-IDF – combines Term Frequency and </a:t>
+            </a:r>
+            <a:r>
+              <a:rPr lang="en-US" sz="2800" i="1" dirty="0"/>
+              <a:t>Inverse Document Frequency </a:t>
+            </a:r>
+          </a:p>
+          <a:p>
+            <a:endParaRPr lang="en-US" sz="2800" dirty="0"/>
           </a:p>
         </p:txBody>
       </p:sp>
@@ -7479,6 +7603,51 @@
                       </p:childTnLst>
                     </p:cTn>
                   </p:par>
+                  <p:par>
+                    <p:cTn id="27" fill="hold">
+                      <p:stCondLst>
+                        <p:cond delay="indefinite"/>
+                      </p:stCondLst>
+                      <p:childTnLst>
+                        <p:par>
+                          <p:cTn id="28" fill="hold">
+                            <p:stCondLst>
+                              <p:cond delay="0"/>
+                            </p:stCondLst>
+                            <p:childTnLst>
+                              <p:par>
+                                <p:cTn id="29" presetID="1" presetClass="entr" presetSubtype="0" fill="hold" grpId="0" nodeType="clickEffect">
+                                  <p:stCondLst>
+                                    <p:cond delay="0"/>
+                                  </p:stCondLst>
+                                  <p:childTnLst>
+                                    <p:set>
+                                      <p:cBhvr>
+                                        <p:cTn id="30" dur="1" fill="hold">
+                                          <p:stCondLst>
+                                            <p:cond delay="0"/>
+                                          </p:stCondLst>
+                                        </p:cTn>
+                                        <p:tgtEl>
+                                          <p:spTgt spid="13"/>
+                                        </p:tgtEl>
+                                        <p:attrNameLst>
+                                          <p:attrName>style.visibility</p:attrName>
+                                        </p:attrNameLst>
+                                      </p:cBhvr>
+                                      <p:to>
+                                        <p:strVal val="visible"/>
+                                      </p:to>
+                                    </p:set>
+                                  </p:childTnLst>
+                                </p:cTn>
+                              </p:par>
+                            </p:childTnLst>
+                          </p:cTn>
+                        </p:par>
+                      </p:childTnLst>
+                    </p:cTn>
+                  </p:par>
                 </p:childTnLst>
               </p:cTn>
               <p:prevCondLst>
@@ -7508,6 +7677,7 @@
       <p:bldP spid="35" grpId="0" animBg="1"/>
       <p:bldP spid="37" grpId="0" animBg="1"/>
       <p:bldP spid="39" grpId="0" animBg="1"/>
+      <p:bldP spid="13" grpId="0"/>
     </p:bldLst>
   </p:timing>
 </p:sld>
@@ -7555,7 +7725,6 @@
               <a:rPr lang="en-US"/>
               <a:t>Useful Libraries</a:t>
             </a:r>
-            <a:endParaRPr lang="en-US" dirty="0"/>
           </a:p>
         </p:txBody>
       </p:sp>
@@ -7582,39 +7751,35 @@
           <a:p>
             <a:r>
               <a:rPr lang="en-US"/>
-              <a:t>NLTK - </a:t>
-            </a:r>
-            <a:r>
-              <a:rPr lang="en-US" dirty="0"/>
-              <a:t>A suite of libraries and programs in Python</a:t>
+              <a:t>NLTK - A suite of libraries and programs in Python</a:t>
             </a:r>
           </a:p>
           <a:p>
             <a:pPr lvl="1"/>
             <a:r>
-              <a:rPr lang="en-US" dirty="0"/>
+              <a:rPr lang="en-US"/>
               <a:t>Lexical Analysis – Word and text tokenizer</a:t>
             </a:r>
           </a:p>
           <a:p>
             <a:pPr lvl="1"/>
             <a:r>
-              <a:rPr lang="en-US" dirty="0"/>
+              <a:rPr lang="en-US"/>
               <a:t>N-gram and collocations</a:t>
             </a:r>
           </a:p>
           <a:p>
             <a:pPr lvl="1"/>
             <a:r>
-              <a:rPr lang="en-US" dirty="0"/>
+              <a:rPr lang="en-US"/>
               <a:t>Tree model and Text </a:t>
             </a:r>
             <a:r>
-              <a:rPr lang="en-US" dirty="0" err="1"/>
+              <a:rPr lang="en-US" err="1"/>
               <a:t>chunker</a:t>
             </a:r>
             <a:r>
-              <a:rPr lang="en-US" dirty="0"/>
+              <a:rPr lang="en-US"/>
               <a:t> for capturing</a:t>
             </a:r>
           </a:p>
@@ -7624,7 +7789,6 @@
               <a:rPr lang="en-US"/>
               <a:t>Named-entity recognition</a:t>
             </a:r>
-            <a:endParaRPr lang="en-US" dirty="0"/>
           </a:p>
           <a:p>
             <a:pPr lvl="1"/>
@@ -7652,7 +7816,35 @@
           </a:p>
           <a:p>
             <a:pPr lvl="1"/>
-            <a:endParaRPr lang="en-US" dirty="0"/>
+            <a:endParaRPr lang="en-US"/>
+          </a:p>
+        </p:txBody>
+      </p:sp>
+      <p:sp>
+        <p:nvSpPr>
+          <p:cNvPr id="4" name="Footer Placeholder 3">
+            <a:extLst>
+              <a:ext uri="{FF2B5EF4-FFF2-40B4-BE49-F238E27FC236}">
+                <a16:creationId xmlns:a16="http://schemas.microsoft.com/office/drawing/2014/main" id="{B18E3080-FF3A-444C-AC34-429747A462F9}"/>
+              </a:ext>
+            </a:extLst>
+          </p:cNvPr>
+          <p:cNvSpPr>
+            <a:spLocks noGrp="1"/>
+          </p:cNvSpPr>
+          <p:nvPr>
+            <p:ph type="ftr" sz="quarter" idx="11"/>
+          </p:nvPr>
+        </p:nvSpPr>
+        <p:spPr/>
+        <p:txBody>
+          <a:bodyPr/>
+          <a:lstStyle/>
+          <a:p>
+            <a:r>
+              <a:rPr lang="en-US"/>
+              <a:t>aka.ms/mlads-checklists</a:t>
+            </a:r>
           </a:p>
         </p:txBody>
       </p:sp>
@@ -7781,7 +7973,7 @@
           </a:p>
           <a:p>
             <a:pPr lvl="1"/>
-            <a:endParaRPr lang="en-US"/>
+            <a:endParaRPr lang="en-US" dirty="0"/>
           </a:p>
           <a:p>
             <a:r>
@@ -7793,25 +7985,42 @@
             <a:pPr lvl="1"/>
             <a:r>
               <a:rPr lang="en-US" dirty="0"/>
-              <a:t>Up to the first 100 words per review</a:t>
+              <a:t>Training with 1hot-encoding and Bag-of-words features</a:t>
             </a:r>
           </a:p>
           <a:p>
             <a:pPr lvl="1"/>
             <a:r>
               <a:rPr lang="en-US" dirty="0"/>
-              <a:t>Top 10K words by overall frequency in the dataset</a:t>
-            </a:r>
-          </a:p>
-          <a:p>
-            <a:pPr lvl="1"/>
+              <a:t>Using Random Forests</a:t>
+            </a:r>
+          </a:p>
+        </p:txBody>
+      </p:sp>
+      <p:sp>
+        <p:nvSpPr>
+          <p:cNvPr id="4" name="Footer Placeholder 3">
+            <a:extLst>
+              <a:ext uri="{FF2B5EF4-FFF2-40B4-BE49-F238E27FC236}">
+                <a16:creationId xmlns:a16="http://schemas.microsoft.com/office/drawing/2014/main" id="{54B8F8EA-D57E-4B8B-AEF8-BB2E2042D60E}"/>
+              </a:ext>
+            </a:extLst>
+          </p:cNvPr>
+          <p:cNvSpPr>
+            <a:spLocks noGrp="1"/>
+          </p:cNvSpPr>
+          <p:nvPr>
+            <p:ph type="ftr" sz="quarter" idx="11"/>
+          </p:nvPr>
+        </p:nvSpPr>
+        <p:spPr/>
+        <p:txBody>
+          <a:bodyPr/>
+          <a:lstStyle/>
+          <a:p>
             <a:r>
               <a:rPr lang="en-US"/>
-              <a:t>Training with Bag-of-words and Random</a:t>
-            </a:r>
-            <a:r>
-              <a:rPr lang="en-US" dirty="0"/>
-              <a:t> Forests</a:t>
+              <a:t>aka.ms/mlads-checklists</a:t>
             </a:r>
           </a:p>
         </p:txBody>
@@ -7868,52 +8077,52 @@
           <a:lstStyle/>
           <a:p>
             <a:r>
-              <a:rPr lang="en-US" dirty="0"/>
+              <a:rPr lang="en-US"/>
               <a:t>Today’s Lab</a:t>
             </a:r>
           </a:p>
           <a:p>
             <a:pPr lvl="1"/>
             <a:r>
-              <a:rPr lang="en-US" dirty="0"/>
+              <a:rPr lang="en-US"/>
               <a:t>Up to the first 100 words per review</a:t>
             </a:r>
           </a:p>
           <a:p>
             <a:pPr lvl="1"/>
             <a:r>
-              <a:rPr lang="en-US" dirty="0"/>
+              <a:rPr lang="en-US"/>
               <a:t>Top 10K words by overall frequency in the dataset</a:t>
             </a:r>
           </a:p>
           <a:p>
             <a:pPr lvl="1"/>
-            <a:endParaRPr lang="en-US" dirty="0"/>
-          </a:p>
-          <a:p>
-            <a:r>
-              <a:rPr lang="en-US" dirty="0"/>
+            <a:endParaRPr lang="en-US"/>
+          </a:p>
+          <a:p>
+            <a:r>
+              <a:rPr lang="en-US"/>
               <a:t>More Advanced Methods for Ranking</a:t>
             </a:r>
           </a:p>
           <a:p>
             <a:pPr lvl="1"/>
             <a:r>
-              <a:rPr lang="en-US" dirty="0"/>
+              <a:rPr lang="en-US"/>
               <a:t>Chi-square</a:t>
             </a:r>
           </a:p>
           <a:p>
             <a:pPr lvl="1"/>
             <a:r>
-              <a:rPr lang="en-US" dirty="0"/>
+              <a:rPr lang="en-US"/>
               <a:t>SNR</a:t>
             </a:r>
           </a:p>
           <a:p>
             <a:pPr lvl="1"/>
             <a:r>
-              <a:rPr lang="en-US" dirty="0"/>
+              <a:rPr lang="en-US"/>
               <a:t>ROC</a:t>
             </a:r>
           </a:p>
@@ -7964,6 +8173,34 @@
             <a:r>
               <a:rPr lang="en-US" sz="2800"/>
               <a:t>Feature Selection</a:t>
+            </a:r>
+          </a:p>
+        </p:txBody>
+      </p:sp>
+      <p:sp>
+        <p:nvSpPr>
+          <p:cNvPr id="2" name="Footer Placeholder 1">
+            <a:extLst>
+              <a:ext uri="{FF2B5EF4-FFF2-40B4-BE49-F238E27FC236}">
+                <a16:creationId xmlns:a16="http://schemas.microsoft.com/office/drawing/2014/main" id="{5DD6347D-0E72-4046-BEE4-5A0865FF42DB}"/>
+              </a:ext>
+            </a:extLst>
+          </p:cNvPr>
+          <p:cNvSpPr>
+            <a:spLocks noGrp="1"/>
+          </p:cNvSpPr>
+          <p:nvPr>
+            <p:ph type="ftr" sz="quarter" idx="11"/>
+          </p:nvPr>
+        </p:nvSpPr>
+        <p:spPr/>
+        <p:txBody>
+          <a:bodyPr/>
+          <a:lstStyle/>
+          <a:p>
+            <a:r>
+              <a:rPr lang="en-US"/>
+              <a:t>aka.ms/mlads-checklists</a:t>
             </a:r>
           </a:p>
         </p:txBody>
@@ -8027,13 +8264,13 @@
           <a:lstStyle/>
           <a:p>
             <a:r>
-              <a:rPr lang="en-US" sz="4800" dirty="0"/>
+              <a:rPr lang="en-US" sz="4800"/>
               <a:t>Part2:</a:t>
             </a:r>
             <a:br>
-              <a:rPr lang="en-US" sz="4800" dirty="0"/>
+              <a:rPr lang="en-US" sz="4800"/>
             </a:br>
-            <a:endParaRPr lang="en-US" sz="4800" dirty="0"/>
+            <a:endParaRPr lang="en-US" sz="4800"/>
           </a:p>
         </p:txBody>
       </p:sp>
@@ -8066,7 +8303,7 @@
           <a:lstStyle/>
           <a:p>
             <a:r>
-              <a:rPr lang="en-US" sz="3200" dirty="0"/>
+              <a:rPr lang="en-US" sz="3200"/>
               <a:t>Contextual Word Embedding</a:t>
             </a:r>
           </a:p>
@@ -8124,15 +8361,15 @@
           <a:lstStyle/>
           <a:p>
             <a:r>
-              <a:rPr lang="en-US" dirty="0"/>
+              <a:rPr lang="en-US"/>
               <a:t>What’s the problem with </a:t>
             </a:r>
             <a:r>
-              <a:rPr lang="en-US" dirty="0" err="1"/>
+              <a:rPr lang="en-US" err="1"/>
               <a:t>BoW</a:t>
             </a:r>
             <a:r>
-              <a:rPr lang="en-US" dirty="0"/>
+              <a:rPr lang="en-US"/>
               <a:t> features?</a:t>
             </a:r>
           </a:p>
@@ -8154,53 +8391,146 @@
             <p:ph idx="1"/>
           </p:nvPr>
         </p:nvSpPr>
+        <p:spPr>
+          <a:xfrm>
+            <a:off x="838200" y="1825625"/>
+            <a:ext cx="10515600" cy="1694516"/>
+          </a:xfrm>
+        </p:spPr>
+        <p:txBody>
+          <a:bodyPr/>
+          <a:lstStyle/>
+          <a:p>
+            <a:r>
+              <a:rPr lang="en-US" dirty="0"/>
+              <a:t>Bag-of-Words (or TF/IDF) feature vectors are:</a:t>
+            </a:r>
+          </a:p>
+          <a:p>
+            <a:pPr lvl="1"/>
+            <a:r>
+              <a:rPr lang="en-US" dirty="0"/>
+              <a:t>Long (length increases with the vocabulary size, e.g. 20,000~50,000</a:t>
+            </a:r>
+          </a:p>
+          <a:p>
+            <a:pPr lvl="1"/>
+            <a:r>
+              <a:rPr lang="en-US" dirty="0"/>
+              <a:t>Sparse (most elements of the vector are zeros)</a:t>
+            </a:r>
+          </a:p>
+          <a:p>
+            <a:pPr marL="457200" lvl="1" indent="0">
+              <a:buNone/>
+            </a:pPr>
+            <a:endParaRPr lang="en-US" dirty="0"/>
+          </a:p>
+          <a:p>
+            <a:pPr marL="914400" lvl="2" indent="0">
+              <a:buNone/>
+            </a:pPr>
+            <a:endParaRPr lang="en-US" dirty="0"/>
+          </a:p>
+        </p:txBody>
+      </p:sp>
+      <p:sp>
+        <p:nvSpPr>
+          <p:cNvPr id="4" name="Footer Placeholder 3">
+            <a:extLst>
+              <a:ext uri="{FF2B5EF4-FFF2-40B4-BE49-F238E27FC236}">
+                <a16:creationId xmlns:a16="http://schemas.microsoft.com/office/drawing/2014/main" id="{A2914946-295F-4320-AA7B-D3E613EA04B5}"/>
+              </a:ext>
+            </a:extLst>
+          </p:cNvPr>
+          <p:cNvSpPr>
+            <a:spLocks noGrp="1"/>
+          </p:cNvSpPr>
+          <p:nvPr>
+            <p:ph type="ftr" sz="quarter" idx="11"/>
+          </p:nvPr>
+        </p:nvSpPr>
         <p:spPr/>
         <p:txBody>
           <a:bodyPr/>
           <a:lstStyle/>
           <a:p>
             <a:r>
-              <a:rPr lang="en-US" dirty="0" err="1"/>
-              <a:t>BoW</a:t>
-            </a:r>
-            <a:r>
-              <a:rPr lang="en-US" dirty="0"/>
-              <a:t> (or TF/IDF) feature vectors are:</a:t>
-            </a:r>
-          </a:p>
-          <a:p>
-            <a:pPr lvl="1"/>
-            <a:r>
-              <a:rPr lang="en-US" dirty="0"/>
-              <a:t>Long (length increases with the vocabulary size, e.g. 20,000~50,000</a:t>
-            </a:r>
-          </a:p>
-          <a:p>
-            <a:pPr lvl="1"/>
-            <a:r>
-              <a:rPr lang="en-US" dirty="0"/>
-              <a:t>Sparse (most elements of the vector are zeros)</a:t>
-            </a:r>
-          </a:p>
-          <a:p>
-            <a:r>
-              <a:rPr lang="en-US" dirty="0"/>
-              <a:t>Alternative: learn vectors for words that are</a:t>
-            </a:r>
-          </a:p>
-          <a:p>
-            <a:pPr lvl="1"/>
-            <a:r>
-              <a:rPr lang="en-US" dirty="0"/>
+              <a:rPr lang="en-US"/>
+              <a:t>aka.ms/mlads-checklists</a:t>
+            </a:r>
+          </a:p>
+        </p:txBody>
+      </p:sp>
+      <p:sp>
+        <p:nvSpPr>
+          <p:cNvPr id="5" name="TextBox 4">
+            <a:extLst>
+              <a:ext uri="{FF2B5EF4-FFF2-40B4-BE49-F238E27FC236}">
+                <a16:creationId xmlns:a16="http://schemas.microsoft.com/office/drawing/2014/main" id="{C1A50841-90A2-4C81-9DAE-9B6F7DB676B3}"/>
+              </a:ext>
+            </a:extLst>
+          </p:cNvPr>
+          <p:cNvSpPr txBox="1"/>
+          <p:nvPr/>
+        </p:nvSpPr>
+        <p:spPr>
+          <a:xfrm>
+            <a:off x="884518" y="3429000"/>
+            <a:ext cx="8845176" cy="2246769"/>
+          </a:xfrm>
+          <a:prstGeom prst="rect">
+            <a:avLst/>
+          </a:prstGeom>
+          <a:noFill/>
+        </p:spPr>
+        <p:txBody>
+          <a:bodyPr wrap="square" rtlCol="0">
+            <a:spAutoFit/>
+          </a:bodyPr>
+          <a:lstStyle/>
+          <a:p>
+            <a:pPr marL="457200" indent="-457200">
+              <a:buFont typeface="Arial" panose="020B0604020202020204" pitchFamily="34" charset="0"/>
+              <a:buChar char="•"/>
+            </a:pPr>
+            <a:r>
+              <a:rPr lang="en-US" sz="2800" dirty="0"/>
+              <a:t>Improvement?</a:t>
+            </a:r>
+          </a:p>
+          <a:p>
+            <a:pPr marL="457200" indent="-457200">
+              <a:buFont typeface="Arial" panose="020B0604020202020204" pitchFamily="34" charset="0"/>
+              <a:buChar char="•"/>
+            </a:pPr>
+            <a:r>
+              <a:rPr lang="en-US" sz="2800" dirty="0"/>
+              <a:t> Learn one vector per word that is</a:t>
+            </a:r>
+          </a:p>
+          <a:p>
+            <a:pPr marL="914400" lvl="1" indent="-457200">
+              <a:buFont typeface="Arial" panose="020B0604020202020204" pitchFamily="34" charset="0"/>
+              <a:buChar char="•"/>
+            </a:pPr>
+            <a:r>
+              <a:rPr lang="en-US" sz="2800" dirty="0"/>
               <a:t>Short (length 50 ~ 1000)</a:t>
             </a:r>
           </a:p>
           <a:p>
-            <a:pPr lvl="1"/>
-            <a:r>
-              <a:rPr lang="en-US" dirty="0"/>
+            <a:pPr marL="914400" lvl="1" indent="-457200">
+              <a:buFont typeface="Arial" panose="020B0604020202020204" pitchFamily="34" charset="0"/>
+              <a:buChar char="•"/>
+            </a:pPr>
+            <a:r>
+              <a:rPr lang="en-US" sz="2800" dirty="0"/>
               <a:t>Dense (most elements are non-zero)</a:t>
             </a:r>
+          </a:p>
+          <a:p>
+            <a:endParaRPr lang="en-US" sz="2800" dirty="0"/>
           </a:p>
         </p:txBody>
       </p:sp>
@@ -8214,6 +8544,84 @@
   <p:clrMapOvr>
     <a:masterClrMapping/>
   </p:clrMapOvr>
+  <p:timing>
+    <p:tnLst>
+      <p:par>
+        <p:cTn id="1" dur="indefinite" restart="never" nodeType="tmRoot">
+          <p:childTnLst>
+            <p:seq concurrent="1" nextAc="seek">
+              <p:cTn id="2" dur="indefinite" nodeType="mainSeq">
+                <p:childTnLst>
+                  <p:par>
+                    <p:cTn id="3" fill="hold">
+                      <p:stCondLst>
+                        <p:cond delay="indefinite"/>
+                      </p:stCondLst>
+                      <p:childTnLst>
+                        <p:par>
+                          <p:cTn id="4" fill="hold">
+                            <p:stCondLst>
+                              <p:cond delay="0"/>
+                            </p:stCondLst>
+                            <p:childTnLst>
+                              <p:par>
+                                <p:cTn id="5" presetID="1" presetClass="entr" presetSubtype="0" fill="hold" grpId="0" nodeType="clickEffect">
+                                  <p:stCondLst>
+                                    <p:cond delay="0"/>
+                                  </p:stCondLst>
+                                  <p:childTnLst>
+                                    <p:set>
+                                      <p:cBhvr>
+                                        <p:cTn id="6" dur="1" fill="hold">
+                                          <p:stCondLst>
+                                            <p:cond delay="0"/>
+                                          </p:stCondLst>
+                                        </p:cTn>
+                                        <p:tgtEl>
+                                          <p:spTgt spid="5"/>
+                                        </p:tgtEl>
+                                        <p:attrNameLst>
+                                          <p:attrName>style.visibility</p:attrName>
+                                        </p:attrNameLst>
+                                      </p:cBhvr>
+                                      <p:to>
+                                        <p:strVal val="visible"/>
+                                      </p:to>
+                                    </p:set>
+                                  </p:childTnLst>
+                                </p:cTn>
+                              </p:par>
+                            </p:childTnLst>
+                          </p:cTn>
+                        </p:par>
+                      </p:childTnLst>
+                    </p:cTn>
+                  </p:par>
+                </p:childTnLst>
+              </p:cTn>
+              <p:prevCondLst>
+                <p:cond evt="onPrev" delay="0">
+                  <p:tgtEl>
+                    <p:sldTgt/>
+                  </p:tgtEl>
+                </p:cond>
+              </p:prevCondLst>
+              <p:nextCondLst>
+                <p:cond evt="onNext" delay="0">
+                  <p:tgtEl>
+                    <p:sldTgt/>
+                  </p:tgtEl>
+                </p:cond>
+              </p:nextCondLst>
+            </p:seq>
+          </p:childTnLst>
+        </p:cTn>
+      </p:par>
+    </p:tnLst>
+    <p:bldLst>
+      <p:bldP spid="5" grpId="0"/>
+    </p:bldLst>
+  </p:timing>
 </p:sld>
 </file>
 
@@ -8256,7 +8664,7 @@
           <a:lstStyle/>
           <a:p>
             <a:r>
-              <a:rPr lang="en-US" dirty="0"/>
+              <a:rPr lang="en-US"/>
               <a:t>What is the benefit of short dense vectors?</a:t>
             </a:r>
           </a:p>
@@ -8284,14 +8692,22 @@
           <a:lstStyle/>
           <a:p>
             <a:r>
+              <a:rPr lang="en-US" b="1" dirty="0"/>
+              <a:t>Short</a:t>
+            </a:r>
+            <a:r>
               <a:rPr lang="en-US" dirty="0"/>
-              <a:t>Short vectors are easier to be used as features in machine learning (less weights and smaller models)</a:t>
-            </a:r>
-          </a:p>
-          <a:p>
+              <a:t> vectors are easier to be used as features in machine learning (fewer parameters and smaller models)</a:t>
+            </a:r>
+          </a:p>
+          <a:p>
+            <a:r>
+              <a:rPr lang="en-US" b="1" dirty="0"/>
+              <a:t>Dense</a:t>
+            </a:r>
             <a:r>
               <a:rPr lang="en-US" dirty="0"/>
-              <a:t>Dense vectors are better in capturing semantic similarity</a:t>
+              <a:t> vectors are better in capturing semantic similarity</a:t>
             </a:r>
           </a:p>
           <a:p>
@@ -8302,6 +8718,34 @@
           </a:p>
           <a:p>
             <a:endParaRPr lang="en-US" dirty="0"/>
+          </a:p>
+        </p:txBody>
+      </p:sp>
+      <p:sp>
+        <p:nvSpPr>
+          <p:cNvPr id="4" name="Footer Placeholder 3">
+            <a:extLst>
+              <a:ext uri="{FF2B5EF4-FFF2-40B4-BE49-F238E27FC236}">
+                <a16:creationId xmlns:a16="http://schemas.microsoft.com/office/drawing/2014/main" id="{5CD95676-8FD4-48F3-9E1E-903E9FF5570A}"/>
+              </a:ext>
+            </a:extLst>
+          </p:cNvPr>
+          <p:cNvSpPr>
+            <a:spLocks noGrp="1"/>
+          </p:cNvSpPr>
+          <p:nvPr>
+            <p:ph type="ftr" sz="quarter" idx="11"/>
+          </p:nvPr>
+        </p:nvSpPr>
+        <p:spPr/>
+        <p:txBody>
+          <a:bodyPr/>
+          <a:lstStyle/>
+          <a:p>
+            <a:r>
+              <a:rPr lang="en-US"/>
+              <a:t>aka.ms/mlads-checklists</a:t>
+            </a:r>
           </a:p>
         </p:txBody>
       </p:sp>
@@ -8362,7 +8806,7 @@
           <a:lstStyle/>
           <a:p>
             <a:r>
-              <a:rPr lang="en-US" dirty="0"/>
+              <a:rPr lang="en-US"/>
               <a:t>Word Embedding Concepts</a:t>
             </a:r>
           </a:p>
@@ -8396,7 +8840,7 @@
           <a:p>
             <a:r>
               <a:rPr lang="en-US" dirty="0"/>
-              <a:t>Start by randomly assigning an N-dimensional vector to each word</a:t>
+              <a:t>Start by randomly assigning an M-dimensional vector to each word</a:t>
             </a:r>
           </a:p>
           <a:p>
@@ -8631,7 +9075,7 @@
               <a:lstStyle/>
               <a:p>
                 <a:r>
-                  <a:rPr lang="en-US" sz="1200" dirty="0"/>
+                  <a:rPr lang="en-US" sz="1200"/>
                   <a:t>poor</a:t>
                 </a:r>
               </a:p>
@@ -8733,7 +9177,7 @@
               <a:lstStyle/>
               <a:p>
                 <a:r>
-                  <a:rPr lang="en-US" sz="1200" dirty="0"/>
+                  <a:rPr lang="en-US" sz="1200"/>
                   <a:t>exceptional</a:t>
                 </a:r>
               </a:p>
@@ -8835,7 +9279,7 @@
               <a:lstStyle/>
               <a:p>
                 <a:r>
-                  <a:rPr lang="en-US" sz="1200" dirty="0"/>
+                  <a:rPr lang="en-US" sz="1200"/>
                   <a:t>weak</a:t>
                 </a:r>
               </a:p>
@@ -8937,7 +9381,7 @@
               <a:lstStyle/>
               <a:p>
                 <a:r>
-                  <a:rPr lang="en-US" sz="1200" dirty="0"/>
+                  <a:rPr lang="en-US" sz="1200"/>
                   <a:t>car</a:t>
                 </a:r>
               </a:p>
@@ -9039,7 +9483,7 @@
               <a:lstStyle/>
               <a:p>
                 <a:r>
-                  <a:rPr lang="en-US" sz="1200" dirty="0"/>
+                  <a:rPr lang="en-US" sz="1200"/>
                   <a:t>good</a:t>
                 </a:r>
               </a:p>
@@ -9141,7 +9585,7 @@
               <a:lstStyle/>
               <a:p>
                 <a:r>
-                  <a:rPr lang="en-US" sz="1200" dirty="0"/>
+                  <a:rPr lang="en-US" sz="1200"/>
                   <a:t>excellent</a:t>
                 </a:r>
               </a:p>
@@ -9243,7 +9687,7 @@
               <a:lstStyle/>
               <a:p>
                 <a:r>
-                  <a:rPr lang="en-US" sz="1200" dirty="0"/>
+                  <a:rPr lang="en-US" sz="1200"/>
                   <a:t>crash</a:t>
                 </a:r>
               </a:p>
@@ -9469,7 +9913,7 @@
               <a:lstStyle/>
               <a:p>
                 <a:r>
-                  <a:rPr lang="en-US" sz="1200" dirty="0"/>
+                  <a:rPr lang="en-US" sz="1200"/>
                   <a:t>good</a:t>
                 </a:r>
               </a:p>
@@ -9571,12 +10015,12 @@
               <a:lstStyle/>
               <a:p>
                 <a:r>
-                  <a:rPr lang="en-US" sz="1200" dirty="0"/>
+                  <a:rPr lang="en-US" sz="1200"/>
                   <a:t>exceptional</a:t>
                 </a:r>
               </a:p>
               <a:p>
-                <a:endParaRPr lang="en-US" sz="1200" dirty="0"/>
+                <a:endParaRPr lang="en-US" sz="1200"/>
               </a:p>
             </p:txBody>
           </p:sp>
@@ -9676,7 +10120,7 @@
               <a:lstStyle/>
               <a:p>
                 <a:r>
-                  <a:rPr lang="en-US" sz="1200" dirty="0"/>
+                  <a:rPr lang="en-US" sz="1200"/>
                   <a:t>weak</a:t>
                 </a:r>
               </a:p>
@@ -9778,7 +10222,7 @@
               <a:lstStyle/>
               <a:p>
                 <a:r>
-                  <a:rPr lang="en-US" sz="1200" dirty="0"/>
+                  <a:rPr lang="en-US" sz="1200"/>
                   <a:t>car</a:t>
                 </a:r>
               </a:p>
@@ -9880,7 +10324,7 @@
               <a:lstStyle/>
               <a:p>
                 <a:r>
-                  <a:rPr lang="en-US" sz="1200" dirty="0"/>
+                  <a:rPr lang="en-US" sz="1200"/>
                   <a:t>poor</a:t>
                 </a:r>
               </a:p>
@@ -9982,7 +10426,7 @@
               <a:lstStyle/>
               <a:p>
                 <a:r>
-                  <a:rPr lang="en-US" sz="1200" dirty="0"/>
+                  <a:rPr lang="en-US" sz="1200"/>
                   <a:t>excellent</a:t>
                 </a:r>
               </a:p>
@@ -10084,7 +10528,7 @@
               <a:lstStyle/>
               <a:p>
                 <a:r>
-                  <a:rPr lang="en-US" sz="1200" dirty="0"/>
+                  <a:rPr lang="en-US" sz="1200"/>
                   <a:t>crash</a:t>
                 </a:r>
               </a:p>
@@ -10121,11 +10565,11 @@
           <a:lstStyle/>
           <a:p>
             <a:r>
-              <a:rPr lang="en-US" dirty="0"/>
+              <a:rPr lang="en-US"/>
               <a:t>“More than a </a:t>
             </a:r>
             <a:r>
-              <a:rPr lang="en-US" dirty="0">
+              <a:rPr lang="en-US">
                 <a:highlight>
                   <a:srgbClr val="FFC000"/>
                 </a:highlight>
@@ -10133,11 +10577,11 @@
               <a:t>good</a:t>
             </a:r>
             <a:r>
-              <a:rPr lang="en-US" dirty="0"/>
+              <a:rPr lang="en-US"/>
               <a:t> movie; it’s in the category of </a:t>
             </a:r>
             <a:r>
-              <a:rPr lang="en-US" dirty="0">
+              <a:rPr lang="en-US">
                 <a:highlight>
                   <a:srgbClr val="FFC000"/>
                 </a:highlight>
@@ -10145,7 +10589,7 @@
               <a:t>exceptional</a:t>
             </a:r>
             <a:r>
-              <a:rPr lang="en-US" dirty="0"/>
+              <a:rPr lang="en-US"/>
               <a:t> ones.”</a:t>
             </a:r>
           </a:p>
@@ -10486,14 +10930,14 @@
           <a:lstStyle/>
           <a:p>
             <a:r>
-              <a:rPr lang="el-GR" dirty="0">
+              <a:rPr lang="el-GR">
                 <a:solidFill>
                   <a:srgbClr val="00B050"/>
                 </a:solidFill>
               </a:rPr>
               <a:t>α</a:t>
             </a:r>
-            <a:endParaRPr lang="en-US" dirty="0">
+            <a:endParaRPr lang="en-US">
               <a:solidFill>
                 <a:srgbClr val="00B050"/>
               </a:solidFill>
@@ -10530,14 +10974,14 @@
           <a:lstStyle/>
           <a:p>
             <a:r>
-              <a:rPr lang="el-GR" dirty="0">
+              <a:rPr lang="el-GR">
                 <a:solidFill>
                   <a:srgbClr val="00B050"/>
                 </a:solidFill>
               </a:rPr>
               <a:t>α</a:t>
             </a:r>
-            <a:endParaRPr lang="en-US" dirty="0">
+            <a:endParaRPr lang="en-US">
               <a:solidFill>
                 <a:srgbClr val="00B050"/>
               </a:solidFill>
@@ -10620,7 +11064,7 @@
                     </m:oMath>
                   </m:oMathPara>
                 </a14:m>
-                <a:endParaRPr lang="en-US" dirty="0"/>
+                <a:endParaRPr lang="en-US"/>
               </a:p>
             </p:txBody>
           </p:sp>
@@ -10745,7 +11189,7 @@
                     </m:oMath>
                   </m:oMathPara>
                 </a14:m>
-                <a:endParaRPr lang="en-US" dirty="0"/>
+                <a:endParaRPr lang="en-US"/>
               </a:p>
             </p:txBody>
           </p:sp>
@@ -10795,6 +11239,34 @@
           </p:sp>
         </mc:Fallback>
       </mc:AlternateContent>
+      <p:sp>
+        <p:nvSpPr>
+          <p:cNvPr id="6" name="Footer Placeholder 5">
+            <a:extLst>
+              <a:ext uri="{FF2B5EF4-FFF2-40B4-BE49-F238E27FC236}">
+                <a16:creationId xmlns:a16="http://schemas.microsoft.com/office/drawing/2014/main" id="{49127C5B-6EC0-474A-A6AE-5DCF21E6906A}"/>
+              </a:ext>
+            </a:extLst>
+          </p:cNvPr>
+          <p:cNvSpPr>
+            <a:spLocks noGrp="1"/>
+          </p:cNvSpPr>
+          <p:nvPr>
+            <p:ph type="ftr" sz="quarter" idx="11"/>
+          </p:nvPr>
+        </p:nvSpPr>
+        <p:spPr/>
+        <p:txBody>
+          <a:bodyPr/>
+          <a:lstStyle/>
+          <a:p>
+            <a:r>
+              <a:rPr lang="en-US"/>
+              <a:t>aka.ms/mlads-checklists</a:t>
+            </a:r>
+          </a:p>
+        </p:txBody>
+      </p:sp>
     </p:spTree>
     <p:extLst>
       <p:ext uri="{BB962C8B-B14F-4D97-AF65-F5344CB8AC3E}">
@@ -10847,7 +11319,7 @@
           <a:lstStyle/>
           <a:p>
             <a:r>
-              <a:rPr lang="en-US" dirty="0"/>
+              <a:rPr lang="en-US"/>
               <a:t>How to train Word2Vec?</a:t>
             </a:r>
           </a:p>
@@ -10890,7 +11362,15 @@
             <a:pPr lvl="2"/>
             <a:r>
               <a:rPr lang="en-US" dirty="0"/>
-              <a:t>(pick a word and try to predict what is around it, aka its context)</a:t>
+              <a:t>(pick a word and try to predict what is around it, aka its </a:t>
+            </a:r>
+            <a:r>
+              <a:rPr lang="en-US" sz="2400" b="1" dirty="0"/>
+              <a:t>context</a:t>
+            </a:r>
+            <a:r>
+              <a:rPr lang="en-US" dirty="0"/>
+              <a:t>)</a:t>
             </a:r>
           </a:p>
           <a:p>
@@ -10906,6 +11386,167 @@
               <a:rPr lang="en-US" dirty="0"/>
               <a:t> (pick context words and try predicting a target)</a:t>
             </a:r>
+          </a:p>
+        </p:txBody>
+      </p:sp>
+      <p:sp>
+        <p:nvSpPr>
+          <p:cNvPr id="4" name="Footer Placeholder 3">
+            <a:extLst>
+              <a:ext uri="{FF2B5EF4-FFF2-40B4-BE49-F238E27FC236}">
+                <a16:creationId xmlns:a16="http://schemas.microsoft.com/office/drawing/2014/main" id="{8CF524B2-87FF-4ACD-B8D0-8F15EB853C1A}"/>
+              </a:ext>
+            </a:extLst>
+          </p:cNvPr>
+          <p:cNvSpPr>
+            <a:spLocks noGrp="1"/>
+          </p:cNvSpPr>
+          <p:nvPr>
+            <p:ph type="ftr" sz="quarter" idx="11"/>
+          </p:nvPr>
+        </p:nvSpPr>
+        <p:spPr/>
+        <p:txBody>
+          <a:bodyPr/>
+          <a:lstStyle/>
+          <a:p>
+            <a:r>
+              <a:rPr lang="en-US"/>
+              <a:t>aka.ms/mlads-checklists</a:t>
+            </a:r>
+          </a:p>
+        </p:txBody>
+      </p:sp>
+      <p:sp>
+        <p:nvSpPr>
+          <p:cNvPr id="5" name="TextBox 4">
+            <a:extLst>
+              <a:ext uri="{FF2B5EF4-FFF2-40B4-BE49-F238E27FC236}">
+                <a16:creationId xmlns:a16="http://schemas.microsoft.com/office/drawing/2014/main" id="{33FC0792-5FEB-4202-B316-40A2B2EE0420}"/>
+              </a:ext>
+            </a:extLst>
+          </p:cNvPr>
+          <p:cNvSpPr txBox="1"/>
+          <p:nvPr/>
+        </p:nvSpPr>
+        <p:spPr>
+          <a:xfrm>
+            <a:off x="5638800" y="2973294"/>
+            <a:ext cx="914400" cy="914400"/>
+          </a:xfrm>
+          <a:prstGeom prst="rect">
+            <a:avLst/>
+          </a:prstGeom>
+          <a:noFill/>
+        </p:spPr>
+        <p:txBody>
+          <a:bodyPr wrap="square" rtlCol="0">
+            <a:spAutoFit/>
+          </a:bodyPr>
+          <a:lstStyle/>
+          <a:p>
+            <a:endParaRPr lang="en-US" dirty="0"/>
+          </a:p>
+        </p:txBody>
+      </p:sp>
+      <p:sp>
+        <p:nvSpPr>
+          <p:cNvPr id="6" name="TextBox 5">
+            <a:extLst>
+              <a:ext uri="{FF2B5EF4-FFF2-40B4-BE49-F238E27FC236}">
+                <a16:creationId xmlns:a16="http://schemas.microsoft.com/office/drawing/2014/main" id="{0E46F371-3DC3-46D2-8018-FA1BFA0025CC}"/>
+              </a:ext>
+            </a:extLst>
+          </p:cNvPr>
+          <p:cNvSpPr txBox="1"/>
+          <p:nvPr/>
+        </p:nvSpPr>
+        <p:spPr>
+          <a:xfrm>
+            <a:off x="5638800" y="2973294"/>
+            <a:ext cx="914400" cy="914400"/>
+          </a:xfrm>
+          <a:prstGeom prst="rect">
+            <a:avLst/>
+          </a:prstGeom>
+          <a:noFill/>
+        </p:spPr>
+        <p:txBody>
+          <a:bodyPr wrap="square" rtlCol="0">
+            <a:spAutoFit/>
+          </a:bodyPr>
+          <a:lstStyle/>
+          <a:p>
+            <a:endParaRPr lang="en-US" dirty="0"/>
+          </a:p>
+        </p:txBody>
+      </p:sp>
+      <p:sp>
+        <p:nvSpPr>
+          <p:cNvPr id="7" name="TextBox 6">
+            <a:extLst>
+              <a:ext uri="{FF2B5EF4-FFF2-40B4-BE49-F238E27FC236}">
+                <a16:creationId xmlns:a16="http://schemas.microsoft.com/office/drawing/2014/main" id="{D90A8DCC-E906-45F9-9D2E-2BF5CE1318CC}"/>
+              </a:ext>
+            </a:extLst>
+          </p:cNvPr>
+          <p:cNvSpPr txBox="1"/>
+          <p:nvPr/>
+        </p:nvSpPr>
+        <p:spPr>
+          <a:xfrm>
+            <a:off x="884518" y="5426635"/>
+            <a:ext cx="10160000" cy="646331"/>
+          </a:xfrm>
+          <a:prstGeom prst="rect">
+            <a:avLst/>
+          </a:prstGeom>
+          <a:noFill/>
+        </p:spPr>
+        <p:txBody>
+          <a:bodyPr wrap="square" rtlCol="0">
+            <a:spAutoFit/>
+          </a:bodyPr>
+          <a:lstStyle/>
+          <a:p>
+            <a:pPr algn="l"/>
+            <a:r>
+              <a:rPr lang="en-US" sz="1800" b="0" i="0" u="none" strike="noStrike" baseline="0" dirty="0">
+                <a:latin typeface="NimbusRomNo9L-Regu"/>
+              </a:rPr>
+              <a:t>T. </a:t>
+            </a:r>
+            <a:r>
+              <a:rPr lang="en-US" sz="1800" b="0" i="0" u="none" strike="noStrike" baseline="0" dirty="0" err="1">
+                <a:latin typeface="NimbusRomNo9L-Regu"/>
+              </a:rPr>
+              <a:t>Mikolov</a:t>
+            </a:r>
+            <a:r>
+              <a:rPr lang="en-US" dirty="0">
+                <a:latin typeface="NimbusRomNo9L-Regu"/>
+              </a:rPr>
+              <a:t> et al. </a:t>
+            </a:r>
+            <a:r>
+              <a:rPr lang="en-US" sz="1800" b="0" i="0" u="none" strike="noStrike" baseline="0" dirty="0">
+                <a:latin typeface="NimbusRomNo9L-Regu"/>
+              </a:rPr>
+              <a:t>“Distributed Representations of Words and Phrases and Their Compositionality,” in </a:t>
+            </a:r>
+            <a:r>
+              <a:rPr lang="en-US" sz="1800" b="0" i="0" u="none" strike="noStrike" baseline="0" dirty="0">
+                <a:latin typeface="NimbusRomNo9L-ReguItal"/>
+              </a:rPr>
+              <a:t>Advances in neural information processing systems, NIPS</a:t>
+            </a:r>
+            <a:r>
+              <a:rPr lang="en-US" sz="1800" b="0" i="0" u="none" strike="noStrike" baseline="0" dirty="0">
+                <a:latin typeface="NimbusRomNo9L-Regu"/>
+              </a:rPr>
+              <a:t>, 2013, pp. 3111–3119</a:t>
+            </a:r>
+            <a:endParaRPr lang="en-US" dirty="0"/>
           </a:p>
         </p:txBody>
       </p:sp>
@@ -10961,7 +11602,7 @@
           <a:lstStyle/>
           <a:p>
             <a:r>
-              <a:rPr lang="en-US" dirty="0"/>
+              <a:rPr lang="en-US"/>
               <a:t>Skip-gram architecture for training W2V</a:t>
             </a:r>
           </a:p>
@@ -10997,11 +11638,11 @@
               <a:buNone/>
             </a:pPr>
             <a:r>
-              <a:rPr lang="en-US" dirty="0"/>
+              <a:rPr lang="en-US"/>
               <a:t>More than a good movie; it’s in the category of </a:t>
             </a:r>
             <a:r>
-              <a:rPr lang="en-US" dirty="0">
+              <a:rPr lang="en-US">
                 <a:highlight>
                   <a:srgbClr val="FFC000"/>
                 </a:highlight>
@@ -11009,7 +11650,7 @@
               <a:t>exceptional</a:t>
             </a:r>
             <a:r>
-              <a:rPr lang="en-US" dirty="0"/>
+              <a:rPr lang="en-US"/>
               <a:t> ones. </a:t>
             </a:r>
           </a:p>
@@ -11067,7 +11708,7 @@
           <a:lstStyle/>
           <a:p>
             <a:pPr algn="ctr"/>
-            <a:endParaRPr lang="en-US" dirty="0"/>
+            <a:endParaRPr lang="en-US"/>
           </a:p>
         </p:txBody>
       </p:sp>
@@ -11100,7 +11741,7 @@
           <a:lstStyle/>
           <a:p>
             <a:r>
-              <a:rPr lang="en-US" dirty="0"/>
+              <a:rPr lang="en-US"/>
               <a:t>Positive {target, context}</a:t>
             </a:r>
           </a:p>
@@ -11135,25 +11776,25 @@
           <a:lstStyle/>
           <a:p>
             <a:r>
-              <a:rPr lang="en-US" dirty="0"/>
+              <a:rPr lang="en-US"/>
               <a:t>{exceptional, good}</a:t>
             </a:r>
           </a:p>
           <a:p>
             <a:r>
-              <a:rPr lang="en-US" dirty="0"/>
+              <a:rPr lang="en-US"/>
               <a:t>{exceptional, movie}</a:t>
             </a:r>
           </a:p>
           <a:p>
             <a:r>
-              <a:rPr lang="en-US" dirty="0"/>
+              <a:rPr lang="en-US"/>
               <a:t>{exceptional, category}</a:t>
             </a:r>
           </a:p>
           <a:p>
             <a:r>
-              <a:rPr lang="en-US" dirty="0"/>
+              <a:rPr lang="en-US"/>
               <a:t>{exceptional, ones}</a:t>
             </a:r>
           </a:p>
@@ -11261,7 +11902,7 @@
             <a:p>
               <a:r>
                 <a:rPr lang="en-US" dirty="0"/>
-                <a:t>negative {target, context}</a:t>
+                <a:t>Negative {target, context}</a:t>
               </a:r>
             </a:p>
           </p:txBody>
@@ -11295,25 +11936,25 @@
             <a:lstStyle/>
             <a:p>
               <a:r>
-                <a:rPr lang="en-US" dirty="0"/>
+                <a:rPr lang="en-US"/>
                 <a:t>{exceptional, go}</a:t>
               </a:r>
             </a:p>
             <a:p>
               <a:r>
-                <a:rPr lang="en-US" dirty="0"/>
+                <a:rPr lang="en-US"/>
                 <a:t>{exceptional, crash}</a:t>
               </a:r>
             </a:p>
             <a:p>
               <a:r>
-                <a:rPr lang="en-US" dirty="0"/>
+                <a:rPr lang="en-US"/>
                 <a:t>{exceptional, country}</a:t>
               </a:r>
             </a:p>
             <a:p>
               <a:r>
-                <a:rPr lang="en-US" dirty="0"/>
+                <a:rPr lang="en-US"/>
                 <a:t>{exceptional, peace}</a:t>
               </a:r>
             </a:p>
@@ -11421,8 +12062,12 @@
               <a:buChar char="•"/>
             </a:pPr>
             <a:r>
+              <a:rPr lang="en-US" b="1" dirty="0"/>
+              <a:t>Maximize</a:t>
+            </a:r>
+            <a:r>
               <a:rPr lang="en-US" dirty="0"/>
-              <a:t>Maximize the similarity of (target word, context word) pairs drawn from positive class</a:t>
+              <a:t> the similarity of (target word, context word) pairs drawn from positive class</a:t>
             </a:r>
           </a:p>
           <a:p>
@@ -11431,8 +12076,12 @@
               <a:buChar char="•"/>
             </a:pPr>
             <a:r>
+              <a:rPr lang="en-US" b="1" dirty="0"/>
+              <a:t>Minimize</a:t>
+            </a:r>
+            <a:r>
               <a:rPr lang="en-US" dirty="0"/>
-              <a:t>Minimize the similarity of those pairs drawn from negative class</a:t>
+              <a:t> the similarity of those pairs drawn from negative class</a:t>
             </a:r>
           </a:p>
         </p:txBody>
@@ -11486,14 +12135,14 @@
             <a:lstStyle/>
             <a:p>
               <a:r>
-                <a:rPr lang="en-US" dirty="0"/>
+                <a:rPr lang="en-US"/>
                 <a:t>A moving window of </a:t>
               </a:r>
             </a:p>
             <a:p>
               <a:pPr algn="ctr"/>
               <a:r>
-                <a:rPr lang="en-US" dirty="0"/>
+                <a:rPr lang="en-US"/>
                 <a:t>Length 5 (ignoring stop words)</a:t>
               </a:r>
             </a:p>
@@ -11547,7 +12196,7 @@
             <a:lstStyle/>
             <a:p>
               <a:pPr algn="ctr"/>
-              <a:endParaRPr lang="en-US" dirty="0">
+              <a:endParaRPr lang="en-US">
                 <a:noFill/>
               </a:endParaRPr>
             </a:p>
@@ -11595,6 +12244,42 @@
           </a:fontRef>
         </p:style>
       </p:cxnSp>
+      <p:sp>
+        <p:nvSpPr>
+          <p:cNvPr id="6" name="Footer Placeholder 5">
+            <a:extLst>
+              <a:ext uri="{FF2B5EF4-FFF2-40B4-BE49-F238E27FC236}">
+                <a16:creationId xmlns:a16="http://schemas.microsoft.com/office/drawing/2014/main" id="{5DF48DB5-9B42-4F8C-8D03-8C62A66241A7}"/>
+              </a:ext>
+            </a:extLst>
+          </p:cNvPr>
+          <p:cNvSpPr>
+            <a:spLocks noGrp="1"/>
+          </p:cNvSpPr>
+          <p:nvPr>
+            <p:ph type="ftr" sz="quarter" idx="11"/>
+          </p:nvPr>
+        </p:nvSpPr>
+        <p:spPr/>
+        <p:txBody>
+          <a:bodyPr/>
+          <a:lstStyle/>
+          <a:p>
+            <a:r>
+              <a:rPr lang="en-US" dirty="0"/>
+              <a:t>aka.ms/</a:t>
+            </a:r>
+            <a:r>
+              <a:rPr lang="en-US" dirty="0" err="1"/>
+              <a:t>mlads</a:t>
+            </a:r>
+            <a:r>
+              <a:rPr lang="en-US" dirty="0"/>
+              <a:t>-checklists</a:t>
+            </a:r>
+          </a:p>
+        </p:txBody>
+      </p:sp>
     </p:spTree>
     <p:extLst>
       <p:ext uri="{BB962C8B-B14F-4D97-AF65-F5344CB8AC3E}">
@@ -11646,10 +12331,10 @@
           <a:lstStyle/>
           <a:p>
             <a:r>
-              <a:rPr lang="en-US" sz="4400" dirty="0"/>
+              <a:rPr lang="en-US" sz="4400"/>
               <a:t>Deep Learning for NLP Applications</a:t>
             </a:r>
-            <a:endParaRPr lang="en-US" dirty="0">
+            <a:endParaRPr lang="en-US">
               <a:solidFill>
                 <a:srgbClr val="000000"/>
               </a:solidFill>
@@ -11760,15 +12445,15 @@
           <a:lstStyle/>
           <a:p>
             <a:r>
-              <a:rPr lang="en-US" dirty="0"/>
+              <a:rPr lang="en-US"/>
               <a:t>How </a:t>
             </a:r>
             <a:r>
-              <a:rPr lang="en-US" dirty="0" err="1"/>
+              <a:rPr lang="en-US" err="1"/>
               <a:t>FastText</a:t>
             </a:r>
             <a:r>
-              <a:rPr lang="en-US" dirty="0"/>
+              <a:rPr lang="en-US"/>
               <a:t> compares to W2V?</a:t>
             </a:r>
           </a:p>
@@ -11832,7 +12517,7 @@
             <a:pPr lvl="1"/>
             <a:r>
               <a:rPr lang="en-US" dirty="0"/>
-              <a:t>Even if a word has not been observed before, it’s n-gram have.</a:t>
+              <a:t>Even if a word has not been observed before, it’s n-gram have likely been.</a:t>
             </a:r>
           </a:p>
           <a:p>
@@ -11841,6 +12526,119 @@
               <a:rPr lang="en-US" dirty="0"/>
               <a:t>The model will still be able to produce a vector for unseen words.  </a:t>
             </a:r>
+          </a:p>
+        </p:txBody>
+      </p:sp>
+      <p:sp>
+        <p:nvSpPr>
+          <p:cNvPr id="4" name="Footer Placeholder 3">
+            <a:extLst>
+              <a:ext uri="{FF2B5EF4-FFF2-40B4-BE49-F238E27FC236}">
+                <a16:creationId xmlns:a16="http://schemas.microsoft.com/office/drawing/2014/main" id="{5994821B-09C6-4A00-BA59-8E2557EDE124}"/>
+              </a:ext>
+            </a:extLst>
+          </p:cNvPr>
+          <p:cNvSpPr>
+            <a:spLocks noGrp="1"/>
+          </p:cNvSpPr>
+          <p:nvPr>
+            <p:ph type="ftr" sz="quarter" idx="11"/>
+          </p:nvPr>
+        </p:nvSpPr>
+        <p:spPr/>
+        <p:txBody>
+          <a:bodyPr/>
+          <a:lstStyle/>
+          <a:p>
+            <a:r>
+              <a:rPr lang="en-US"/>
+              <a:t>aka.ms/mlads-checklists</a:t>
+            </a:r>
+          </a:p>
+        </p:txBody>
+      </p:sp>
+      <p:sp>
+        <p:nvSpPr>
+          <p:cNvPr id="5" name="TextBox 4">
+            <a:extLst>
+              <a:ext uri="{FF2B5EF4-FFF2-40B4-BE49-F238E27FC236}">
+                <a16:creationId xmlns:a16="http://schemas.microsoft.com/office/drawing/2014/main" id="{DAAF03EA-B08B-4751-9394-C433F5E48A41}"/>
+              </a:ext>
+            </a:extLst>
+          </p:cNvPr>
+          <p:cNvSpPr txBox="1"/>
+          <p:nvPr/>
+        </p:nvSpPr>
+        <p:spPr>
+          <a:xfrm>
+            <a:off x="1021976" y="5620325"/>
+            <a:ext cx="10148048" cy="646331"/>
+          </a:xfrm>
+          <a:prstGeom prst="rect">
+            <a:avLst/>
+          </a:prstGeom>
+          <a:noFill/>
+        </p:spPr>
+        <p:txBody>
+          <a:bodyPr wrap="square" rtlCol="0">
+            <a:spAutoFit/>
+          </a:bodyPr>
+          <a:lstStyle/>
+          <a:p>
+            <a:pPr algn="l"/>
+            <a:r>
+              <a:rPr lang="en-US" sz="1800" b="0" i="0" u="none" strike="noStrike" baseline="0" dirty="0">
+                <a:latin typeface="NimbusRomNo9L-Regu"/>
+              </a:rPr>
+              <a:t>P. Bojanowski, E. Grave, A. </a:t>
+            </a:r>
+            <a:r>
+              <a:rPr lang="en-US" sz="1800" b="0" i="0" u="none" strike="noStrike" baseline="0" dirty="0" err="1">
+                <a:latin typeface="NimbusRomNo9L-Regu"/>
+              </a:rPr>
+              <a:t>Joulin</a:t>
+            </a:r>
+            <a:r>
+              <a:rPr lang="en-US" sz="1800" b="0" i="0" u="none" strike="noStrike" baseline="0" dirty="0">
+                <a:latin typeface="NimbusRomNo9L-Regu"/>
+              </a:rPr>
+              <a:t>, and T. </a:t>
+            </a:r>
+            <a:r>
+              <a:rPr lang="en-US" sz="1800" b="0" i="0" u="none" strike="noStrike" baseline="0" dirty="0" err="1">
+                <a:latin typeface="NimbusRomNo9L-Regu"/>
+              </a:rPr>
+              <a:t>Mikolov</a:t>
+            </a:r>
+            <a:r>
+              <a:rPr lang="en-US" sz="1800" b="0" i="0" u="none" strike="noStrike" baseline="0" dirty="0">
+                <a:latin typeface="NimbusRomNo9L-Regu"/>
+              </a:rPr>
+              <a:t>, “Enriching Word Vectors with </a:t>
+            </a:r>
+            <a:r>
+              <a:rPr lang="en-US" sz="1800" b="0" i="0" u="none" strike="noStrike" baseline="0" dirty="0" err="1">
+                <a:latin typeface="NimbusRomNo9L-Regu"/>
+              </a:rPr>
+              <a:t>Subword</a:t>
+            </a:r>
+            <a:r>
+              <a:rPr lang="en-US" sz="1800" b="0" i="0" u="none" strike="noStrike" baseline="0" dirty="0">
+                <a:latin typeface="NimbusRomNo9L-Regu"/>
+              </a:rPr>
+              <a:t> Information”, </a:t>
+            </a:r>
+            <a:r>
+              <a:rPr lang="en-US" dirty="0"/>
+              <a:t>Transactions of the Association for Computational Linguistics,</a:t>
+            </a:r>
+            <a:r>
+              <a:rPr lang="en-US" sz="1800" b="0" i="0" u="none" strike="noStrike" baseline="0" dirty="0">
+                <a:latin typeface="NimbusRomNo9L-Regu"/>
+              </a:rPr>
+              <a:t> vol. 5, pp. 135–146, 2017</a:t>
+            </a:r>
+            <a:endParaRPr lang="en-US" dirty="0"/>
           </a:p>
         </p:txBody>
       </p:sp>
@@ -11896,7 +12694,7 @@
           <a:lstStyle/>
           <a:p>
             <a:r>
-              <a:rPr lang="en-US" dirty="0"/>
+              <a:rPr lang="en-US"/>
               <a:t>Lab scenario</a:t>
             </a:r>
           </a:p>
@@ -11956,7 +12754,7 @@
           <a:p>
             <a:r>
               <a:rPr lang="en-US" dirty="0"/>
-              <a:t>Build an SVM classifier </a:t>
+              <a:t>Build a RF classifier </a:t>
             </a:r>
           </a:p>
           <a:p>
@@ -11971,6 +12769,34 @@
             <a:r>
               <a:rPr lang="en-US" dirty="0"/>
               <a:t>Use sentence embedding as features</a:t>
+            </a:r>
+          </a:p>
+        </p:txBody>
+      </p:sp>
+      <p:sp>
+        <p:nvSpPr>
+          <p:cNvPr id="4" name="Footer Placeholder 3">
+            <a:extLst>
+              <a:ext uri="{FF2B5EF4-FFF2-40B4-BE49-F238E27FC236}">
+                <a16:creationId xmlns:a16="http://schemas.microsoft.com/office/drawing/2014/main" id="{373BE09C-8547-48CA-8DB3-674F3BF7D5F7}"/>
+              </a:ext>
+            </a:extLst>
+          </p:cNvPr>
+          <p:cNvSpPr>
+            <a:spLocks noGrp="1"/>
+          </p:cNvSpPr>
+          <p:nvPr>
+            <p:ph type="ftr" sz="quarter" idx="11"/>
+          </p:nvPr>
+        </p:nvSpPr>
+        <p:spPr/>
+        <p:txBody>
+          <a:bodyPr/>
+          <a:lstStyle/>
+          <a:p>
+            <a:r>
+              <a:rPr lang="en-US"/>
+              <a:t>aka.ms/mlads-checklists</a:t>
             </a:r>
           </a:p>
         </p:txBody>
@@ -12034,13 +12860,13 @@
           <a:lstStyle/>
           <a:p>
             <a:r>
-              <a:rPr lang="en-US" sz="4800" dirty="0"/>
+              <a:rPr lang="en-US" sz="4800"/>
               <a:t>Part3:</a:t>
             </a:r>
             <a:br>
-              <a:rPr lang="en-US" sz="4800" dirty="0"/>
+              <a:rPr lang="en-US" sz="4800"/>
             </a:br>
-            <a:endParaRPr lang="en-US" sz="4800" dirty="0"/>
+            <a:endParaRPr lang="en-US" sz="4800"/>
           </a:p>
         </p:txBody>
       </p:sp>
@@ -12073,7 +12899,7 @@
           <a:lstStyle/>
           <a:p>
             <a:r>
-              <a:rPr lang="en-US" sz="3200" dirty="0"/>
+              <a:rPr lang="en-US" sz="3200"/>
               <a:t>Convolutional Neural Networks for Text Classification</a:t>
             </a:r>
           </a:p>
@@ -12136,7 +12962,7 @@
           <a:lstStyle/>
           <a:p>
             <a:r>
-              <a:rPr lang="en-US" b="1" dirty="0"/>
+              <a:rPr lang="en-US" b="1"/>
               <a:t>Understanding Convolutions</a:t>
             </a:r>
           </a:p>
@@ -12169,25 +12995,25 @@
           <a:lstStyle/>
           <a:p>
             <a:r>
-              <a:rPr lang="en-US" dirty="0"/>
+              <a:rPr lang="en-US"/>
               <a:t>Convolution Operation</a:t>
             </a:r>
           </a:p>
           <a:p>
             <a:pPr lvl="1"/>
             <a:r>
-              <a:rPr lang="en-US" dirty="0"/>
+              <a:rPr lang="en-US"/>
               <a:t>In layman terms - Mathematical operation that involves sliding a signal (convolution filter or mask) over the length of another signal (Input)</a:t>
             </a:r>
           </a:p>
           <a:p>
             <a:pPr lvl="1"/>
             <a:r>
-              <a:rPr lang="en-US" b="1" dirty="0"/>
+              <a:rPr lang="en-US" b="1"/>
               <a:t>Key idea: </a:t>
             </a:r>
             <a:r>
-              <a:rPr lang="en-US" dirty="0"/>
+              <a:rPr lang="en-US"/>
               <a:t>look for local patterns in the input that resemble the mask – convolution output will be high for areas where there is a close match</a:t>
             </a:r>
           </a:p>
@@ -12195,7 +13021,7 @@
             <a:pPr marL="457200" lvl="1" indent="0">
               <a:buNone/>
             </a:pPr>
-            <a:endParaRPr lang="en-US" dirty="0"/>
+            <a:endParaRPr lang="en-US"/>
           </a:p>
         </p:txBody>
       </p:sp>
@@ -12310,7 +13136,7 @@
                     <a:p>
                       <a:pPr algn="ctr"/>
                       <a:r>
-                        <a:rPr lang="en-US" b="1" dirty="0"/>
+                        <a:rPr lang="en-US" b="1"/>
                         <a:t>1</a:t>
                       </a:r>
                     </a:p>
@@ -12324,7 +13150,7 @@
                     <a:p>
                       <a:pPr algn="ctr"/>
                       <a:r>
-                        <a:rPr lang="en-US" b="1" dirty="0"/>
+                        <a:rPr lang="en-US" b="1"/>
                         <a:t>1</a:t>
                       </a:r>
                     </a:p>
@@ -12338,7 +13164,7 @@
                     <a:p>
                       <a:pPr algn="ctr"/>
                       <a:r>
-                        <a:rPr lang="en-US" b="1" dirty="0"/>
+                        <a:rPr lang="en-US" b="1"/>
                         <a:t>1</a:t>
                       </a:r>
                     </a:p>
@@ -12352,7 +13178,7 @@
                     <a:p>
                       <a:pPr algn="ctr"/>
                       <a:r>
-                        <a:rPr lang="en-US" b="1" dirty="0"/>
+                        <a:rPr lang="en-US" b="1"/>
                         <a:t>0</a:t>
                       </a:r>
                     </a:p>
@@ -12366,7 +13192,7 @@
                     <a:p>
                       <a:pPr algn="ctr"/>
                       <a:r>
-                        <a:rPr lang="en-US" b="1" dirty="0"/>
+                        <a:rPr lang="en-US" b="1"/>
                         <a:t>0</a:t>
                       </a:r>
                     </a:p>
@@ -12387,7 +13213,7 @@
                     <a:p>
                       <a:pPr algn="ctr"/>
                       <a:r>
-                        <a:rPr lang="en-US" b="1" dirty="0"/>
+                        <a:rPr lang="en-US" b="1"/>
                         <a:t>0</a:t>
                       </a:r>
                     </a:p>
@@ -12401,7 +13227,7 @@
                     <a:p>
                       <a:pPr algn="ctr"/>
                       <a:r>
-                        <a:rPr lang="en-US" b="1" dirty="0"/>
+                        <a:rPr lang="en-US" b="1"/>
                         <a:t>1</a:t>
                       </a:r>
                     </a:p>
@@ -12415,7 +13241,7 @@
                     <a:p>
                       <a:pPr algn="ctr"/>
                       <a:r>
-                        <a:rPr lang="en-US" b="1" dirty="0"/>
+                        <a:rPr lang="en-US" b="1"/>
                         <a:t>1</a:t>
                       </a:r>
                     </a:p>
@@ -12429,7 +13255,7 @@
                     <a:p>
                       <a:pPr algn="ctr"/>
                       <a:r>
-                        <a:rPr lang="en-US" b="1" dirty="0"/>
+                        <a:rPr lang="en-US" b="1"/>
                         <a:t>1</a:t>
                       </a:r>
                     </a:p>
@@ -12443,7 +13269,7 @@
                     <a:p>
                       <a:pPr algn="ctr"/>
                       <a:r>
-                        <a:rPr lang="en-US" b="1" dirty="0"/>
+                        <a:rPr lang="en-US" b="1"/>
                         <a:t>0</a:t>
                       </a:r>
                     </a:p>
@@ -12464,7 +13290,7 @@
                     <a:p>
                       <a:pPr algn="ctr"/>
                       <a:r>
-                        <a:rPr lang="en-US" b="1" dirty="0"/>
+                        <a:rPr lang="en-US" b="1"/>
                         <a:t>0</a:t>
                       </a:r>
                     </a:p>
@@ -12478,7 +13304,7 @@
                     <a:p>
                       <a:pPr algn="ctr"/>
                       <a:r>
-                        <a:rPr lang="en-US" b="1" dirty="0"/>
+                        <a:rPr lang="en-US" b="1"/>
                         <a:t>0</a:t>
                       </a:r>
                     </a:p>
@@ -12492,7 +13318,7 @@
                     <a:p>
                       <a:pPr algn="ctr"/>
                       <a:r>
-                        <a:rPr lang="en-US" b="1" dirty="0"/>
+                        <a:rPr lang="en-US" b="1"/>
                         <a:t>1</a:t>
                       </a:r>
                     </a:p>
@@ -12506,7 +13332,7 @@
                     <a:p>
                       <a:pPr algn="ctr"/>
                       <a:r>
-                        <a:rPr lang="en-US" b="1" dirty="0"/>
+                        <a:rPr lang="en-US" b="1"/>
                         <a:t>1</a:t>
                       </a:r>
                     </a:p>
@@ -12520,7 +13346,7 @@
                     <a:p>
                       <a:pPr algn="ctr"/>
                       <a:r>
-                        <a:rPr lang="en-US" b="1" dirty="0"/>
+                        <a:rPr lang="en-US" b="1"/>
                         <a:t>1</a:t>
                       </a:r>
                     </a:p>
@@ -12541,7 +13367,7 @@
                     <a:p>
                       <a:pPr algn="ctr"/>
                       <a:r>
-                        <a:rPr lang="en-US" b="1" dirty="0"/>
+                        <a:rPr lang="en-US" b="1"/>
                         <a:t>0</a:t>
                       </a:r>
                     </a:p>
@@ -12555,7 +13381,7 @@
                     <a:p>
                       <a:pPr algn="ctr"/>
                       <a:r>
-                        <a:rPr lang="en-US" b="1" dirty="0"/>
+                        <a:rPr lang="en-US" b="1"/>
                         <a:t>0</a:t>
                       </a:r>
                     </a:p>
@@ -12569,7 +13395,7 @@
                     <a:p>
                       <a:pPr algn="ctr"/>
                       <a:r>
-                        <a:rPr lang="en-US" b="1" dirty="0"/>
+                        <a:rPr lang="en-US" b="1"/>
                         <a:t>1</a:t>
                       </a:r>
                     </a:p>
@@ -12583,7 +13409,7 @@
                     <a:p>
                       <a:pPr algn="ctr"/>
                       <a:r>
-                        <a:rPr lang="en-US" b="1" dirty="0"/>
+                        <a:rPr lang="en-US" b="1"/>
                         <a:t>1</a:t>
                       </a:r>
                     </a:p>
@@ -12597,7 +13423,7 @@
                     <a:p>
                       <a:pPr algn="ctr"/>
                       <a:r>
-                        <a:rPr lang="en-US" b="1" dirty="0"/>
+                        <a:rPr lang="en-US" b="1"/>
                         <a:t>0</a:t>
                       </a:r>
                     </a:p>
@@ -12618,7 +13444,7 @@
                     <a:p>
                       <a:pPr algn="ctr"/>
                       <a:r>
-                        <a:rPr lang="en-US" b="1" dirty="0"/>
+                        <a:rPr lang="en-US" b="1"/>
                         <a:t>0</a:t>
                       </a:r>
                     </a:p>
@@ -12632,7 +13458,7 @@
                     <a:p>
                       <a:pPr algn="ctr"/>
                       <a:r>
-                        <a:rPr lang="en-US" b="1" dirty="0"/>
+                        <a:rPr lang="en-US" b="1"/>
                         <a:t>1</a:t>
                       </a:r>
                     </a:p>
@@ -12646,7 +13472,7 @@
                     <a:p>
                       <a:pPr algn="ctr"/>
                       <a:r>
-                        <a:rPr lang="en-US" b="1" dirty="0"/>
+                        <a:rPr lang="en-US" b="1"/>
                         <a:t>1</a:t>
                       </a:r>
                     </a:p>
@@ -12660,7 +13486,7 @@
                     <a:p>
                       <a:pPr algn="ctr"/>
                       <a:r>
-                        <a:rPr lang="en-US" b="1" dirty="0"/>
+                        <a:rPr lang="en-US" b="1"/>
                         <a:t>0</a:t>
                       </a:r>
                     </a:p>
@@ -12674,7 +13500,7 @@
                     <a:p>
                       <a:pPr algn="ctr"/>
                       <a:r>
-                        <a:rPr lang="en-US" b="1" dirty="0"/>
+                        <a:rPr lang="en-US" b="1"/>
                         <a:t>0</a:t>
                       </a:r>
                     </a:p>
@@ -12720,7 +13546,7 @@
           <a:lstStyle/>
           <a:p>
             <a:r>
-              <a:rPr lang="en-US" b="1" dirty="0"/>
+              <a:rPr lang="en-US" b="1"/>
               <a:t>Input</a:t>
             </a:r>
           </a:p>
@@ -12787,7 +13613,7 @@
                     <a:p>
                       <a:pPr algn="ctr"/>
                       <a:r>
-                        <a:rPr lang="en-US" b="1" dirty="0"/>
+                        <a:rPr lang="en-US" b="1"/>
                         <a:t>1</a:t>
                       </a:r>
                     </a:p>
@@ -12801,7 +13627,7 @@
                     <a:p>
                       <a:pPr algn="ctr"/>
                       <a:r>
-                        <a:rPr lang="en-US" b="1" dirty="0"/>
+                        <a:rPr lang="en-US" b="1"/>
                         <a:t>0</a:t>
                       </a:r>
                     </a:p>
@@ -12815,7 +13641,7 @@
                     <a:p>
                       <a:pPr algn="ctr"/>
                       <a:r>
-                        <a:rPr lang="en-US" b="1" dirty="0"/>
+                        <a:rPr lang="en-US" b="1"/>
                         <a:t>1</a:t>
                       </a:r>
                     </a:p>
@@ -12836,7 +13662,7 @@
                     <a:p>
                       <a:pPr algn="ctr"/>
                       <a:r>
-                        <a:rPr lang="en-US" b="1" dirty="0"/>
+                        <a:rPr lang="en-US" b="1"/>
                         <a:t>0</a:t>
                       </a:r>
                     </a:p>
@@ -12850,7 +13676,7 @@
                     <a:p>
                       <a:pPr algn="ctr"/>
                       <a:r>
-                        <a:rPr lang="en-US" b="1" dirty="0"/>
+                        <a:rPr lang="en-US" b="1"/>
                         <a:t>1</a:t>
                       </a:r>
                     </a:p>
@@ -12864,7 +13690,7 @@
                     <a:p>
                       <a:pPr algn="ctr"/>
                       <a:r>
-                        <a:rPr lang="en-US" b="1" dirty="0"/>
+                        <a:rPr lang="en-US" b="1"/>
                         <a:t>0</a:t>
                       </a:r>
                     </a:p>
@@ -12885,7 +13711,7 @@
                     <a:p>
                       <a:pPr algn="ctr"/>
                       <a:r>
-                        <a:rPr lang="en-US" b="1" dirty="0"/>
+                        <a:rPr lang="en-US" b="1"/>
                         <a:t>1</a:t>
                       </a:r>
                     </a:p>
@@ -12899,7 +13725,7 @@
                     <a:p>
                       <a:pPr algn="ctr"/>
                       <a:r>
-                        <a:rPr lang="en-US" b="1" dirty="0"/>
+                        <a:rPr lang="en-US" b="1"/>
                         <a:t>0</a:t>
                       </a:r>
                     </a:p>
@@ -12913,7 +13739,7 @@
                     <a:p>
                       <a:pPr algn="ctr"/>
                       <a:r>
-                        <a:rPr lang="en-US" b="1" dirty="0"/>
+                        <a:rPr lang="en-US" b="1"/>
                         <a:t>1</a:t>
                       </a:r>
                     </a:p>
@@ -12959,8 +13785,36 @@
           <a:lstStyle/>
           <a:p>
             <a:r>
-              <a:rPr lang="en-US" b="1" dirty="0"/>
+              <a:rPr lang="en-US" b="1"/>
               <a:t>Convolution mask</a:t>
+            </a:r>
+          </a:p>
+        </p:txBody>
+      </p:sp>
+      <p:sp>
+        <p:nvSpPr>
+          <p:cNvPr id="4" name="Footer Placeholder 3">
+            <a:extLst>
+              <a:ext uri="{FF2B5EF4-FFF2-40B4-BE49-F238E27FC236}">
+                <a16:creationId xmlns:a16="http://schemas.microsoft.com/office/drawing/2014/main" id="{1A2F02EC-D77D-49E4-A7F6-78FBCFBD7725}"/>
+              </a:ext>
+            </a:extLst>
+          </p:cNvPr>
+          <p:cNvSpPr>
+            <a:spLocks noGrp="1"/>
+          </p:cNvSpPr>
+          <p:nvPr>
+            <p:ph type="ftr" sz="quarter" idx="11"/>
+          </p:nvPr>
+        </p:nvSpPr>
+        <p:spPr/>
+        <p:txBody>
+          <a:bodyPr/>
+          <a:lstStyle/>
+          <a:p>
+            <a:r>
+              <a:rPr lang="en-US"/>
+              <a:t>aka.ms/mlads-checklists</a:t>
             </a:r>
           </a:p>
         </p:txBody>
@@ -13022,7 +13876,7 @@
           <a:lstStyle/>
           <a:p>
             <a:r>
-              <a:rPr lang="en-US" b="1" dirty="0"/>
+              <a:rPr lang="en-US" b="1"/>
               <a:t>Understanding Convolutions</a:t>
             </a:r>
           </a:p>
@@ -13116,7 +13970,7 @@
                     <a:lstStyle/>
                     <a:p>
                       <a:r>
-                        <a:rPr lang="en-US" dirty="0"/>
+                        <a:rPr lang="en-US"/>
                         <a:t>10</a:t>
                       </a:r>
                     </a:p>
@@ -13129,7 +13983,7 @@
                     <a:lstStyle/>
                     <a:p>
                       <a:r>
-                        <a:rPr lang="en-US" dirty="0"/>
+                        <a:rPr lang="en-US"/>
                         <a:t>50</a:t>
                       </a:r>
                     </a:p>
@@ -13142,7 +13996,7 @@
                     <a:lstStyle/>
                     <a:p>
                       <a:r>
-                        <a:rPr lang="en-US" dirty="0"/>
+                        <a:rPr lang="en-US"/>
                         <a:t>60</a:t>
                       </a:r>
                     </a:p>
@@ -13155,7 +14009,7 @@
                     <a:lstStyle/>
                     <a:p>
                       <a:r>
-                        <a:rPr lang="en-US" dirty="0"/>
+                        <a:rPr lang="en-US"/>
                         <a:t>10</a:t>
                       </a:r>
                     </a:p>
@@ -13168,7 +14022,7 @@
                     <a:lstStyle/>
                     <a:p>
                       <a:r>
-                        <a:rPr lang="en-US" dirty="0"/>
+                        <a:rPr lang="en-US"/>
                         <a:t>20</a:t>
                       </a:r>
                     </a:p>
@@ -13181,7 +14035,7 @@
                     <a:lstStyle/>
                     <a:p>
                       <a:r>
-                        <a:rPr lang="en-US" dirty="0"/>
+                        <a:rPr lang="en-US"/>
                         <a:t>40</a:t>
                       </a:r>
                     </a:p>
@@ -13194,7 +14048,7 @@
                     <a:lstStyle/>
                     <a:p>
                       <a:r>
-                        <a:rPr lang="en-US" dirty="0"/>
+                        <a:rPr lang="en-US"/>
                         <a:t>30</a:t>
                       </a:r>
                     </a:p>
@@ -13271,7 +14125,7 @@
                     <a:lstStyle/>
                     <a:p>
                       <a:r>
-                        <a:rPr lang="en-US" sz="1400" dirty="0"/>
+                        <a:rPr lang="en-US" sz="1400"/>
                         <a:t>1/3</a:t>
                       </a:r>
                     </a:p>
@@ -13284,7 +14138,7 @@
                     <a:lstStyle/>
                     <a:p>
                       <a:r>
-                        <a:rPr lang="en-US" sz="1400" dirty="0"/>
+                        <a:rPr lang="en-US" sz="1400"/>
                         <a:t>1/3</a:t>
                       </a:r>
                     </a:p>
@@ -13297,7 +14151,7 @@
                     <a:lstStyle/>
                     <a:p>
                       <a:r>
-                        <a:rPr lang="en-US" sz="1400" dirty="0"/>
+                        <a:rPr lang="en-US" sz="1400"/>
                         <a:t>1/3</a:t>
                       </a:r>
                     </a:p>
@@ -13343,7 +14197,7 @@
           <a:lstStyle/>
           <a:p>
             <a:r>
-              <a:rPr lang="en-US" b="1" dirty="0"/>
+              <a:rPr lang="en-US" b="1"/>
               <a:t>Signal</a:t>
             </a:r>
           </a:p>
@@ -13378,7 +14232,7 @@
           <a:lstStyle/>
           <a:p>
             <a:r>
-              <a:rPr lang="en-US" sz="1600" b="1" dirty="0"/>
+              <a:rPr lang="en-US" sz="1600" b="1"/>
               <a:t>Mask</a:t>
             </a:r>
           </a:p>
@@ -13472,7 +14326,7 @@
                     <a:lstStyle/>
                     <a:p>
                       <a:r>
-                        <a:rPr lang="en-US" dirty="0"/>
+                        <a:rPr lang="en-US"/>
                         <a:t>10</a:t>
                       </a:r>
                     </a:p>
@@ -13485,7 +14339,7 @@
                     <a:lstStyle/>
                     <a:p>
                       <a:r>
-                        <a:rPr lang="en-US" dirty="0"/>
+                        <a:rPr lang="en-US"/>
                         <a:t>50</a:t>
                       </a:r>
                     </a:p>
@@ -13498,7 +14352,7 @@
                     <a:lstStyle/>
                     <a:p>
                       <a:r>
-                        <a:rPr lang="en-US" dirty="0"/>
+                        <a:rPr lang="en-US"/>
                         <a:t>60</a:t>
                       </a:r>
                     </a:p>
@@ -13511,7 +14365,7 @@
                     <a:lstStyle/>
                     <a:p>
                       <a:r>
-                        <a:rPr lang="en-US" dirty="0"/>
+                        <a:rPr lang="en-US"/>
                         <a:t>10</a:t>
                       </a:r>
                     </a:p>
@@ -13524,7 +14378,7 @@
                     <a:lstStyle/>
                     <a:p>
                       <a:r>
-                        <a:rPr lang="en-US" dirty="0"/>
+                        <a:rPr lang="en-US"/>
                         <a:t>20</a:t>
                       </a:r>
                     </a:p>
@@ -13537,7 +14391,7 @@
                     <a:lstStyle/>
                     <a:p>
                       <a:r>
-                        <a:rPr lang="en-US" dirty="0"/>
+                        <a:rPr lang="en-US"/>
                         <a:t>40</a:t>
                       </a:r>
                     </a:p>
@@ -13550,7 +14404,7 @@
                     <a:lstStyle/>
                     <a:p>
                       <a:r>
-                        <a:rPr lang="en-US" dirty="0"/>
+                        <a:rPr lang="en-US"/>
                         <a:t>30</a:t>
                       </a:r>
                     </a:p>
@@ -13627,7 +14481,7 @@
                     <a:lstStyle/>
                     <a:p>
                       <a:r>
-                        <a:rPr lang="en-US" sz="1400" dirty="0"/>
+                        <a:rPr lang="en-US" sz="1400"/>
                         <a:t>1/3</a:t>
                       </a:r>
                     </a:p>
@@ -13640,7 +14494,7 @@
                     <a:lstStyle/>
                     <a:p>
                       <a:r>
-                        <a:rPr lang="en-US" sz="1400" dirty="0"/>
+                        <a:rPr lang="en-US" sz="1400"/>
                         <a:t>1/3</a:t>
                       </a:r>
                     </a:p>
@@ -13653,7 +14507,7 @@
                     <a:lstStyle/>
                     <a:p>
                       <a:r>
-                        <a:rPr lang="en-US" sz="1400" dirty="0"/>
+                        <a:rPr lang="en-US" sz="1400"/>
                         <a:t>1/3</a:t>
                       </a:r>
                     </a:p>
@@ -13699,7 +14553,7 @@
           <a:lstStyle/>
           <a:p>
             <a:r>
-              <a:rPr lang="en-US" dirty="0"/>
+              <a:rPr lang="en-US"/>
               <a:t>?</a:t>
             </a:r>
           </a:p>
@@ -13765,7 +14619,7 @@
                     <a:lstStyle/>
                     <a:p>
                       <a:r>
-                        <a:rPr lang="en-US" sz="1400" dirty="0"/>
+                        <a:rPr lang="en-US" sz="1400"/>
                         <a:t>1/3</a:t>
                       </a:r>
                     </a:p>
@@ -13778,7 +14632,7 @@
                     <a:lstStyle/>
                     <a:p>
                       <a:r>
-                        <a:rPr lang="en-US" sz="1400" dirty="0"/>
+                        <a:rPr lang="en-US" sz="1400"/>
                         <a:t>1/3</a:t>
                       </a:r>
                     </a:p>
@@ -13791,7 +14645,7 @@
                     <a:lstStyle/>
                     <a:p>
                       <a:r>
-                        <a:rPr lang="en-US" sz="1400" dirty="0"/>
+                        <a:rPr lang="en-US" sz="1400"/>
                         <a:t>1/3</a:t>
                       </a:r>
                     </a:p>
@@ -13868,7 +14722,7 @@
                     <a:lstStyle/>
                     <a:p>
                       <a:r>
-                        <a:rPr lang="en-US" sz="1400" dirty="0"/>
+                        <a:rPr lang="en-US" sz="1400"/>
                         <a:t>1/3</a:t>
                       </a:r>
                     </a:p>
@@ -13881,7 +14735,7 @@
                     <a:lstStyle/>
                     <a:p>
                       <a:r>
-                        <a:rPr lang="en-US" sz="1400" dirty="0"/>
+                        <a:rPr lang="en-US" sz="1400"/>
                         <a:t>1/3</a:t>
                       </a:r>
                     </a:p>
@@ -13894,7 +14748,7 @@
                     <a:lstStyle/>
                     <a:p>
                       <a:r>
-                        <a:rPr lang="en-US" sz="1400" dirty="0"/>
+                        <a:rPr lang="en-US" sz="1400"/>
                         <a:t>1/3</a:t>
                       </a:r>
                     </a:p>
@@ -13971,7 +14825,7 @@
                     <a:lstStyle/>
                     <a:p>
                       <a:r>
-                        <a:rPr lang="en-US" sz="1400" dirty="0"/>
+                        <a:rPr lang="en-US" sz="1400"/>
                         <a:t>1/3</a:t>
                       </a:r>
                     </a:p>
@@ -13984,7 +14838,7 @@
                     <a:lstStyle/>
                     <a:p>
                       <a:r>
-                        <a:rPr lang="en-US" sz="1400" dirty="0"/>
+                        <a:rPr lang="en-US" sz="1400"/>
                         <a:t>1/3</a:t>
                       </a:r>
                     </a:p>
@@ -13997,7 +14851,7 @@
                     <a:lstStyle/>
                     <a:p>
                       <a:r>
-                        <a:rPr lang="en-US" sz="1400" dirty="0"/>
+                        <a:rPr lang="en-US" sz="1400"/>
                         <a:t>1/3</a:t>
                       </a:r>
                     </a:p>
@@ -14074,7 +14928,7 @@
                     <a:lstStyle/>
                     <a:p>
                       <a:r>
-                        <a:rPr lang="en-US" sz="1400" dirty="0"/>
+                        <a:rPr lang="en-US" sz="1400"/>
                         <a:t>1/3</a:t>
                       </a:r>
                     </a:p>
@@ -14087,7 +14941,7 @@
                     <a:lstStyle/>
                     <a:p>
                       <a:r>
-                        <a:rPr lang="en-US" sz="1400" dirty="0"/>
+                        <a:rPr lang="en-US" sz="1400"/>
                         <a:t>1/3</a:t>
                       </a:r>
                     </a:p>
@@ -14100,7 +14954,7 @@
                     <a:lstStyle/>
                     <a:p>
                       <a:r>
-                        <a:rPr lang="en-US" sz="1400" dirty="0"/>
+                        <a:rPr lang="en-US" sz="1400"/>
                         <a:t>1/3</a:t>
                       </a:r>
                     </a:p>
@@ -14177,7 +15031,7 @@
                     <a:lstStyle/>
                     <a:p>
                       <a:r>
-                        <a:rPr lang="en-US" sz="1400" dirty="0"/>
+                        <a:rPr lang="en-US" sz="1400"/>
                         <a:t>1/3</a:t>
                       </a:r>
                     </a:p>
@@ -14190,7 +15044,7 @@
                     <a:lstStyle/>
                     <a:p>
                       <a:r>
-                        <a:rPr lang="en-US" sz="1400" dirty="0"/>
+                        <a:rPr lang="en-US" sz="1400"/>
                         <a:t>1/3</a:t>
                       </a:r>
                     </a:p>
@@ -14203,7 +15057,7 @@
                     <a:lstStyle/>
                     <a:p>
                       <a:r>
-                        <a:rPr lang="en-US" sz="1400" dirty="0"/>
+                        <a:rPr lang="en-US" sz="1400"/>
                         <a:t>1/3</a:t>
                       </a:r>
                     </a:p>
@@ -14280,7 +15134,7 @@
                     <a:lstStyle/>
                     <a:p>
                       <a:r>
-                        <a:rPr lang="en-US" sz="1400" dirty="0"/>
+                        <a:rPr lang="en-US" sz="1400"/>
                         <a:t>1/3</a:t>
                       </a:r>
                     </a:p>
@@ -14293,7 +15147,7 @@
                     <a:lstStyle/>
                     <a:p>
                       <a:r>
-                        <a:rPr lang="en-US" sz="1400" dirty="0"/>
+                        <a:rPr lang="en-US" sz="1400"/>
                         <a:t>1/3</a:t>
                       </a:r>
                     </a:p>
@@ -14306,7 +15160,7 @@
                     <a:lstStyle/>
                     <a:p>
                       <a:r>
-                        <a:rPr lang="en-US" sz="1400" dirty="0"/>
+                        <a:rPr lang="en-US" sz="1400"/>
                         <a:t>1/3</a:t>
                       </a:r>
                     </a:p>
@@ -14352,7 +15206,7 @@
           <a:lstStyle/>
           <a:p>
             <a:r>
-              <a:rPr lang="en-US" dirty="0"/>
+              <a:rPr lang="en-US"/>
               <a:t>?</a:t>
             </a:r>
           </a:p>
@@ -14405,7 +15259,7 @@
                     <a:p>
                       <a:pPr algn="ctr"/>
                       <a:r>
-                        <a:rPr lang="en-US" dirty="0"/>
+                        <a:rPr lang="en-US"/>
                         <a:t>?</a:t>
                       </a:r>
                     </a:p>
@@ -14469,7 +15323,7 @@
                     <a:p>
                       <a:pPr algn="ctr"/>
                       <a:r>
-                        <a:rPr lang="en-US" dirty="0"/>
+                        <a:rPr lang="en-US"/>
                         <a:t>40</a:t>
                       </a:r>
                     </a:p>
@@ -14533,7 +15387,7 @@
                     <a:p>
                       <a:pPr algn="ctr"/>
                       <a:r>
-                        <a:rPr lang="en-US" dirty="0"/>
+                        <a:rPr lang="en-US"/>
                         <a:t>40</a:t>
                       </a:r>
                     </a:p>
@@ -14597,7 +15451,7 @@
                     <a:p>
                       <a:pPr algn="ctr"/>
                       <a:r>
-                        <a:rPr lang="en-US" dirty="0"/>
+                        <a:rPr lang="en-US"/>
                         <a:t>30</a:t>
                       </a:r>
                     </a:p>
@@ -14661,7 +15515,7 @@
                     <a:p>
                       <a:pPr algn="ctr"/>
                       <a:r>
-                        <a:rPr lang="en-US" dirty="0"/>
+                        <a:rPr lang="en-US"/>
                         <a:t>23</a:t>
                       </a:r>
                     </a:p>
@@ -14725,7 +15579,7 @@
                     <a:p>
                       <a:pPr algn="ctr"/>
                       <a:r>
-                        <a:rPr lang="en-US" dirty="0"/>
+                        <a:rPr lang="en-US"/>
                         <a:t>30</a:t>
                       </a:r>
                     </a:p>
@@ -14789,7 +15643,7 @@
                     <a:p>
                       <a:pPr algn="ctr"/>
                       <a:r>
-                        <a:rPr lang="en-US" dirty="0"/>
+                        <a:rPr lang="en-US"/>
                         <a:t>?</a:t>
                       </a:r>
                     </a:p>
@@ -14879,7 +15733,7 @@
           <a:lstStyle/>
           <a:p>
             <a:r>
-              <a:rPr lang="en-US" b="1" dirty="0"/>
+              <a:rPr lang="en-US" b="1"/>
               <a:t>Valid regions for convolution (based on mask length)</a:t>
             </a:r>
           </a:p>
@@ -15012,7 +15866,7 @@
           <a:lstStyle/>
           <a:p>
             <a:r>
-              <a:rPr lang="en-US" dirty="0">
+              <a:rPr lang="en-US">
                 <a:solidFill>
                   <a:srgbClr val="FF0000"/>
                 </a:solidFill>
@@ -15051,12 +15905,40 @@
           <a:lstStyle/>
           <a:p>
             <a:r>
-              <a:rPr lang="en-US" dirty="0">
+              <a:rPr lang="en-US">
                 <a:solidFill>
                   <a:srgbClr val="FF0000"/>
                 </a:solidFill>
               </a:rPr>
               <a:t>Invalid areas</a:t>
+            </a:r>
+          </a:p>
+        </p:txBody>
+      </p:sp>
+      <p:sp>
+        <p:nvSpPr>
+          <p:cNvPr id="3" name="Footer Placeholder 2">
+            <a:extLst>
+              <a:ext uri="{FF2B5EF4-FFF2-40B4-BE49-F238E27FC236}">
+                <a16:creationId xmlns:a16="http://schemas.microsoft.com/office/drawing/2014/main" id="{50E67BD0-1ADB-49BE-AB9A-713298C94D48}"/>
+              </a:ext>
+            </a:extLst>
+          </p:cNvPr>
+          <p:cNvSpPr>
+            <a:spLocks noGrp="1"/>
+          </p:cNvSpPr>
+          <p:nvPr>
+            <p:ph type="ftr" sz="quarter" idx="11"/>
+          </p:nvPr>
+        </p:nvSpPr>
+        <p:spPr/>
+        <p:txBody>
+          <a:bodyPr/>
+          <a:lstStyle/>
+          <a:p>
+            <a:r>
+              <a:rPr lang="en-US"/>
+              <a:t>aka.ms/mlads-checklists</a:t>
             </a:r>
           </a:p>
         </p:txBody>
@@ -16116,7 +16998,7 @@
           <a:lstStyle/>
           <a:p>
             <a:r>
-              <a:rPr lang="en-US" b="1" dirty="0"/>
+              <a:rPr lang="en-US" b="1"/>
               <a:t>Understanding Convolutions</a:t>
             </a:r>
           </a:p>
@@ -16151,11 +17033,11 @@
           <a:lstStyle/>
           <a:p>
             <a:r>
-              <a:rPr lang="en-US" b="1" dirty="0"/>
+              <a:rPr lang="en-US" b="1"/>
               <a:t>Option 1: </a:t>
             </a:r>
             <a:r>
-              <a:rPr lang="en-US" dirty="0"/>
+              <a:rPr lang="en-US"/>
               <a:t>If you want the output response to use the entire signal (and be of the same length), then pad the input signal with zeros (padding length depends on convolution filter size)</a:t>
             </a:r>
           </a:p>
@@ -16249,7 +17131,7 @@
                     <a:lstStyle/>
                     <a:p>
                       <a:r>
-                        <a:rPr lang="en-US" dirty="0"/>
+                        <a:rPr lang="en-US"/>
                         <a:t>10</a:t>
                       </a:r>
                     </a:p>
@@ -16262,7 +17144,7 @@
                     <a:lstStyle/>
                     <a:p>
                       <a:r>
-                        <a:rPr lang="en-US" dirty="0"/>
+                        <a:rPr lang="en-US"/>
                         <a:t>50</a:t>
                       </a:r>
                     </a:p>
@@ -16275,7 +17157,7 @@
                     <a:lstStyle/>
                     <a:p>
                       <a:r>
-                        <a:rPr lang="en-US" dirty="0"/>
+                        <a:rPr lang="en-US"/>
                         <a:t>60</a:t>
                       </a:r>
                     </a:p>
@@ -16288,7 +17170,7 @@
                     <a:lstStyle/>
                     <a:p>
                       <a:r>
-                        <a:rPr lang="en-US" dirty="0"/>
+                        <a:rPr lang="en-US"/>
                         <a:t>10</a:t>
                       </a:r>
                     </a:p>
@@ -16301,7 +17183,7 @@
                     <a:lstStyle/>
                     <a:p>
                       <a:r>
-                        <a:rPr lang="en-US" dirty="0"/>
+                        <a:rPr lang="en-US"/>
                         <a:t>20</a:t>
                       </a:r>
                     </a:p>
@@ -16314,7 +17196,7 @@
                     <a:lstStyle/>
                     <a:p>
                       <a:r>
-                        <a:rPr lang="en-US" dirty="0"/>
+                        <a:rPr lang="en-US"/>
                         <a:t>40</a:t>
                       </a:r>
                     </a:p>
@@ -16327,7 +17209,7 @@
                     <a:lstStyle/>
                     <a:p>
                       <a:r>
-                        <a:rPr lang="en-US" dirty="0"/>
+                        <a:rPr lang="en-US"/>
                         <a:t>30</a:t>
                       </a:r>
                     </a:p>
@@ -16391,7 +17273,7 @@
                     <a:p>
                       <a:pPr algn="ctr"/>
                       <a:r>
-                        <a:rPr lang="en-US" dirty="0"/>
+                        <a:rPr lang="en-US"/>
                         <a:t>0</a:t>
                       </a:r>
                     </a:p>
@@ -16461,7 +17343,7 @@
                     <a:p>
                       <a:pPr algn="ctr"/>
                       <a:r>
-                        <a:rPr lang="en-US" dirty="0"/>
+                        <a:rPr lang="en-US"/>
                         <a:t>0</a:t>
                       </a:r>
                     </a:p>
@@ -16544,7 +17426,7 @@
                     <a:lstStyle/>
                     <a:p>
                       <a:r>
-                        <a:rPr lang="en-US" sz="1400" dirty="0"/>
+                        <a:rPr lang="en-US" sz="1400"/>
                         <a:t>1/3</a:t>
                       </a:r>
                     </a:p>
@@ -16563,7 +17445,7 @@
                     <a:lstStyle/>
                     <a:p>
                       <a:r>
-                        <a:rPr lang="en-US" sz="1400" dirty="0"/>
+                        <a:rPr lang="en-US" sz="1400"/>
                         <a:t>1/3</a:t>
                       </a:r>
                     </a:p>
@@ -16582,7 +17464,7 @@
                     <a:lstStyle/>
                     <a:p>
                       <a:r>
-                        <a:rPr lang="en-US" sz="1400" dirty="0"/>
+                        <a:rPr lang="en-US" sz="1400"/>
                         <a:t>1/3</a:t>
                       </a:r>
                     </a:p>
@@ -16693,7 +17575,7 @@
                     <a:lstStyle/>
                     <a:p>
                       <a:r>
-                        <a:rPr lang="en-US" dirty="0">
+                        <a:rPr lang="en-US">
                           <a:solidFill>
                             <a:srgbClr val="FFFF00"/>
                           </a:solidFill>
@@ -16710,7 +17592,7 @@
                     <a:lstStyle/>
                     <a:p>
                       <a:r>
-                        <a:rPr lang="en-US" dirty="0"/>
+                        <a:rPr lang="en-US"/>
                         <a:t>40</a:t>
                       </a:r>
                     </a:p>
@@ -16723,7 +17605,7 @@
                     <a:lstStyle/>
                     <a:p>
                       <a:r>
-                        <a:rPr lang="en-US" dirty="0"/>
+                        <a:rPr lang="en-US"/>
                         <a:t>40</a:t>
                       </a:r>
                     </a:p>
@@ -16736,7 +17618,7 @@
                     <a:lstStyle/>
                     <a:p>
                       <a:r>
-                        <a:rPr lang="en-US" dirty="0"/>
+                        <a:rPr lang="en-US"/>
                         <a:t>30</a:t>
                       </a:r>
                     </a:p>
@@ -16749,7 +17631,7 @@
                     <a:lstStyle/>
                     <a:p>
                       <a:r>
-                        <a:rPr lang="en-US" dirty="0"/>
+                        <a:rPr lang="en-US"/>
                         <a:t>23</a:t>
                       </a:r>
                     </a:p>
@@ -16762,7 +17644,7 @@
                     <a:lstStyle/>
                     <a:p>
                       <a:r>
-                        <a:rPr lang="en-US" dirty="0"/>
+                        <a:rPr lang="en-US"/>
                         <a:t>40</a:t>
                       </a:r>
                     </a:p>
@@ -16775,7 +17657,7 @@
                     <a:lstStyle/>
                     <a:p>
                       <a:r>
-                        <a:rPr lang="en-US" dirty="0">
+                        <a:rPr lang="en-US">
                           <a:solidFill>
                             <a:srgbClr val="FFFF00"/>
                           </a:solidFill>
@@ -16825,11 +17707,11 @@
           <a:lstStyle/>
           <a:p>
             <a:r>
-              <a:rPr lang="en-US" b="1" dirty="0"/>
+              <a:rPr lang="en-US" b="1"/>
               <a:t>Option 2: </a:t>
             </a:r>
             <a:r>
-              <a:rPr lang="en-US" dirty="0"/>
+              <a:rPr lang="en-US"/>
               <a:t>If you want the output response to only use the valid region of the input, then ignore invalid areas – keep in mind that output will be of different (smaller length)</a:t>
             </a:r>
           </a:p>
@@ -16923,7 +17805,7 @@
                     <a:lstStyle/>
                     <a:p>
                       <a:r>
-                        <a:rPr lang="en-US" dirty="0"/>
+                        <a:rPr lang="en-US"/>
                         <a:t>10</a:t>
                       </a:r>
                     </a:p>
@@ -16936,7 +17818,7 @@
                     <a:lstStyle/>
                     <a:p>
                       <a:r>
-                        <a:rPr lang="en-US" dirty="0"/>
+                        <a:rPr lang="en-US"/>
                         <a:t>50</a:t>
                       </a:r>
                     </a:p>
@@ -16949,7 +17831,7 @@
                     <a:lstStyle/>
                     <a:p>
                       <a:r>
-                        <a:rPr lang="en-US" dirty="0"/>
+                        <a:rPr lang="en-US"/>
                         <a:t>60</a:t>
                       </a:r>
                     </a:p>
@@ -16962,7 +17844,7 @@
                     <a:lstStyle/>
                     <a:p>
                       <a:r>
-                        <a:rPr lang="en-US" dirty="0"/>
+                        <a:rPr lang="en-US"/>
                         <a:t>10</a:t>
                       </a:r>
                     </a:p>
@@ -16975,7 +17857,7 @@
                     <a:lstStyle/>
                     <a:p>
                       <a:r>
-                        <a:rPr lang="en-US" dirty="0"/>
+                        <a:rPr lang="en-US"/>
                         <a:t>20</a:t>
                       </a:r>
                     </a:p>
@@ -16988,7 +17870,7 @@
                     <a:lstStyle/>
                     <a:p>
                       <a:r>
-                        <a:rPr lang="en-US" dirty="0"/>
+                        <a:rPr lang="en-US"/>
                         <a:t>40</a:t>
                       </a:r>
                     </a:p>
@@ -17001,7 +17883,7 @@
                     <a:lstStyle/>
                     <a:p>
                       <a:r>
-                        <a:rPr lang="en-US" dirty="0"/>
+                        <a:rPr lang="en-US"/>
                         <a:t>30</a:t>
                       </a:r>
                     </a:p>
@@ -17078,7 +17960,7 @@
                     <a:lstStyle/>
                     <a:p>
                       <a:r>
-                        <a:rPr lang="en-US" sz="1400" dirty="0"/>
+                        <a:rPr lang="en-US" sz="1400"/>
                         <a:t>1/3</a:t>
                       </a:r>
                     </a:p>
@@ -17097,7 +17979,7 @@
                     <a:lstStyle/>
                     <a:p>
                       <a:r>
-                        <a:rPr lang="en-US" sz="1400" dirty="0"/>
+                        <a:rPr lang="en-US" sz="1400"/>
                         <a:t>1/3</a:t>
                       </a:r>
                     </a:p>
@@ -17116,7 +17998,7 @@
                     <a:lstStyle/>
                     <a:p>
                       <a:r>
-                        <a:rPr lang="en-US" sz="1400" dirty="0"/>
+                        <a:rPr lang="en-US" sz="1400"/>
                         <a:t>1/3</a:t>
                       </a:r>
                     </a:p>
@@ -17213,7 +18095,7 @@
                     <a:lstStyle/>
                     <a:p>
                       <a:r>
-                        <a:rPr lang="en-US" dirty="0"/>
+                        <a:rPr lang="en-US"/>
                         <a:t>40</a:t>
                       </a:r>
                     </a:p>
@@ -17226,7 +18108,7 @@
                     <a:lstStyle/>
                     <a:p>
                       <a:r>
-                        <a:rPr lang="en-US" dirty="0"/>
+                        <a:rPr lang="en-US"/>
                         <a:t>40</a:t>
                       </a:r>
                     </a:p>
@@ -17239,7 +18121,7 @@
                     <a:lstStyle/>
                     <a:p>
                       <a:r>
-                        <a:rPr lang="en-US" dirty="0"/>
+                        <a:rPr lang="en-US"/>
                         <a:t>30</a:t>
                       </a:r>
                     </a:p>
@@ -17252,7 +18134,7 @@
                     <a:lstStyle/>
                     <a:p>
                       <a:r>
-                        <a:rPr lang="en-US" dirty="0"/>
+                        <a:rPr lang="en-US"/>
                         <a:t>23</a:t>
                       </a:r>
                     </a:p>
@@ -17265,7 +18147,7 @@
                     <a:lstStyle/>
                     <a:p>
                       <a:r>
-                        <a:rPr lang="en-US" dirty="0"/>
+                        <a:rPr lang="en-US"/>
                         <a:t>40</a:t>
                       </a:r>
                     </a:p>
@@ -17311,7 +18193,7 @@
           <a:lstStyle/>
           <a:p>
             <a:r>
-              <a:rPr lang="en-US" i="1" dirty="0"/>
+              <a:rPr lang="en-US" i="1"/>
               <a:t>Feature Map/Response</a:t>
             </a:r>
           </a:p>
@@ -17346,7 +18228,7 @@
           <a:lstStyle/>
           <a:p>
             <a:r>
-              <a:rPr lang="en-US" i="1" dirty="0"/>
+              <a:rPr lang="en-US" i="1"/>
               <a:t>Feature Map/Response</a:t>
             </a:r>
           </a:p>
@@ -17381,8 +18263,36 @@
           <a:lstStyle/>
           <a:p>
             <a:r>
-              <a:rPr lang="en-US" dirty="0"/>
+              <a:rPr lang="en-US"/>
               <a:t>If input signal length is “M” and filter size is “N”, then output size = M – N + 1</a:t>
+            </a:r>
+          </a:p>
+        </p:txBody>
+      </p:sp>
+      <p:sp>
+        <p:nvSpPr>
+          <p:cNvPr id="3" name="Footer Placeholder 2">
+            <a:extLst>
+              <a:ext uri="{FF2B5EF4-FFF2-40B4-BE49-F238E27FC236}">
+                <a16:creationId xmlns:a16="http://schemas.microsoft.com/office/drawing/2014/main" id="{098C8E83-F071-467C-AE64-7F1E802E0857}"/>
+              </a:ext>
+            </a:extLst>
+          </p:cNvPr>
+          <p:cNvSpPr>
+            <a:spLocks noGrp="1"/>
+          </p:cNvSpPr>
+          <p:nvPr>
+            <p:ph type="ftr" sz="quarter" idx="11"/>
+          </p:nvPr>
+        </p:nvSpPr>
+        <p:spPr/>
+        <p:txBody>
+          <a:bodyPr/>
+          <a:lstStyle/>
+          <a:p>
+            <a:r>
+              <a:rPr lang="en-US"/>
+              <a:t>aka.ms/mlads-checklists</a:t>
             </a:r>
           </a:p>
         </p:txBody>
@@ -17947,7 +18857,7 @@
           <a:lstStyle/>
           <a:p>
             <a:r>
-              <a:rPr lang="en-US" b="1" dirty="0"/>
+              <a:rPr lang="en-US" b="1"/>
               <a:t>Pooling</a:t>
             </a:r>
           </a:p>
@@ -17975,15 +18885,15 @@
           <a:lstStyle/>
           <a:p>
             <a:r>
-              <a:rPr lang="en-US" dirty="0"/>
+              <a:rPr lang="en-US"/>
               <a:t>Pooling (in the context of convolutions) is the process of </a:t>
             </a:r>
             <a:r>
-              <a:rPr lang="en-US" dirty="0" err="1"/>
+              <a:rPr lang="en-US" err="1"/>
               <a:t>downsampling</a:t>
             </a:r>
             <a:r>
-              <a:rPr lang="en-US" dirty="0"/>
+              <a:rPr lang="en-US"/>
               <a:t> – essentially getting a representative for a region or patch of a feature map (obtained via convolution)</a:t>
             </a:r>
           </a:p>
@@ -18093,7 +19003,7 @@
                     <a:lstStyle/>
                     <a:p>
                       <a:r>
-                        <a:rPr lang="en-US" dirty="0"/>
+                        <a:rPr lang="en-US"/>
                         <a:t>40</a:t>
                       </a:r>
                     </a:p>
@@ -18106,7 +19016,7 @@
                     <a:lstStyle/>
                     <a:p>
                       <a:r>
-                        <a:rPr lang="en-US" dirty="0"/>
+                        <a:rPr lang="en-US"/>
                         <a:t>40</a:t>
                       </a:r>
                     </a:p>
@@ -18119,7 +19029,7 @@
                     <a:lstStyle/>
                     <a:p>
                       <a:r>
-                        <a:rPr lang="en-US" dirty="0"/>
+                        <a:rPr lang="en-US"/>
                         <a:t>30</a:t>
                       </a:r>
                     </a:p>
@@ -18132,7 +19042,7 @@
                     <a:lstStyle/>
                     <a:p>
                       <a:r>
-                        <a:rPr lang="en-US" dirty="0"/>
+                        <a:rPr lang="en-US"/>
                         <a:t>23</a:t>
                       </a:r>
                     </a:p>
@@ -18145,7 +19055,7 @@
                     <a:lstStyle/>
                     <a:p>
                       <a:r>
-                        <a:rPr lang="en-US" dirty="0"/>
+                        <a:rPr lang="en-US"/>
                         <a:t>40</a:t>
                       </a:r>
                     </a:p>
@@ -18261,7 +19171,7 @@
                     <a:lstStyle/>
                     <a:p>
                       <a:r>
-                        <a:rPr lang="en-US" dirty="0"/>
+                        <a:rPr lang="en-US"/>
                         <a:t>40</a:t>
                       </a:r>
                     </a:p>
@@ -18274,7 +19184,7 @@
                     <a:lstStyle/>
                     <a:p>
                       <a:r>
-                        <a:rPr lang="en-US" dirty="0"/>
+                        <a:rPr lang="en-US"/>
                         <a:t>30</a:t>
                       </a:r>
                     </a:p>
@@ -18320,8 +19230,36 @@
           <a:lstStyle/>
           <a:p>
             <a:r>
-              <a:rPr lang="en-US" dirty="0"/>
+              <a:rPr lang="en-US"/>
               <a:t>(Max Pooling)</a:t>
+            </a:r>
+          </a:p>
+        </p:txBody>
+      </p:sp>
+      <p:sp>
+        <p:nvSpPr>
+          <p:cNvPr id="9" name="Footer Placeholder 8">
+            <a:extLst>
+              <a:ext uri="{FF2B5EF4-FFF2-40B4-BE49-F238E27FC236}">
+                <a16:creationId xmlns:a16="http://schemas.microsoft.com/office/drawing/2014/main" id="{6E475CC3-A75A-4D04-8381-215F82BDB0D4}"/>
+              </a:ext>
+            </a:extLst>
+          </p:cNvPr>
+          <p:cNvSpPr>
+            <a:spLocks noGrp="1"/>
+          </p:cNvSpPr>
+          <p:nvPr>
+            <p:ph type="ftr" sz="quarter" idx="11"/>
+          </p:nvPr>
+        </p:nvSpPr>
+        <p:spPr/>
+        <p:txBody>
+          <a:bodyPr/>
+          <a:lstStyle/>
+          <a:p>
+            <a:r>
+              <a:rPr lang="en-US"/>
+              <a:t>aka.ms/mlads-checklists</a:t>
             </a:r>
           </a:p>
         </p:txBody>
@@ -18534,7 +19472,7 @@
           <a:lstStyle/>
           <a:p>
             <a:r>
-              <a:rPr lang="en-US" b="1" dirty="0"/>
+              <a:rPr lang="en-US" b="1"/>
               <a:t>Text Embeddings</a:t>
             </a:r>
           </a:p>
@@ -18601,7 +19539,7 @@
                     <a:p>
                       <a:pPr algn="ctr"/>
                       <a:r>
-                        <a:rPr lang="en-US" dirty="0">
+                        <a:rPr lang="en-US">
                           <a:solidFill>
                             <a:schemeClr val="tx1"/>
                           </a:solidFill>
@@ -18609,14 +19547,14 @@
                         <a:t>X</a:t>
                       </a:r>
                       <a:r>
-                        <a:rPr lang="en-US" sz="1200" dirty="0">
+                        <a:rPr lang="en-US" sz="1200">
                           <a:solidFill>
                             <a:schemeClr val="tx1"/>
                           </a:solidFill>
                         </a:rPr>
                         <a:t>1</a:t>
                       </a:r>
-                      <a:endParaRPr lang="en-US" dirty="0">
+                      <a:endParaRPr lang="en-US">
                         <a:solidFill>
                           <a:schemeClr val="tx1"/>
                         </a:solidFill>
@@ -18639,7 +19577,7 @@
                     <a:p>
                       <a:pPr algn="ctr"/>
                       <a:r>
-                        <a:rPr lang="en-US" dirty="0">
+                        <a:rPr lang="en-US">
                           <a:solidFill>
                             <a:schemeClr val="tx1"/>
                           </a:solidFill>
@@ -18647,14 +19585,14 @@
                         <a:t>X</a:t>
                       </a:r>
                       <a:r>
-                        <a:rPr lang="en-US" sz="1200" dirty="0">
+                        <a:rPr lang="en-US" sz="1200">
                           <a:solidFill>
                             <a:schemeClr val="tx1"/>
                           </a:solidFill>
                         </a:rPr>
                         <a:t>2</a:t>
                       </a:r>
-                      <a:endParaRPr lang="en-US" dirty="0">
+                      <a:endParaRPr lang="en-US">
                         <a:solidFill>
                           <a:schemeClr val="tx1"/>
                         </a:solidFill>
@@ -18677,7 +19615,7 @@
                     <a:p>
                       <a:pPr algn="ctr"/>
                       <a:r>
-                        <a:rPr lang="en-US" dirty="0">
+                        <a:rPr lang="en-US">
                           <a:solidFill>
                             <a:schemeClr val="tx1"/>
                           </a:solidFill>
@@ -18685,14 +19623,14 @@
                         <a:t>X</a:t>
                       </a:r>
                       <a:r>
-                        <a:rPr lang="en-US" sz="1200" dirty="0">
+                        <a:rPr lang="en-US" sz="1200">
                           <a:solidFill>
                             <a:schemeClr val="tx1"/>
                           </a:solidFill>
                         </a:rPr>
                         <a:t>3</a:t>
                       </a:r>
-                      <a:endParaRPr lang="en-US" dirty="0">
+                      <a:endParaRPr lang="en-US">
                         <a:solidFill>
                           <a:schemeClr val="tx1"/>
                         </a:solidFill>
@@ -18747,7 +19685,7 @@
           <a:lstStyle/>
           <a:p>
             <a:r>
-              <a:rPr lang="en-US" dirty="0"/>
+              <a:rPr lang="en-US"/>
               <a:t>~300 columns (dimensionality of embedding)</a:t>
             </a:r>
           </a:p>
@@ -18814,7 +19752,7 @@
                     <a:p>
                       <a:pPr algn="ctr"/>
                       <a:r>
-                        <a:rPr lang="en-US" dirty="0">
+                        <a:rPr lang="en-US">
                           <a:solidFill>
                             <a:schemeClr val="tx1"/>
                           </a:solidFill>
@@ -18839,7 +19777,7 @@
                     <a:p>
                       <a:pPr algn="ctr"/>
                       <a:r>
-                        <a:rPr lang="en-US" dirty="0">
+                        <a:rPr lang="en-US">
                           <a:solidFill>
                             <a:schemeClr val="tx1"/>
                           </a:solidFill>
@@ -18864,7 +19802,7 @@
                     <a:p>
                       <a:pPr algn="ctr"/>
                       <a:r>
-                        <a:rPr lang="en-US" dirty="0">
+                        <a:rPr lang="en-US">
                           <a:solidFill>
                             <a:schemeClr val="tx1"/>
                           </a:solidFill>
@@ -18953,7 +19891,7 @@
                     <a:p>
                       <a:pPr algn="ctr"/>
                       <a:r>
-                        <a:rPr lang="en-US" dirty="0">
+                        <a:rPr lang="en-US">
                           <a:solidFill>
                             <a:schemeClr val="tx1"/>
                           </a:solidFill>
@@ -18978,7 +19916,7 @@
                     <a:p>
                       <a:pPr algn="ctr"/>
                       <a:r>
-                        <a:rPr lang="en-US" dirty="0">
+                        <a:rPr lang="en-US">
                           <a:solidFill>
                             <a:schemeClr val="tx1"/>
                           </a:solidFill>
@@ -19003,7 +19941,7 @@
                     <a:p>
                       <a:pPr algn="ctr"/>
                       <a:r>
-                        <a:rPr lang="en-US" dirty="0">
+                        <a:rPr lang="en-US">
                           <a:solidFill>
                             <a:schemeClr val="tx1"/>
                           </a:solidFill>
@@ -19092,7 +20030,7 @@
                     <a:p>
                       <a:pPr algn="ctr"/>
                       <a:r>
-                        <a:rPr lang="en-US" dirty="0">
+                        <a:rPr lang="en-US">
                           <a:solidFill>
                             <a:schemeClr val="tx1"/>
                           </a:solidFill>
@@ -19117,7 +20055,7 @@
                     <a:p>
                       <a:pPr algn="ctr"/>
                       <a:r>
-                        <a:rPr lang="en-US" dirty="0">
+                        <a:rPr lang="en-US">
                           <a:solidFill>
                             <a:schemeClr val="tx1"/>
                           </a:solidFill>
@@ -19142,7 +20080,7 @@
                     <a:p>
                       <a:pPr algn="ctr"/>
                       <a:r>
-                        <a:rPr lang="en-US" dirty="0">
+                        <a:rPr lang="en-US">
                           <a:solidFill>
                             <a:schemeClr val="tx1"/>
                           </a:solidFill>
@@ -19199,7 +20137,7 @@
           <a:lstStyle/>
           <a:p>
             <a:r>
-              <a:rPr lang="en-US" dirty="0"/>
+              <a:rPr lang="en-US"/>
               <a:t>picture</a:t>
             </a:r>
           </a:p>
@@ -19234,7 +20172,7 @@
           <a:lstStyle/>
           <a:p>
             <a:r>
-              <a:rPr lang="en-US" dirty="0"/>
+              <a:rPr lang="en-US"/>
               <a:t>nice</a:t>
             </a:r>
           </a:p>
@@ -19269,7 +20207,7 @@
           <a:lstStyle/>
           <a:p>
             <a:r>
-              <a:rPr lang="en-US" dirty="0"/>
+              <a:rPr lang="en-US"/>
               <a:t>very</a:t>
             </a:r>
           </a:p>
@@ -19571,15 +20509,15 @@
           <a:lstStyle/>
           <a:p>
             <a:r>
-              <a:rPr lang="en-US" dirty="0"/>
+              <a:rPr lang="en-US"/>
               <a:t>Sample </a:t>
             </a:r>
             <a:r>
-              <a:rPr lang="en-US" dirty="0" err="1"/>
+              <a:rPr lang="en-US" err="1"/>
               <a:t>FastText</a:t>
             </a:r>
             <a:r>
-              <a:rPr lang="en-US" dirty="0"/>
+              <a:rPr lang="en-US"/>
               <a:t> Embeddings</a:t>
             </a:r>
           </a:p>
@@ -19646,7 +20584,7 @@
                     <a:p>
                       <a:pPr algn="ctr"/>
                       <a:r>
-                        <a:rPr lang="en-US" dirty="0">
+                        <a:rPr lang="en-US">
                           <a:solidFill>
                             <a:schemeClr val="accent6">
                               <a:lumMod val="75000"/>
@@ -19673,7 +20611,7 @@
                     <a:p>
                       <a:pPr algn="ctr"/>
                       <a:r>
-                        <a:rPr lang="en-US" dirty="0">
+                        <a:rPr lang="en-US">
                           <a:solidFill>
                             <a:schemeClr val="accent6">
                               <a:lumMod val="75000"/>
@@ -19700,7 +20638,7 @@
                     <a:p>
                       <a:pPr algn="ctr"/>
                       <a:r>
-                        <a:rPr lang="en-US" dirty="0">
+                        <a:rPr lang="en-US">
                           <a:solidFill>
                             <a:schemeClr val="accent6">
                               <a:lumMod val="75000"/>
@@ -19759,7 +20697,7 @@
           <a:lstStyle/>
           <a:p>
             <a:r>
-              <a:rPr lang="en-US" b="1" dirty="0">
+              <a:rPr lang="en-US" b="1">
                 <a:solidFill>
                   <a:srgbClr val="C00000"/>
                 </a:solidFill>
@@ -19798,7 +20736,7 @@
           <a:lstStyle/>
           <a:p>
             <a:r>
-              <a:rPr lang="en-US" b="1" dirty="0">
+              <a:rPr lang="en-US" b="1">
                 <a:solidFill>
                   <a:srgbClr val="C00000"/>
                 </a:solidFill>
@@ -19837,7 +20775,7 @@
           <a:lstStyle/>
           <a:p>
             <a:r>
-              <a:rPr lang="en-US" b="1" dirty="0">
+              <a:rPr lang="en-US" b="1">
                 <a:solidFill>
                   <a:srgbClr val="C00000"/>
                 </a:solidFill>
@@ -19876,7 +20814,7 @@
           <a:lstStyle/>
           <a:p>
             <a:r>
-              <a:rPr lang="en-US" dirty="0"/>
+              <a:rPr lang="en-US"/>
               <a:t>very nice picture</a:t>
             </a:r>
           </a:p>
@@ -19911,16 +20849,44 @@
           <a:lstStyle/>
           <a:p>
             <a:r>
-              <a:rPr lang="en-US" dirty="0"/>
+              <a:rPr lang="en-US"/>
               <a:t>Sum of </a:t>
             </a:r>
             <a:r>
-              <a:rPr lang="en-US" dirty="0" err="1"/>
+              <a:rPr lang="en-US" err="1"/>
               <a:t>FastText</a:t>
             </a:r>
             <a:r>
-              <a:rPr lang="en-US" dirty="0"/>
+              <a:rPr lang="en-US"/>
               <a:t> vectors can be a good text descriptor !</a:t>
+            </a:r>
+          </a:p>
+        </p:txBody>
+      </p:sp>
+      <p:sp>
+        <p:nvSpPr>
+          <p:cNvPr id="3" name="Footer Placeholder 2">
+            <a:extLst>
+              <a:ext uri="{FF2B5EF4-FFF2-40B4-BE49-F238E27FC236}">
+                <a16:creationId xmlns:a16="http://schemas.microsoft.com/office/drawing/2014/main" id="{00163BB0-2E1D-4760-99DE-064BA46F4189}"/>
+              </a:ext>
+            </a:extLst>
+          </p:cNvPr>
+          <p:cNvSpPr>
+            <a:spLocks noGrp="1"/>
+          </p:cNvSpPr>
+          <p:nvPr>
+            <p:ph type="ftr" sz="quarter" idx="11"/>
+          </p:nvPr>
+        </p:nvSpPr>
+        <p:spPr/>
+        <p:txBody>
+          <a:bodyPr/>
+          <a:lstStyle/>
+          <a:p>
+            <a:r>
+              <a:rPr lang="en-US"/>
+              <a:t>aka.ms/mlads-checklists</a:t>
             </a:r>
           </a:p>
         </p:txBody>
@@ -19982,7 +20948,7 @@
           <a:lstStyle/>
           <a:p>
             <a:r>
-              <a:rPr lang="en-US" dirty="0"/>
+              <a:rPr lang="en-US"/>
               <a:t>Better approach using 1D Convolutions</a:t>
             </a:r>
           </a:p>
@@ -20035,7 +21001,7 @@
                     <a:p>
                       <a:pPr algn="ctr"/>
                       <a:r>
-                        <a:rPr lang="en-US" b="1" dirty="0"/>
+                        <a:rPr lang="en-US" b="1"/>
                         <a:t>Very </a:t>
                       </a:r>
                     </a:p>
@@ -20056,7 +21022,7 @@
                     <a:p>
                       <a:pPr algn="ctr"/>
                       <a:r>
-                        <a:rPr lang="en-US" b="1" dirty="0"/>
+                        <a:rPr lang="en-US" b="1"/>
                         <a:t>Nice </a:t>
                       </a:r>
                     </a:p>
@@ -20077,7 +21043,7 @@
                     <a:p>
                       <a:pPr algn="ctr"/>
                       <a:r>
-                        <a:rPr lang="en-US" b="1" dirty="0"/>
+                        <a:rPr lang="en-US" b="1"/>
                         <a:t>Movie</a:t>
                       </a:r>
                     </a:p>
@@ -20141,7 +21107,7 @@
                     <a:p>
                       <a:pPr algn="ctr"/>
                       <a:r>
-                        <a:rPr lang="en-US" b="1" dirty="0"/>
+                        <a:rPr lang="en-US" b="1"/>
                         <a:t>Very</a:t>
                       </a:r>
                     </a:p>
@@ -20162,7 +21128,7 @@
                     <a:p>
                       <a:pPr algn="ctr"/>
                       <a:r>
-                        <a:rPr lang="en-US" b="1" dirty="0"/>
+                        <a:rPr lang="en-US" b="1"/>
                         <a:t>Awesome</a:t>
                       </a:r>
                     </a:p>
@@ -20183,7 +21149,7 @@
                     <a:p>
                       <a:pPr algn="ctr"/>
                       <a:r>
-                        <a:rPr lang="en-US" b="1" dirty="0"/>
+                        <a:rPr lang="en-US" b="1"/>
                         <a:t>Picture</a:t>
                       </a:r>
                     </a:p>
@@ -20261,7 +21227,7 @@
                     <a:p>
                       <a:pPr algn="ctr"/>
                       <a:r>
-                        <a:rPr lang="en-US" b="1" dirty="0"/>
+                        <a:rPr lang="en-US" b="1"/>
                         <a:t>0.7</a:t>
                       </a:r>
                     </a:p>
@@ -20275,7 +21241,7 @@
                     <a:p>
                       <a:pPr algn="ctr"/>
                       <a:r>
-                        <a:rPr lang="en-US" b="1" dirty="0"/>
+                        <a:rPr lang="en-US" b="1"/>
                         <a:t>0.4</a:t>
                       </a:r>
                     </a:p>
@@ -20289,7 +21255,7 @@
                     <a:p>
                       <a:pPr algn="ctr"/>
                       <a:r>
-                        <a:rPr lang="en-US" b="1" dirty="0"/>
+                        <a:rPr lang="en-US" b="1"/>
                         <a:t>0.5</a:t>
                       </a:r>
                     </a:p>
@@ -20310,7 +21276,7 @@
                     <a:p>
                       <a:pPr algn="ctr"/>
                       <a:r>
-                        <a:rPr lang="en-US" b="1" dirty="0"/>
+                        <a:rPr lang="en-US" b="1"/>
                         <a:t>0.2</a:t>
                       </a:r>
                     </a:p>
@@ -20324,7 +21290,7 @@
                     <a:p>
                       <a:pPr algn="ctr"/>
                       <a:r>
-                        <a:rPr lang="en-US" b="1" dirty="0"/>
+                        <a:rPr lang="en-US" b="1"/>
                         <a:t>-0.1</a:t>
                       </a:r>
                     </a:p>
@@ -20338,7 +21304,7 @@
                     <a:p>
                       <a:pPr algn="ctr"/>
                       <a:r>
-                        <a:rPr lang="en-US" b="1" dirty="0"/>
+                        <a:rPr lang="en-US" b="1"/>
                         <a:t>0.1</a:t>
                       </a:r>
                     </a:p>
@@ -20359,7 +21325,7 @@
                     <a:p>
                       <a:pPr algn="ctr"/>
                       <a:r>
-                        <a:rPr lang="en-US" b="1" dirty="0"/>
+                        <a:rPr lang="en-US" b="1"/>
                         <a:t>-0.5</a:t>
                       </a:r>
                     </a:p>
@@ -20373,7 +21339,7 @@
                     <a:p>
                       <a:pPr algn="ctr"/>
                       <a:r>
-                        <a:rPr lang="en-US" b="1" dirty="0"/>
+                        <a:rPr lang="en-US" b="1"/>
                         <a:t>0.4</a:t>
                       </a:r>
                     </a:p>
@@ -20387,7 +21353,7 @@
                     <a:p>
                       <a:pPr algn="ctr"/>
                       <a:r>
-                        <a:rPr lang="en-US" b="1" dirty="0"/>
+                        <a:rPr lang="en-US" b="1"/>
                         <a:t>0.1</a:t>
                       </a:r>
                     </a:p>
@@ -20465,7 +21431,7 @@
                     <a:p>
                       <a:pPr algn="ctr"/>
                       <a:r>
-                        <a:rPr lang="en-US" b="1" dirty="0"/>
+                        <a:rPr lang="en-US" b="1"/>
                         <a:t>0.7</a:t>
                       </a:r>
                     </a:p>
@@ -20479,7 +21445,7 @@
                     <a:p>
                       <a:pPr algn="ctr"/>
                       <a:r>
-                        <a:rPr lang="en-US" b="1" dirty="0"/>
+                        <a:rPr lang="en-US" b="1"/>
                         <a:t>0.4</a:t>
                       </a:r>
                     </a:p>
@@ -20493,7 +21459,7 @@
                     <a:p>
                       <a:pPr algn="ctr"/>
                       <a:r>
-                        <a:rPr lang="en-US" b="1" dirty="0"/>
+                        <a:rPr lang="en-US" b="1"/>
                         <a:t>0.5</a:t>
                       </a:r>
                     </a:p>
@@ -20514,7 +21480,7 @@
                     <a:p>
                       <a:pPr algn="ctr"/>
                       <a:r>
-                        <a:rPr lang="en-US" b="1" dirty="0"/>
+                        <a:rPr lang="en-US" b="1"/>
                         <a:t>0.2</a:t>
                       </a:r>
                     </a:p>
@@ -20528,7 +21494,7 @@
                     <a:p>
                       <a:pPr algn="ctr"/>
                       <a:r>
-                        <a:rPr lang="en-US" b="1" dirty="0"/>
+                        <a:rPr lang="en-US" b="1"/>
                         <a:t>-0.05</a:t>
                       </a:r>
                     </a:p>
@@ -20542,7 +21508,7 @@
                     <a:p>
                       <a:pPr algn="ctr"/>
                       <a:r>
-                        <a:rPr lang="en-US" b="1" dirty="0"/>
+                        <a:rPr lang="en-US" b="1"/>
                         <a:t>0.1</a:t>
                       </a:r>
                     </a:p>
@@ -20563,7 +21529,7 @@
                     <a:p>
                       <a:pPr algn="ctr"/>
                       <a:r>
-                        <a:rPr lang="en-US" b="1" dirty="0"/>
+                        <a:rPr lang="en-US" b="1"/>
                         <a:t>-0.4</a:t>
                       </a:r>
                     </a:p>
@@ -20577,7 +21543,7 @@
                     <a:p>
                       <a:pPr algn="ctr"/>
                       <a:r>
-                        <a:rPr lang="en-US" b="1" dirty="0"/>
+                        <a:rPr lang="en-US" b="1"/>
                         <a:t>0.35</a:t>
                       </a:r>
                     </a:p>
@@ -20591,7 +21557,7 @@
                     <a:p>
                       <a:pPr algn="ctr"/>
                       <a:r>
-                        <a:rPr lang="en-US" b="1" dirty="0"/>
+                        <a:rPr lang="en-US" b="1"/>
                         <a:t>0.1</a:t>
                       </a:r>
                     </a:p>
@@ -20729,11 +21695,11 @@
           <a:lstStyle/>
           <a:p>
             <a:r>
-              <a:rPr lang="en-US" dirty="0" err="1"/>
+              <a:rPr lang="en-US" err="1"/>
               <a:t>FastText</a:t>
             </a:r>
             <a:r>
-              <a:rPr lang="en-US" dirty="0"/>
+              <a:rPr lang="en-US"/>
               <a:t> Embeddings (say 300)</a:t>
             </a:r>
           </a:p>
@@ -20768,8 +21734,36 @@
           <a:lstStyle/>
           <a:p>
             <a:r>
-              <a:rPr lang="en-US" dirty="0"/>
+              <a:rPr lang="en-US"/>
               <a:t>How do we make n-grams? </a:t>
+            </a:r>
+          </a:p>
+        </p:txBody>
+      </p:sp>
+      <p:sp>
+        <p:nvSpPr>
+          <p:cNvPr id="3" name="Footer Placeholder 2">
+            <a:extLst>
+              <a:ext uri="{FF2B5EF4-FFF2-40B4-BE49-F238E27FC236}">
+                <a16:creationId xmlns:a16="http://schemas.microsoft.com/office/drawing/2014/main" id="{89CDEB7D-8CDC-441E-B593-7316262FCD11}"/>
+              </a:ext>
+            </a:extLst>
+          </p:cNvPr>
+          <p:cNvSpPr>
+            <a:spLocks noGrp="1"/>
+          </p:cNvSpPr>
+          <p:nvPr>
+            <p:ph type="ftr" sz="quarter" idx="11"/>
+          </p:nvPr>
+        </p:nvSpPr>
+        <p:spPr/>
+        <p:txBody>
+          <a:bodyPr/>
+          <a:lstStyle/>
+          <a:p>
+            <a:r>
+              <a:rPr lang="en-US"/>
+              <a:t>aka.ms/mlads-checklists</a:t>
             </a:r>
           </a:p>
         </p:txBody>
@@ -20831,7 +21825,7 @@
           <a:lstStyle/>
           <a:p>
             <a:r>
-              <a:rPr lang="en-US" b="1" dirty="0"/>
+              <a:rPr lang="en-US" b="1"/>
               <a:t>Better approach using 1D Convolutions</a:t>
             </a:r>
           </a:p>
@@ -20878,7 +21872,7 @@
                     <a:p>
                       <a:pPr algn="ctr"/>
                       <a:r>
-                        <a:rPr lang="en-US" b="1" dirty="0"/>
+                        <a:rPr lang="en-US" b="1"/>
                         <a:t>Very </a:t>
                       </a:r>
                     </a:p>
@@ -20899,7 +21893,7 @@
                     <a:p>
                       <a:pPr algn="ctr"/>
                       <a:r>
-                        <a:rPr lang="en-US" b="1" dirty="0"/>
+                        <a:rPr lang="en-US" b="1"/>
                         <a:t>Nice </a:t>
                       </a:r>
                     </a:p>
@@ -20920,7 +21914,7 @@
                     <a:p>
                       <a:pPr algn="ctr"/>
                       <a:r>
-                        <a:rPr lang="en-US" b="1" dirty="0"/>
+                        <a:rPr lang="en-US" b="1"/>
                         <a:t>Movie</a:t>
                       </a:r>
                     </a:p>
@@ -20978,7 +21972,7 @@
                     <a:p>
                       <a:pPr algn="ctr"/>
                       <a:r>
-                        <a:rPr lang="en-US" b="1" dirty="0"/>
+                        <a:rPr lang="en-US" b="1"/>
                         <a:t>Very</a:t>
                       </a:r>
                     </a:p>
@@ -20999,7 +21993,7 @@
                     <a:p>
                       <a:pPr algn="ctr"/>
                       <a:r>
-                        <a:rPr lang="en-US" b="1" dirty="0"/>
+                        <a:rPr lang="en-US" b="1"/>
                         <a:t>Awesome</a:t>
                       </a:r>
                     </a:p>
@@ -21020,7 +22014,7 @@
                     <a:p>
                       <a:pPr algn="ctr"/>
                       <a:r>
-                        <a:rPr lang="en-US" b="1" dirty="0"/>
+                        <a:rPr lang="en-US" b="1"/>
                         <a:t>Picture</a:t>
                       </a:r>
                     </a:p>
@@ -21092,7 +22086,7 @@
                     <a:p>
                       <a:pPr algn="ctr"/>
                       <a:r>
-                        <a:rPr lang="en-US" b="1" dirty="0"/>
+                        <a:rPr lang="en-US" b="1"/>
                         <a:t>0.7</a:t>
                       </a:r>
                     </a:p>
@@ -21106,7 +22100,7 @@
                     <a:p>
                       <a:pPr algn="ctr"/>
                       <a:r>
-                        <a:rPr lang="en-US" b="1" dirty="0"/>
+                        <a:rPr lang="en-US" b="1"/>
                         <a:t>0.4</a:t>
                       </a:r>
                     </a:p>
@@ -21120,7 +22114,7 @@
                     <a:p>
                       <a:pPr algn="ctr"/>
                       <a:r>
-                        <a:rPr lang="en-US" b="1" dirty="0"/>
+                        <a:rPr lang="en-US" b="1"/>
                         <a:t>0.5</a:t>
                       </a:r>
                     </a:p>
@@ -21141,7 +22135,7 @@
                     <a:p>
                       <a:pPr algn="ctr"/>
                       <a:r>
-                        <a:rPr lang="en-US" b="1" dirty="0"/>
+                        <a:rPr lang="en-US" b="1"/>
                         <a:t>0.2</a:t>
                       </a:r>
                     </a:p>
@@ -21155,7 +22149,7 @@
                     <a:p>
                       <a:pPr algn="ctr"/>
                       <a:r>
-                        <a:rPr lang="en-US" b="1" dirty="0"/>
+                        <a:rPr lang="en-US" b="1"/>
                         <a:t>-0.1</a:t>
                       </a:r>
                     </a:p>
@@ -21169,7 +22163,7 @@
                     <a:p>
                       <a:pPr algn="ctr"/>
                       <a:r>
-                        <a:rPr lang="en-US" b="1" dirty="0"/>
+                        <a:rPr lang="en-US" b="1"/>
                         <a:t>0.1</a:t>
                       </a:r>
                     </a:p>
@@ -21190,7 +22184,7 @@
                     <a:p>
                       <a:pPr algn="ctr"/>
                       <a:r>
-                        <a:rPr lang="en-US" b="1" dirty="0"/>
+                        <a:rPr lang="en-US" b="1"/>
                         <a:t>-0.5</a:t>
                       </a:r>
                     </a:p>
@@ -21204,7 +22198,7 @@
                     <a:p>
                       <a:pPr algn="ctr"/>
                       <a:r>
-                        <a:rPr lang="en-US" b="1" dirty="0"/>
+                        <a:rPr lang="en-US" b="1"/>
                         <a:t>0.4</a:t>
                       </a:r>
                     </a:p>
@@ -21218,7 +22212,7 @@
                     <a:p>
                       <a:pPr algn="ctr"/>
                       <a:r>
-                        <a:rPr lang="en-US" b="1" dirty="0"/>
+                        <a:rPr lang="en-US" b="1"/>
                         <a:t>0.1</a:t>
                       </a:r>
                     </a:p>
@@ -21290,7 +22284,7 @@
                     <a:p>
                       <a:pPr algn="ctr"/>
                       <a:r>
-                        <a:rPr lang="en-US" b="1" dirty="0"/>
+                        <a:rPr lang="en-US" b="1"/>
                         <a:t>0.7</a:t>
                       </a:r>
                     </a:p>
@@ -21304,7 +22298,7 @@
                     <a:p>
                       <a:pPr algn="ctr"/>
                       <a:r>
-                        <a:rPr lang="en-US" b="1" dirty="0"/>
+                        <a:rPr lang="en-US" b="1"/>
                         <a:t>0.4</a:t>
                       </a:r>
                     </a:p>
@@ -21318,7 +22312,7 @@
                     <a:p>
                       <a:pPr algn="ctr"/>
                       <a:r>
-                        <a:rPr lang="en-US" b="1" dirty="0"/>
+                        <a:rPr lang="en-US" b="1"/>
                         <a:t>0.5</a:t>
                       </a:r>
                     </a:p>
@@ -21339,7 +22333,7 @@
                     <a:p>
                       <a:pPr algn="ctr"/>
                       <a:r>
-                        <a:rPr lang="en-US" b="1" dirty="0"/>
+                        <a:rPr lang="en-US" b="1"/>
                         <a:t>0.2</a:t>
                       </a:r>
                     </a:p>
@@ -21353,7 +22347,7 @@
                     <a:p>
                       <a:pPr algn="ctr"/>
                       <a:r>
-                        <a:rPr lang="en-US" b="1" dirty="0"/>
+                        <a:rPr lang="en-US" b="1"/>
                         <a:t>-0.05</a:t>
                       </a:r>
                     </a:p>
@@ -21367,7 +22361,7 @@
                     <a:p>
                       <a:pPr algn="ctr"/>
                       <a:r>
-                        <a:rPr lang="en-US" b="1" dirty="0"/>
+                        <a:rPr lang="en-US" b="1"/>
                         <a:t>0.1</a:t>
                       </a:r>
                     </a:p>
@@ -21388,7 +22382,7 @@
                     <a:p>
                       <a:pPr algn="ctr"/>
                       <a:r>
-                        <a:rPr lang="en-US" b="1" dirty="0"/>
+                        <a:rPr lang="en-US" b="1"/>
                         <a:t>-0.4</a:t>
                       </a:r>
                     </a:p>
@@ -21402,7 +22396,7 @@
                     <a:p>
                       <a:pPr algn="ctr"/>
                       <a:r>
-                        <a:rPr lang="en-US" b="1" dirty="0"/>
+                        <a:rPr lang="en-US" b="1"/>
                         <a:t>0.35</a:t>
                       </a:r>
                     </a:p>
@@ -21416,7 +22410,7 @@
                     <a:p>
                       <a:pPr algn="ctr"/>
                       <a:r>
-                        <a:rPr lang="en-US" b="1" dirty="0"/>
+                        <a:rPr lang="en-US" b="1"/>
                         <a:t>0.1</a:t>
                       </a:r>
                     </a:p>
@@ -21554,11 +22548,11 @@
           <a:lstStyle/>
           <a:p>
             <a:r>
-              <a:rPr lang="en-US" dirty="0" err="1"/>
+              <a:rPr lang="en-US" err="1"/>
               <a:t>FastText</a:t>
             </a:r>
             <a:r>
-              <a:rPr lang="en-US" dirty="0"/>
+              <a:rPr lang="en-US"/>
               <a:t> Embeddings (say 300)</a:t>
             </a:r>
           </a:p>
@@ -21679,7 +22673,7 @@
                     <a:p>
                       <a:pPr algn="ctr"/>
                       <a:r>
-                        <a:rPr lang="en-US" b="1" dirty="0">
+                        <a:rPr lang="en-US" b="1">
                           <a:solidFill>
                             <a:schemeClr val="accent1">
                               <a:lumMod val="75000"/>
@@ -21699,7 +22693,7 @@
                     <a:p>
                       <a:pPr algn="ctr"/>
                       <a:r>
-                        <a:rPr lang="en-US" b="1" dirty="0">
+                        <a:rPr lang="en-US" b="1">
                           <a:solidFill>
                             <a:schemeClr val="accent1">
                               <a:lumMod val="75000"/>
@@ -21719,7 +22713,7 @@
                     <a:p>
                       <a:pPr algn="ctr"/>
                       <a:r>
-                        <a:rPr lang="en-US" b="1" dirty="0">
+                        <a:rPr lang="en-US" b="1">
                           <a:solidFill>
                             <a:schemeClr val="accent1">
                               <a:lumMod val="75000"/>
@@ -21746,7 +22740,7 @@
                     <a:p>
                       <a:pPr algn="ctr"/>
                       <a:r>
-                        <a:rPr lang="en-US" b="1" dirty="0">
+                        <a:rPr lang="en-US" b="1">
                           <a:solidFill>
                             <a:schemeClr val="accent1">
                               <a:lumMod val="75000"/>
@@ -21766,7 +22760,7 @@
                     <a:p>
                       <a:pPr algn="ctr"/>
                       <a:r>
-                        <a:rPr lang="en-US" b="1" dirty="0">
+                        <a:rPr lang="en-US" b="1">
                           <a:solidFill>
                             <a:schemeClr val="accent1">
                               <a:lumMod val="75000"/>
@@ -21786,7 +22780,7 @@
                     <a:p>
                       <a:pPr algn="ctr"/>
                       <a:r>
-                        <a:rPr lang="en-US" b="1" dirty="0">
+                        <a:rPr lang="en-US" b="1">
                           <a:solidFill>
                             <a:schemeClr val="accent1">
                               <a:lumMod val="75000"/>
@@ -21926,7 +22920,7 @@
           <a:lstStyle/>
           <a:p>
             <a:r>
-              <a:rPr lang="en-US" b="1" dirty="0">
+              <a:rPr lang="en-US" b="1">
                 <a:solidFill>
                   <a:schemeClr val="accent6">
                     <a:lumMod val="75000"/>
@@ -22109,7 +23103,7 @@
           <a:lstStyle/>
           <a:p>
             <a:r>
-              <a:rPr lang="en-US" b="1" dirty="0">
+              <a:rPr lang="en-US" b="1">
                 <a:solidFill>
                   <a:schemeClr val="accent6">
                     <a:lumMod val="75000"/>
@@ -22196,7 +23190,7 @@
           <a:lstStyle/>
           <a:p>
             <a:r>
-              <a:rPr lang="en-US" dirty="0"/>
+              <a:rPr lang="en-US"/>
               <a:t>This (300 x 2) convolution filter provides high activations for two grams with a certain meaning</a:t>
             </a:r>
           </a:p>
@@ -22282,8 +23276,36 @@
           <a:lstStyle/>
           <a:p>
             <a:r>
-              <a:rPr lang="en-US" dirty="0"/>
+              <a:rPr lang="en-US"/>
               <a:t>Can be extended to 3-grams, 4 grams etc. !</a:t>
+            </a:r>
+          </a:p>
+        </p:txBody>
+      </p:sp>
+      <p:sp>
+        <p:nvSpPr>
+          <p:cNvPr id="6" name="Footer Placeholder 5">
+            <a:extLst>
+              <a:ext uri="{FF2B5EF4-FFF2-40B4-BE49-F238E27FC236}">
+                <a16:creationId xmlns:a16="http://schemas.microsoft.com/office/drawing/2014/main" id="{71827247-0CD7-47D9-83E3-77089AEE827B}"/>
+              </a:ext>
+            </a:extLst>
+          </p:cNvPr>
+          <p:cNvSpPr>
+            <a:spLocks noGrp="1"/>
+          </p:cNvSpPr>
+          <p:nvPr>
+            <p:ph type="ftr" sz="quarter" idx="11"/>
+          </p:nvPr>
+        </p:nvSpPr>
+        <p:spPr/>
+        <p:txBody>
+          <a:bodyPr/>
+          <a:lstStyle/>
+          <a:p>
+            <a:r>
+              <a:rPr lang="en-US"/>
+              <a:t>aka.ms/mlads-checklists</a:t>
             </a:r>
           </a:p>
         </p:txBody>
@@ -22401,13 +23423,13 @@
           <a:lstStyle/>
           <a:p>
             <a:r>
-              <a:rPr lang="en-US" b="1" dirty="0"/>
+              <a:rPr lang="en-US" b="1"/>
               <a:t>Session goals</a:t>
             </a:r>
             <a:br>
-              <a:rPr lang="en-US" dirty="0"/>
+              <a:rPr lang="en-US"/>
             </a:br>
-            <a:endParaRPr lang="en-US" dirty="0"/>
+            <a:endParaRPr lang="en-US"/>
           </a:p>
         </p:txBody>
       </p:sp>
@@ -22438,7 +23460,7 @@
               <a:buAutoNum type="arabicPeriod"/>
             </a:pPr>
             <a:r>
-              <a:rPr lang="en-US" dirty="0"/>
+              <a:rPr lang="en-US"/>
               <a:t>Provide a general overview of a traditional text classification pipeline in NLP</a:t>
             </a:r>
           </a:p>
@@ -22448,14 +23470,14 @@
               <a:buAutoNum type="arabicPeriod"/>
             </a:pPr>
             <a:r>
-              <a:rPr lang="en-US" dirty="0"/>
+              <a:rPr lang="en-US"/>
               <a:t>Provide a good understanding of word embeddings focusing on Word2Vec and </a:t>
             </a:r>
             <a:r>
-              <a:rPr lang="en-US" dirty="0" err="1"/>
+              <a:rPr lang="en-US" err="1"/>
               <a:t>FastText</a:t>
             </a:r>
-            <a:endParaRPr lang="en-US" dirty="0"/>
+            <a:endParaRPr lang="en-US"/>
           </a:p>
           <a:p>
             <a:pPr marL="514350" indent="-514350">
@@ -22463,7 +23485,7 @@
               <a:buAutoNum type="arabicPeriod"/>
             </a:pPr>
             <a:r>
-              <a:rPr lang="en-US" dirty="0"/>
+              <a:rPr lang="en-US"/>
               <a:t>Provide a clear overview of 1-D CNN’s for Text classification that builds upon the concept of embeddings – we will focus on approaches that leverage both pre-trained embeddings as well as learning a custom embedding layer</a:t>
             </a:r>
           </a:p>
@@ -22471,24 +23493,24 @@
             <a:pPr marL="0" indent="0">
               <a:buNone/>
             </a:pPr>
-            <a:endParaRPr lang="en-US" dirty="0"/>
+            <a:endParaRPr lang="en-US"/>
           </a:p>
           <a:p>
             <a:pPr marL="514350" indent="-514350">
               <a:buFont typeface="+mj-lt"/>
               <a:buAutoNum type="arabicPeriod"/>
             </a:pPr>
-            <a:endParaRPr lang="en-US" dirty="0"/>
-          </a:p>
-          <a:p>
-            <a:r>
-              <a:rPr lang="en-US" sz="2200" dirty="0"/>
+            <a:endParaRPr lang="en-US"/>
+          </a:p>
+          <a:p>
+            <a:r>
+              <a:rPr lang="en-US" sz="2200"/>
               <a:t>All of the above items will be taught in the context of a practical example – “IMDB movie review classification”, with three notebooks (focusing on each of the afore-mentioned areas)</a:t>
             </a:r>
           </a:p>
           <a:p>
             <a:r>
-              <a:rPr lang="en-US" sz="2200" dirty="0"/>
+              <a:rPr lang="en-US" sz="2200"/>
               <a:t>We expect the lab to help the audience be comfortable to the point where they start to apply the techniques/code (in the lab) to their own NLP classification applications</a:t>
             </a:r>
           </a:p>
@@ -22614,7 +23636,7 @@
           <a:lstStyle/>
           <a:p>
             <a:r>
-              <a:rPr lang="en-US" b="1" dirty="0"/>
+              <a:rPr lang="en-US" b="1"/>
               <a:t>Better approach using 1D convolutions</a:t>
             </a:r>
           </a:p>
@@ -22667,7 +23689,7 @@
                     <a:p>
                       <a:pPr algn="ctr"/>
                       <a:r>
-                        <a:rPr lang="en-US" b="1" dirty="0"/>
+                        <a:rPr lang="en-US" b="1"/>
                         <a:t>I</a:t>
                       </a:r>
                     </a:p>
@@ -22688,7 +23710,7 @@
                     <a:p>
                       <a:pPr algn="ctr"/>
                       <a:r>
-                        <a:rPr lang="en-US" b="1" dirty="0"/>
+                        <a:rPr lang="en-US" b="1"/>
                         <a:t>like</a:t>
                       </a:r>
                     </a:p>
@@ -22709,7 +23731,7 @@
                     <a:p>
                       <a:pPr algn="ctr"/>
                       <a:r>
-                        <a:rPr lang="en-US" b="1" dirty="0"/>
+                        <a:rPr lang="en-US" b="1"/>
                         <a:t>this </a:t>
                       </a:r>
                     </a:p>
@@ -22730,7 +23752,7 @@
                     <a:p>
                       <a:pPr algn="ctr"/>
                       <a:r>
-                        <a:rPr lang="en-US" b="1" dirty="0"/>
+                        <a:rPr lang="en-US" b="1"/>
                         <a:t>movie</a:t>
                       </a:r>
                     </a:p>
@@ -22751,7 +23773,7 @@
                     <a:p>
                       <a:pPr algn="ctr"/>
                       <a:r>
-                        <a:rPr lang="en-US" b="1" dirty="0"/>
+                        <a:rPr lang="en-US" b="1"/>
                         <a:t>very </a:t>
                       </a:r>
                     </a:p>
@@ -22772,7 +23794,7 @@
                     <a:p>
                       <a:pPr algn="ctr"/>
                       <a:r>
-                        <a:rPr lang="en-US" b="1" dirty="0"/>
+                        <a:rPr lang="en-US" b="1"/>
                         <a:t>much</a:t>
                       </a:r>
                     </a:p>
@@ -22793,7 +23815,7 @@
                     <a:p>
                       <a:pPr algn="ctr"/>
                       <a:r>
-                        <a:rPr lang="en-US" b="1" dirty="0"/>
+                        <a:rPr lang="en-US" b="1"/>
                         <a:t>!</a:t>
                       </a:r>
                     </a:p>
@@ -22885,7 +23907,7 @@
                     <a:p>
                       <a:pPr algn="ctr"/>
                       <a:r>
-                        <a:rPr lang="en-US" dirty="0"/>
+                        <a:rPr lang="en-US"/>
                         <a:t>0.1</a:t>
                       </a:r>
                     </a:p>
@@ -22899,7 +23921,7 @@
                     <a:p>
                       <a:pPr algn="ctr"/>
                       <a:r>
-                        <a:rPr lang="en-US" dirty="0"/>
+                        <a:rPr lang="en-US"/>
                         <a:t>0.3</a:t>
                       </a:r>
                     </a:p>
@@ -22913,7 +23935,7 @@
                     <a:p>
                       <a:pPr algn="ctr"/>
                       <a:r>
-                        <a:rPr lang="en-US" dirty="0"/>
+                        <a:rPr lang="en-US"/>
                         <a:t>-0.2</a:t>
                       </a:r>
                     </a:p>
@@ -22927,7 +23949,7 @@
                     <a:p>
                       <a:pPr algn="ctr"/>
                       <a:r>
-                        <a:rPr lang="en-US" dirty="0"/>
+                        <a:rPr lang="en-US"/>
                         <a:t>0.2</a:t>
                       </a:r>
                     </a:p>
@@ -22941,7 +23963,7 @@
                     <a:p>
                       <a:pPr algn="ctr"/>
                       <a:r>
-                        <a:rPr lang="en-US" dirty="0"/>
+                        <a:rPr lang="en-US"/>
                         <a:t>0.6</a:t>
                       </a:r>
                     </a:p>
@@ -22972,7 +23994,7 @@
                     <a:lstStyle/>
                     <a:p>
                       <a:pPr algn="ctr"/>
-                      <a:endParaRPr lang="en-US" dirty="0"/>
+                      <a:endParaRPr lang="en-US"/>
                     </a:p>
                   </a:txBody>
                   <a:tcPr/>
@@ -22983,7 +24005,7 @@
                     <a:lstStyle/>
                     <a:p>
                       <a:pPr algn="ctr"/>
-                      <a:endParaRPr lang="en-US" dirty="0"/>
+                      <a:endParaRPr lang="en-US"/>
                     </a:p>
                   </a:txBody>
                   <a:tcPr/>
@@ -23045,7 +24067,7 @@
                     <a:lstStyle/>
                     <a:p>
                       <a:pPr algn="ctr"/>
-                      <a:endParaRPr lang="en-US" dirty="0"/>
+                      <a:endParaRPr lang="en-US"/>
                     </a:p>
                   </a:txBody>
                   <a:tcPr/>
@@ -23107,7 +24129,7 @@
                     <a:lstStyle/>
                     <a:p>
                       <a:pPr algn="ctr"/>
-                      <a:endParaRPr lang="en-US" dirty="0"/>
+                      <a:endParaRPr lang="en-US"/>
                     </a:p>
                   </a:txBody>
                   <a:tcPr/>
@@ -23169,7 +24191,7 @@
                     <a:lstStyle/>
                     <a:p>
                       <a:pPr algn="ctr"/>
-                      <a:endParaRPr lang="en-US" dirty="0"/>
+                      <a:endParaRPr lang="en-US"/>
                     </a:p>
                   </a:txBody>
                   <a:tcPr/>
@@ -23180,7 +24202,7 @@
                     <a:lstStyle/>
                     <a:p>
                       <a:pPr algn="ctr"/>
-                      <a:endParaRPr lang="en-US" dirty="0"/>
+                      <a:endParaRPr lang="en-US"/>
                     </a:p>
                   </a:txBody>
                   <a:tcPr/>
@@ -23242,7 +24264,7 @@
                     <a:lstStyle/>
                     <a:p>
                       <a:pPr algn="ctr"/>
-                      <a:endParaRPr lang="en-US" dirty="0"/>
+                      <a:endParaRPr lang="en-US"/>
                     </a:p>
                   </a:txBody>
                   <a:tcPr/>
@@ -23304,7 +24326,7 @@
                     <a:lstStyle/>
                     <a:p>
                       <a:pPr algn="ctr"/>
-                      <a:endParaRPr lang="en-US" dirty="0"/>
+                      <a:endParaRPr lang="en-US"/>
                     </a:p>
                   </a:txBody>
                   <a:tcPr/>
@@ -23315,7 +24337,7 @@
                     <a:lstStyle/>
                     <a:p>
                       <a:pPr algn="ctr"/>
-                      <a:endParaRPr lang="en-US" dirty="0"/>
+                      <a:endParaRPr lang="en-US"/>
                     </a:p>
                   </a:txBody>
                   <a:tcPr/>
@@ -23433,7 +24455,7 @@
                     <a:lstStyle/>
                     <a:p>
                       <a:r>
-                        <a:rPr lang="en-US" dirty="0"/>
+                        <a:rPr lang="en-US"/>
                         <a:t>0.2</a:t>
                       </a:r>
                     </a:p>
@@ -23496,7 +24518,7 @@
                     <a:lstStyle/>
                     <a:p>
                       <a:r>
-                        <a:rPr lang="en-US" dirty="0"/>
+                        <a:rPr lang="en-US"/>
                         <a:t>0.7</a:t>
                       </a:r>
                     </a:p>
@@ -23559,7 +24581,7 @@
                     <a:lstStyle/>
                     <a:p>
                       <a:r>
-                        <a:rPr lang="en-US" dirty="0"/>
+                        <a:rPr lang="en-US"/>
                         <a:t>0.9</a:t>
                       </a:r>
                     </a:p>
@@ -23736,7 +24758,7 @@
                     <a:lstStyle/>
                     <a:p>
                       <a:r>
-                        <a:rPr lang="en-US" dirty="0"/>
+                        <a:rPr lang="en-US"/>
                         <a:t>0.4</a:t>
                       </a:r>
                     </a:p>
@@ -23799,7 +24821,7 @@
                     <a:lstStyle/>
                     <a:p>
                       <a:r>
-                        <a:rPr lang="en-US" dirty="0"/>
+                        <a:rPr lang="en-US"/>
                         <a:t>0.4</a:t>
                       </a:r>
                     </a:p>
@@ -23862,7 +24884,7 @@
                     <a:lstStyle/>
                     <a:p>
                       <a:r>
-                        <a:rPr lang="en-US" dirty="0"/>
+                        <a:rPr lang="en-US"/>
                         <a:t>0.5</a:t>
                       </a:r>
                     </a:p>
@@ -23925,7 +24947,7 @@
                     <a:lstStyle/>
                     <a:p>
                       <a:r>
-                        <a:rPr lang="en-US" dirty="0"/>
+                        <a:rPr lang="en-US"/>
                         <a:t>0.2</a:t>
                       </a:r>
                     </a:p>
@@ -23975,7 +24997,7 @@
               <a:buChar char="•"/>
             </a:pPr>
             <a:r>
-              <a:rPr lang="en-US" dirty="0"/>
+              <a:rPr lang="en-US"/>
               <a:t>1 dimension of the convolution is fixed (= embedding layer dim)</a:t>
             </a:r>
           </a:p>
@@ -23985,7 +25007,7 @@
               <a:buChar char="•"/>
             </a:pPr>
             <a:r>
-              <a:rPr lang="en-US" dirty="0"/>
+              <a:rPr lang="en-US"/>
               <a:t>Convolution happens along one dimension (time)</a:t>
             </a:r>
           </a:p>
@@ -23995,7 +25017,7 @@
               <a:buChar char="•"/>
             </a:pPr>
             <a:r>
-              <a:rPr lang="en-US" dirty="0"/>
+              <a:rPr lang="en-US"/>
               <a:t>We get a 1-D vector of length (=input sample length)</a:t>
             </a:r>
           </a:p>
@@ -24005,7 +25027,7 @@
               <a:buChar char="•"/>
             </a:pPr>
             <a:r>
-              <a:rPr lang="en-US" dirty="0"/>
+              <a:rPr lang="en-US"/>
               <a:t>Could we reduce the length of this vector ? </a:t>
             </a:r>
           </a:p>
@@ -24015,7 +25037,7 @@
               <a:buChar char="•"/>
             </a:pPr>
             <a:r>
-              <a:rPr lang="en-US" dirty="0"/>
+              <a:rPr lang="en-US"/>
               <a:t>Yes ! Do Global Max Pooling</a:t>
             </a:r>
           </a:p>
@@ -24101,20 +25123,48 @@
           <a:lstStyle/>
           <a:p>
             <a:r>
-              <a:rPr lang="en-US" dirty="0"/>
+              <a:rPr lang="en-US"/>
               <a:t>We can use multiple filters of lengths 3 that trigger for different combinations of words</a:t>
             </a:r>
           </a:p>
           <a:p>
             <a:r>
-              <a:rPr lang="en-US" dirty="0"/>
+              <a:rPr lang="en-US"/>
               <a:t>Here we tried 3 groups of words using filter length of 3 – we can try multiple filter lengths !</a:t>
             </a:r>
           </a:p>
           <a:p>
             <a:r>
-              <a:rPr lang="en-US" dirty="0"/>
+              <a:rPr lang="en-US"/>
               <a:t>Bottomline – try different filter lengths, and multiple filters within each filter length</a:t>
+            </a:r>
+          </a:p>
+        </p:txBody>
+      </p:sp>
+      <p:sp>
+        <p:nvSpPr>
+          <p:cNvPr id="3" name="Footer Placeholder 2">
+            <a:extLst>
+              <a:ext uri="{FF2B5EF4-FFF2-40B4-BE49-F238E27FC236}">
+                <a16:creationId xmlns:a16="http://schemas.microsoft.com/office/drawing/2014/main" id="{17F38A21-DE33-42CA-B260-8B3549F7ADA6}"/>
+              </a:ext>
+            </a:extLst>
+          </p:cNvPr>
+          <p:cNvSpPr>
+            <a:spLocks noGrp="1"/>
+          </p:cNvSpPr>
+          <p:nvPr>
+            <p:ph type="ftr" sz="quarter" idx="11"/>
+          </p:nvPr>
+        </p:nvSpPr>
+        <p:spPr/>
+        <p:txBody>
+          <a:bodyPr/>
+          <a:lstStyle/>
+          <a:p>
+            <a:r>
+              <a:rPr lang="en-US"/>
+              <a:t>aka.ms/mlads-checklists</a:t>
             </a:r>
           </a:p>
         </p:txBody>
@@ -25054,8 +26104,36 @@
           </a:lstStyle>
           <a:p>
             <a:r>
-              <a:rPr lang="en-US" b="1" dirty="0"/>
+              <a:rPr lang="en-US" b="1"/>
               <a:t>1-D CNN’s for Text Classification</a:t>
+            </a:r>
+          </a:p>
+        </p:txBody>
+      </p:sp>
+      <p:sp>
+        <p:nvSpPr>
+          <p:cNvPr id="2" name="Footer Placeholder 1">
+            <a:extLst>
+              <a:ext uri="{FF2B5EF4-FFF2-40B4-BE49-F238E27FC236}">
+                <a16:creationId xmlns:a16="http://schemas.microsoft.com/office/drawing/2014/main" id="{36FF0E49-6DDC-4075-B55E-B976893DF2E0}"/>
+              </a:ext>
+            </a:extLst>
+          </p:cNvPr>
+          <p:cNvSpPr>
+            <a:spLocks noGrp="1"/>
+          </p:cNvSpPr>
+          <p:nvPr>
+            <p:ph type="ftr" sz="quarter" idx="11"/>
+          </p:nvPr>
+        </p:nvSpPr>
+        <p:spPr/>
+        <p:txBody>
+          <a:bodyPr/>
+          <a:lstStyle/>
+          <a:p>
+            <a:r>
+              <a:rPr lang="en-US"/>
+              <a:t>aka.ms/mlads-checklists</a:t>
             </a:r>
           </a:p>
         </p:txBody>
@@ -25163,7 +26241,7 @@
           <a:lstStyle/>
           <a:p>
             <a:r>
-              <a:rPr lang="en-US" b="1" dirty="0"/>
+              <a:rPr lang="en-US" b="1"/>
               <a:t>What next? </a:t>
             </a:r>
           </a:p>
@@ -25198,35 +26276,35 @@
           <a:lstStyle/>
           <a:p>
             <a:r>
-              <a:rPr lang="en-US" dirty="0"/>
+              <a:rPr lang="en-US"/>
               <a:t>Are </a:t>
             </a:r>
             <a:r>
-              <a:rPr lang="en-US" dirty="0" err="1"/>
+              <a:rPr lang="en-US" err="1"/>
               <a:t>FastText</a:t>
             </a:r>
             <a:r>
-              <a:rPr lang="en-US" dirty="0"/>
+              <a:rPr lang="en-US"/>
               <a:t>/Word2Vec good enough?</a:t>
             </a:r>
           </a:p>
           <a:p>
             <a:pPr lvl="1"/>
             <a:r>
-              <a:rPr lang="en-US" dirty="0"/>
+              <a:rPr lang="en-US"/>
               <a:t> Consider this example:</a:t>
             </a:r>
           </a:p>
           <a:p>
             <a:pPr lvl="1"/>
-            <a:endParaRPr lang="en-US" dirty="0"/>
+            <a:endParaRPr lang="en-US"/>
           </a:p>
           <a:p>
             <a:pPr marL="457200" lvl="1" indent="0">
               <a:buNone/>
             </a:pPr>
             <a:r>
-              <a:rPr lang="en-US" i="1" dirty="0">
+              <a:rPr lang="en-US" i="1">
                 <a:solidFill>
                   <a:schemeClr val="accent2">
                     <a:lumMod val="75000"/>
@@ -25241,7 +26319,7 @@
               <a:buNone/>
             </a:pPr>
             <a:r>
-              <a:rPr lang="en-US" i="1" dirty="0">
+              <a:rPr lang="en-US" i="1">
                 <a:solidFill>
                   <a:schemeClr val="accent2">
                     <a:lumMod val="75000"/>
@@ -25256,7 +26334,7 @@
               <a:buNone/>
             </a:pPr>
             <a:r>
-              <a:rPr lang="en-US" i="1" dirty="0">
+              <a:rPr lang="en-US" i="1">
                 <a:solidFill>
                   <a:schemeClr val="accent2">
                     <a:lumMod val="75000"/>
@@ -25270,7 +26348,7 @@
             <a:pPr marL="457200" lvl="1" indent="0">
               <a:buNone/>
             </a:pPr>
-            <a:endParaRPr lang="en-US" i="1" dirty="0">
+            <a:endParaRPr lang="en-US" i="1">
               <a:solidFill>
                 <a:schemeClr val="accent2">
                   <a:lumMod val="75000"/>
@@ -25281,14 +26359,14 @@
           <a:p>
             <a:pPr lvl="1"/>
             <a:r>
-              <a:rPr lang="en-US" dirty="0"/>
+              <a:rPr lang="en-US"/>
               <a:t>The context of the word “bucket” changes in every sentence</a:t>
             </a:r>
           </a:p>
           <a:p>
             <a:pPr lvl="1"/>
             <a:r>
-              <a:rPr lang="en-US" dirty="0"/>
+              <a:rPr lang="en-US"/>
               <a:t>Static word embeddings fall short in capturing the essence of the sentence</a:t>
             </a:r>
           </a:p>
@@ -25341,6 +26419,34 @@
           </a:extLst>
         </p:spPr>
       </p:pic>
+      <p:sp>
+        <p:nvSpPr>
+          <p:cNvPr id="5" name="Footer Placeholder 4">
+            <a:extLst>
+              <a:ext uri="{FF2B5EF4-FFF2-40B4-BE49-F238E27FC236}">
+                <a16:creationId xmlns:a16="http://schemas.microsoft.com/office/drawing/2014/main" id="{202366A7-E5A9-4272-8B48-D62A158D7479}"/>
+              </a:ext>
+            </a:extLst>
+          </p:cNvPr>
+          <p:cNvSpPr>
+            <a:spLocks noGrp="1"/>
+          </p:cNvSpPr>
+          <p:nvPr>
+            <p:ph type="ftr" sz="quarter" idx="11"/>
+          </p:nvPr>
+        </p:nvSpPr>
+        <p:spPr/>
+        <p:txBody>
+          <a:bodyPr/>
+          <a:lstStyle/>
+          <a:p>
+            <a:r>
+              <a:rPr lang="en-US"/>
+              <a:t>aka.ms/mlads-checklists</a:t>
+            </a:r>
+          </a:p>
+        </p:txBody>
+      </p:sp>
     </p:spTree>
     <p:extLst>
       <p:ext uri="{BB962C8B-B14F-4D97-AF65-F5344CB8AC3E}">
@@ -25398,7 +26504,7 @@
           <a:lstStyle/>
           <a:p>
             <a:r>
-              <a:rPr lang="en-US" b="1" dirty="0"/>
+              <a:rPr lang="en-US" b="1"/>
               <a:t>Next Steps</a:t>
             </a:r>
           </a:p>
@@ -25433,147 +26539,147 @@
           <a:lstStyle/>
           <a:p>
             <a:r>
-              <a:rPr lang="en-US" b="1" dirty="0"/>
+              <a:rPr lang="en-US" b="1"/>
               <a:t>Further Reading</a:t>
             </a:r>
           </a:p>
           <a:p>
             <a:pPr lvl="1"/>
             <a:r>
-              <a:rPr lang="en-US" dirty="0"/>
+              <a:rPr lang="en-US"/>
               <a:t>State-of-the-art Language Models (</a:t>
             </a:r>
             <a:r>
-              <a:rPr lang="en-US" dirty="0">
+              <a:rPr lang="en-US">
                 <a:hlinkClick r:id="rId2"/>
               </a:rPr>
               <a:t>BERT</a:t>
             </a:r>
             <a:r>
-              <a:rPr lang="en-US" dirty="0"/>
+              <a:rPr lang="en-US"/>
               <a:t>, </a:t>
             </a:r>
             <a:r>
-              <a:rPr lang="en-US" dirty="0">
+              <a:rPr lang="en-US">
                 <a:hlinkClick r:id="rId3"/>
               </a:rPr>
               <a:t>ELMO</a:t>
             </a:r>
             <a:r>
-              <a:rPr lang="en-US" dirty="0"/>
+              <a:rPr lang="en-US"/>
               <a:t>, </a:t>
             </a:r>
             <a:r>
-              <a:rPr lang="en-US" dirty="0">
+              <a:rPr lang="en-US">
                 <a:hlinkClick r:id="rId4"/>
               </a:rPr>
               <a:t>GPT-2</a:t>
             </a:r>
             <a:r>
-              <a:rPr lang="en-US" dirty="0"/>
+              <a:rPr lang="en-US"/>
               <a:t>)</a:t>
             </a:r>
           </a:p>
           <a:p>
             <a:pPr lvl="1"/>
             <a:r>
-              <a:rPr lang="en-US" dirty="0"/>
+              <a:rPr lang="en-US"/>
               <a:t>Interesting Neural Architectures for Text Classification (</a:t>
             </a:r>
             <a:r>
-              <a:rPr lang="en-US" dirty="0" err="1">
+              <a:rPr lang="en-US" err="1">
                 <a:hlinkClick r:id="rId5"/>
               </a:rPr>
               <a:t>TextCNN</a:t>
             </a:r>
             <a:r>
-              <a:rPr lang="en-US" dirty="0"/>
+              <a:rPr lang="en-US"/>
               <a:t>, </a:t>
             </a:r>
             <a:r>
-              <a:rPr lang="en-US" dirty="0">
+              <a:rPr lang="en-US">
                 <a:hlinkClick r:id="rId6"/>
               </a:rPr>
               <a:t>Bidirectional LSTM</a:t>
             </a:r>
             <a:r>
-              <a:rPr lang="en-US" dirty="0"/>
+              <a:rPr lang="en-US"/>
               <a:t>, </a:t>
             </a:r>
             <a:r>
-              <a:rPr lang="en-US" dirty="0">
+              <a:rPr lang="en-US">
                 <a:hlinkClick r:id="rId7"/>
               </a:rPr>
               <a:t>Attention models</a:t>
             </a:r>
             <a:r>
-              <a:rPr lang="en-US" dirty="0"/>
+              <a:rPr lang="en-US"/>
               <a:t>)</a:t>
             </a:r>
           </a:p>
           <a:p>
             <a:r>
-              <a:rPr lang="en-US" b="1" dirty="0"/>
+              <a:rPr lang="en-US" b="1"/>
               <a:t>Using Text Classification at your work: </a:t>
             </a:r>
           </a:p>
           <a:p>
             <a:pPr lvl="1"/>
             <a:r>
-              <a:rPr lang="en-US" dirty="0"/>
+              <a:rPr lang="en-US"/>
               <a:t>NPS and other surveys – Sentiment analysis to understand promoters/detractors</a:t>
             </a:r>
           </a:p>
           <a:p>
             <a:pPr lvl="1"/>
             <a:r>
-              <a:rPr lang="en-US" dirty="0"/>
+              <a:rPr lang="en-US"/>
               <a:t>Document classification &amp; Tagging</a:t>
             </a:r>
           </a:p>
           <a:p>
             <a:pPr lvl="1"/>
             <a:r>
-              <a:rPr lang="en-US" dirty="0"/>
+              <a:rPr lang="en-US"/>
               <a:t>Detecting malicious URL’s from page content</a:t>
             </a:r>
           </a:p>
           <a:p>
             <a:r>
-              <a:rPr lang="en-US" b="1" dirty="0"/>
+              <a:rPr lang="en-US" b="1"/>
               <a:t>Contact us for questions: </a:t>
             </a:r>
           </a:p>
           <a:p>
             <a:pPr lvl="1"/>
             <a:r>
-              <a:rPr lang="en-US" dirty="0" err="1"/>
+              <a:rPr lang="en-US" err="1"/>
               <a:t>Argurura</a:t>
             </a:r>
             <a:r>
-              <a:rPr lang="en-US" dirty="0"/>
+              <a:rPr lang="en-US"/>
               <a:t> (Arun Gururajan)</a:t>
             </a:r>
           </a:p>
           <a:p>
             <a:pPr lvl="1"/>
             <a:r>
-              <a:rPr lang="en-US" dirty="0" err="1"/>
+              <a:rPr lang="en-US" err="1"/>
               <a:t>Dongzhe</a:t>
             </a:r>
             <a:r>
-              <a:rPr lang="en-US" dirty="0"/>
+              <a:rPr lang="en-US"/>
               <a:t> (Zheng Dong)</a:t>
             </a:r>
           </a:p>
           <a:p>
             <a:pPr lvl="1"/>
             <a:r>
-              <a:rPr lang="en-US" dirty="0" err="1"/>
+              <a:rPr lang="en-US" err="1"/>
               <a:t>Fatajadd</a:t>
             </a:r>
             <a:r>
-              <a:rPr lang="en-US" dirty="0"/>
+              <a:rPr lang="en-US"/>
               <a:t> (Farid Tajaddodianfar)</a:t>
             </a:r>
           </a:p>
@@ -25639,6 +26745,34 @@
           </a:prstGeom>
         </p:spPr>
       </p:pic>
+      <p:sp>
+        <p:nvSpPr>
+          <p:cNvPr id="6" name="Footer Placeholder 5">
+            <a:extLst>
+              <a:ext uri="{FF2B5EF4-FFF2-40B4-BE49-F238E27FC236}">
+                <a16:creationId xmlns:a16="http://schemas.microsoft.com/office/drawing/2014/main" id="{39598F3E-12A3-4156-B25D-5F665047A815}"/>
+              </a:ext>
+            </a:extLst>
+          </p:cNvPr>
+          <p:cNvSpPr>
+            <a:spLocks noGrp="1"/>
+          </p:cNvSpPr>
+          <p:nvPr>
+            <p:ph type="ftr" sz="quarter" idx="11"/>
+          </p:nvPr>
+        </p:nvSpPr>
+        <p:spPr/>
+        <p:txBody>
+          <a:bodyPr/>
+          <a:lstStyle/>
+          <a:p>
+            <a:r>
+              <a:rPr lang="en-US"/>
+              <a:t>aka.ms/mlads-checklists</a:t>
+            </a:r>
+          </a:p>
+        </p:txBody>
+      </p:sp>
     </p:spTree>
     <p:extLst>
       <p:ext uri="{BB962C8B-B14F-4D97-AF65-F5344CB8AC3E}">
@@ -25691,7 +26825,7 @@
           <a:lstStyle/>
           <a:p>
             <a:r>
-              <a:rPr lang="en-US" dirty="0"/>
+              <a:rPr lang="en-US"/>
               <a:t>Prerequisites</a:t>
             </a:r>
           </a:p>
@@ -25719,60 +26853,94 @@
           <a:lstStyle/>
           <a:p>
             <a:r>
-              <a:rPr lang="en-US" dirty="0"/>
+              <a:rPr lang="en-US"/>
               <a:t>Anaconda 3 (Python 3.5+)</a:t>
             </a:r>
           </a:p>
           <a:p>
             <a:r>
-              <a:rPr lang="en-US" dirty="0" err="1"/>
+              <a:rPr lang="en-US" err="1"/>
               <a:t>Keras</a:t>
             </a:r>
             <a:r>
-              <a:rPr lang="en-US" dirty="0"/>
+              <a:rPr lang="en-US"/>
               <a:t> (+ </a:t>
             </a:r>
             <a:r>
-              <a:rPr lang="en-US" dirty="0" err="1"/>
+              <a:rPr lang="en-US" err="1"/>
               <a:t>Tensorflow</a:t>
             </a:r>
             <a:r>
-              <a:rPr lang="en-US" dirty="0"/>
+              <a:rPr lang="en-US"/>
               <a:t> backend)</a:t>
             </a:r>
           </a:p>
           <a:p>
             <a:r>
-              <a:rPr lang="en-US" dirty="0" err="1"/>
+              <a:rPr lang="en-US" err="1"/>
               <a:t>Gensim</a:t>
             </a:r>
-            <a:endParaRPr lang="en-US" dirty="0"/>
-          </a:p>
-          <a:p>
-            <a:r>
-              <a:rPr lang="en-US" dirty="0"/>
+            <a:endParaRPr lang="en-US"/>
+          </a:p>
+          <a:p>
+            <a:r>
+              <a:rPr lang="en-US"/>
               <a:t>NLTK</a:t>
             </a:r>
           </a:p>
           <a:p>
-            <a:r>
-              <a:rPr lang="en-US" dirty="0" err="1"/>
+            <a:pPr algn="l"/>
+            <a:r>
+              <a:rPr lang="en-US" err="1"/>
               <a:t>Github</a:t>
             </a:r>
             <a:r>
-              <a:rPr lang="en-US" dirty="0"/>
+              <a:rPr lang="en-US"/>
               <a:t> link to materials (git clone): </a:t>
             </a:r>
             <a:r>
-              <a:rPr lang="en-US" dirty="0">
-                <a:hlinkClick r:id="rId2"/>
+              <a:rPr lang="en-US" b="0" i="0">
+                <a:effectLst/>
+                <a:latin typeface="Segoe UI" panose="020B0502040204020203" pitchFamily="34" charset="0"/>
+                <a:hlinkClick r:id="rId2" tooltip="https://github.com/fartafar/mlads19_dl4nlp"/>
               </a:rPr>
-              <a:t>https://github.com/FarTaFar/Contextual_embedding_tutorial.git</a:t>
-            </a:r>
-            <a:endParaRPr lang="en-US" dirty="0"/>
-          </a:p>
-          <a:p>
-            <a:endParaRPr lang="en-US" dirty="0"/>
+              <a:t>https://github.com/FarTaFar/MLADS19_DL4NLP</a:t>
+            </a:r>
+            <a:endParaRPr lang="en-US" b="0" i="0">
+              <a:effectLst/>
+              <a:latin typeface="Segoe UI" panose="020B0502040204020203" pitchFamily="34" charset="0"/>
+            </a:endParaRPr>
+          </a:p>
+          <a:p>
+            <a:endParaRPr lang="en-US"/>
+          </a:p>
+        </p:txBody>
+      </p:sp>
+      <p:sp>
+        <p:nvSpPr>
+          <p:cNvPr id="3" name="Footer Placeholder 2">
+            <a:extLst>
+              <a:ext uri="{FF2B5EF4-FFF2-40B4-BE49-F238E27FC236}">
+                <a16:creationId xmlns:a16="http://schemas.microsoft.com/office/drawing/2014/main" id="{351ABC90-4343-47E0-B840-9DD241F2C62E}"/>
+              </a:ext>
+            </a:extLst>
+          </p:cNvPr>
+          <p:cNvSpPr>
+            <a:spLocks noGrp="1"/>
+          </p:cNvSpPr>
+          <p:nvPr>
+            <p:ph type="ftr" sz="quarter" idx="11"/>
+          </p:nvPr>
+        </p:nvSpPr>
+        <p:spPr/>
+        <p:txBody>
+          <a:bodyPr/>
+          <a:lstStyle/>
+          <a:p>
+            <a:r>
+              <a:rPr lang="en-US"/>
+              <a:t>aka.ms/mlads-checklists</a:t>
+            </a:r>
           </a:p>
         </p:txBody>
       </p:sp>
@@ -25835,13 +27003,13 @@
           <a:lstStyle/>
           <a:p>
             <a:r>
-              <a:rPr lang="en-US" sz="4800" dirty="0"/>
+              <a:rPr lang="en-US" sz="4800"/>
               <a:t>Part1:</a:t>
             </a:r>
             <a:br>
-              <a:rPr lang="en-US" sz="4800" dirty="0"/>
+              <a:rPr lang="en-US" sz="4800"/>
             </a:br>
-            <a:endParaRPr lang="en-US" sz="4800" dirty="0"/>
+            <a:endParaRPr lang="en-US" sz="4800"/>
           </a:p>
         </p:txBody>
       </p:sp>
@@ -25874,7 +27042,7 @@
           <a:lstStyle/>
           <a:p>
             <a:r>
-              <a:rPr lang="en-US" sz="3200" dirty="0"/>
+              <a:rPr lang="en-US" sz="3200"/>
               <a:t>Basics</a:t>
             </a:r>
           </a:p>
@@ -26328,6 +27496,34 @@
           </p:txBody>
         </p:sp>
       </p:grpSp>
+      <p:sp>
+        <p:nvSpPr>
+          <p:cNvPr id="3" name="Footer Placeholder 2">
+            <a:extLst>
+              <a:ext uri="{FF2B5EF4-FFF2-40B4-BE49-F238E27FC236}">
+                <a16:creationId xmlns:a16="http://schemas.microsoft.com/office/drawing/2014/main" id="{9CEBDB06-A5F7-4C33-8E24-99F361AEB9F6}"/>
+              </a:ext>
+            </a:extLst>
+          </p:cNvPr>
+          <p:cNvSpPr>
+            <a:spLocks noGrp="1"/>
+          </p:cNvSpPr>
+          <p:nvPr>
+            <p:ph type="ftr" sz="quarter" idx="11"/>
+          </p:nvPr>
+        </p:nvSpPr>
+        <p:spPr/>
+        <p:txBody>
+          <a:bodyPr/>
+          <a:lstStyle/>
+          <a:p>
+            <a:r>
+              <a:rPr lang="en-US"/>
+              <a:t>aka.ms/mlads-checklists</a:t>
+            </a:r>
+          </a:p>
+        </p:txBody>
+      </p:sp>
     </p:spTree>
     <p:extLst>
       <p:ext uri="{BB962C8B-B14F-4D97-AF65-F5344CB8AC3E}">
@@ -26504,7 +27700,7 @@
           <a:p>
             <a:pPr algn="ctr"/>
             <a:r>
-              <a:rPr lang="en-US" dirty="0"/>
+              <a:rPr lang="en-US"/>
               <a:t>Cleaning</a:t>
             </a:r>
           </a:p>
@@ -26553,7 +27749,7 @@
           <a:p>
             <a:pPr algn="ctr"/>
             <a:r>
-              <a:rPr lang="en-US" dirty="0"/>
+              <a:rPr lang="en-US"/>
               <a:t>Tokenization</a:t>
             </a:r>
           </a:p>
@@ -26602,7 +27798,7 @@
           <a:p>
             <a:pPr algn="ctr"/>
             <a:r>
-              <a:rPr lang="en-US" dirty="0"/>
+              <a:rPr lang="en-US"/>
               <a:t>Vectorization</a:t>
             </a:r>
           </a:p>
@@ -26888,21 +28084,21 @@
           <a:p>
             <a:pPr algn="ctr"/>
             <a:r>
-              <a:rPr lang="en-US" dirty="0"/>
+              <a:rPr lang="en-US"/>
               <a:t>Raw</a:t>
             </a:r>
           </a:p>
           <a:p>
             <a:pPr algn="ctr"/>
             <a:r>
-              <a:rPr lang="en-US" dirty="0"/>
+              <a:rPr lang="en-US"/>
               <a:t>Training</a:t>
             </a:r>
           </a:p>
           <a:p>
             <a:pPr algn="ctr"/>
             <a:r>
-              <a:rPr lang="en-US" dirty="0"/>
+              <a:rPr lang="en-US"/>
               <a:t>Dataset</a:t>
             </a:r>
           </a:p>
@@ -27459,7 +28655,7 @@
           <a:lstStyle/>
           <a:p>
             <a:pPr algn="ctr"/>
-            <a:endParaRPr lang="en-US" dirty="0"/>
+            <a:endParaRPr lang="en-US"/>
           </a:p>
         </p:txBody>
       </p:sp>
@@ -28517,6 +29713,34 @@
           </p:style>
         </p:cxnSp>
       </p:grpSp>
+      <p:sp>
+        <p:nvSpPr>
+          <p:cNvPr id="3" name="Footer Placeholder 2">
+            <a:extLst>
+              <a:ext uri="{FF2B5EF4-FFF2-40B4-BE49-F238E27FC236}">
+                <a16:creationId xmlns:a16="http://schemas.microsoft.com/office/drawing/2014/main" id="{0E2CB9D7-6681-4D19-A62B-3295EC4C1E4E}"/>
+              </a:ext>
+            </a:extLst>
+          </p:cNvPr>
+          <p:cNvSpPr>
+            <a:spLocks noGrp="1"/>
+          </p:cNvSpPr>
+          <p:nvPr>
+            <p:ph type="ftr" sz="quarter" idx="11"/>
+          </p:nvPr>
+        </p:nvSpPr>
+        <p:spPr/>
+        <p:txBody>
+          <a:bodyPr/>
+          <a:lstStyle/>
+          <a:p>
+            <a:r>
+              <a:rPr lang="en-US"/>
+              <a:t>aka.ms/mlads-checklists</a:t>
+            </a:r>
+          </a:p>
+        </p:txBody>
+      </p:sp>
     </p:spTree>
     <p:extLst>
       <p:ext uri="{BB962C8B-B14F-4D97-AF65-F5344CB8AC3E}">
@@ -28651,74 +29875,74 @@
           <a:lstStyle/>
           <a:p>
             <a:r>
-              <a:rPr lang="en-US" dirty="0"/>
+              <a:rPr lang="en-US"/>
               <a:t>This is a problem-specific task.</a:t>
             </a:r>
           </a:p>
           <a:p>
             <a:r>
-              <a:rPr lang="en-US" dirty="0"/>
+              <a:rPr lang="en-US"/>
               <a:t>Remove punctuation</a:t>
             </a:r>
           </a:p>
           <a:p>
             <a:r>
-              <a:rPr lang="en-US" dirty="0"/>
+              <a:rPr lang="en-US"/>
               <a:t>Reduce inflected (or deviated) words</a:t>
             </a:r>
           </a:p>
           <a:p>
             <a:pPr lvl="1"/>
             <a:r>
-              <a:rPr lang="en-US" dirty="0"/>
+              <a:rPr lang="en-US"/>
               <a:t>Stemming – cutting off the end of the words</a:t>
             </a:r>
           </a:p>
           <a:p>
             <a:pPr lvl="2"/>
             <a:r>
-              <a:rPr lang="en-US" dirty="0"/>
+              <a:rPr lang="en-US"/>
               <a:t>E.g., Studies =&gt; </a:t>
             </a:r>
             <a:r>
-              <a:rPr lang="en-US" dirty="0" err="1"/>
+              <a:rPr lang="en-US" err="1"/>
               <a:t>Studi</a:t>
             </a:r>
             <a:r>
-              <a:rPr lang="en-US" dirty="0"/>
+              <a:rPr lang="en-US"/>
               <a:t> (stem); Studying =&gt; Study (stem)</a:t>
             </a:r>
           </a:p>
           <a:p>
             <a:pPr lvl="1"/>
             <a:r>
-              <a:rPr lang="en-US" dirty="0"/>
+              <a:rPr lang="en-US"/>
               <a:t>Lemmatization – use a dictionary for morphological analysis of the words</a:t>
             </a:r>
           </a:p>
           <a:p>
             <a:pPr lvl="2"/>
             <a:r>
-              <a:rPr lang="en-US" dirty="0"/>
+              <a:rPr lang="en-US"/>
               <a:t>E.g., Studies and Studying both convert to Study (lemma)</a:t>
             </a:r>
           </a:p>
           <a:p>
             <a:r>
-              <a:rPr lang="en-US" dirty="0"/>
+              <a:rPr lang="en-US"/>
               <a:t>Stop-words Removal</a:t>
             </a:r>
           </a:p>
           <a:p>
             <a:pPr lvl="1"/>
             <a:r>
-              <a:rPr lang="en-US" dirty="0"/>
+              <a:rPr lang="en-US"/>
               <a:t>Common words –the, is, at, which, on …</a:t>
             </a:r>
           </a:p>
           <a:p>
             <a:pPr lvl="1"/>
-            <a:endParaRPr lang="en-US" dirty="0"/>
+            <a:endParaRPr lang="en-US"/>
           </a:p>
         </p:txBody>
       </p:sp>
@@ -28765,7 +29989,7 @@
           <a:p>
             <a:pPr algn="ctr"/>
             <a:r>
-              <a:rPr lang="en-US" sz="2800" dirty="0"/>
+              <a:rPr lang="en-US" sz="2800"/>
               <a:t>Data Cleaning</a:t>
             </a:r>
           </a:p>
@@ -28785,7 +30009,7 @@
         </p:nvSpPr>
         <p:spPr>
           <a:xfrm>
-            <a:off x="2806786" y="6383260"/>
+            <a:off x="1451579" y="5994713"/>
             <a:ext cx="9453294" cy="461665"/>
           </a:xfrm>
           <a:prstGeom prst="rect">
@@ -28800,30 +30024,66 @@
           <a:lstStyle/>
           <a:p>
             <a:r>
-              <a:rPr lang="en-US" sz="1200" i="1"/>
+              <a:rPr lang="en-US" sz="1200" i="1" dirty="0"/>
               <a:t>C. Manning, R. Prabhakar, and S. </a:t>
             </a:r>
             <a:r>
-              <a:rPr lang="en-US" sz="1200" i="1" err="1"/>
+              <a:rPr lang="en-US" sz="1200" i="1" dirty="0" err="1"/>
               <a:t>Hinrich</a:t>
             </a:r>
             <a:r>
-              <a:rPr lang="en-US" sz="1200" i="1"/>
+              <a:rPr lang="en-US" sz="1200" i="1" dirty="0"/>
               <a:t>. "Introduction to information retrieval." An Introduction To Information Retrieval 151.177 (2008): 5.</a:t>
             </a:r>
           </a:p>
           <a:p>
             <a:r>
-              <a:rPr lang="en-US" sz="1200" i="1"/>
+              <a:rPr lang="en-US" sz="1200" i="1" dirty="0"/>
               <a:t>S. Bird, E. Klein, and E. </a:t>
             </a:r>
             <a:r>
-              <a:rPr lang="en-US" sz="1200" i="1" err="1"/>
+              <a:rPr lang="en-US" sz="1200" i="1" dirty="0" err="1"/>
               <a:t>Loper</a:t>
             </a:r>
             <a:r>
-              <a:rPr lang="en-US" sz="1200" i="1"/>
+              <a:rPr lang="en-US" sz="1200" i="1" dirty="0"/>
               <a:t>. Natural language processing with Python: analyzing text with the natural language toolkit. " O'Reilly Media, Inc.", 2009.</a:t>
+            </a:r>
+          </a:p>
+        </p:txBody>
+      </p:sp>
+      <p:sp>
+        <p:nvSpPr>
+          <p:cNvPr id="5" name="Footer Placeholder 4">
+            <a:extLst>
+              <a:ext uri="{FF2B5EF4-FFF2-40B4-BE49-F238E27FC236}">
+                <a16:creationId xmlns:a16="http://schemas.microsoft.com/office/drawing/2014/main" id="{010D7DBF-F219-49F7-8923-C8EBF89DA1F8}"/>
+              </a:ext>
+            </a:extLst>
+          </p:cNvPr>
+          <p:cNvSpPr>
+            <a:spLocks noGrp="1"/>
+          </p:cNvSpPr>
+          <p:nvPr>
+            <p:ph type="ftr" sz="quarter" idx="11"/>
+          </p:nvPr>
+        </p:nvSpPr>
+        <p:spPr/>
+        <p:txBody>
+          <a:bodyPr/>
+          <a:lstStyle/>
+          <a:p>
+            <a:r>
+              <a:rPr lang="en-US" dirty="0"/>
+              <a:t>aka.ms/</a:t>
+            </a:r>
+            <a:r>
+              <a:rPr lang="en-US" dirty="0" err="1"/>
+              <a:t>mlads</a:t>
+            </a:r>
+            <a:r>
+              <a:rPr lang="en-US" dirty="0"/>
+              <a:t>-checklists</a:t>
             </a:r>
           </a:p>
         </p:txBody>
@@ -29219,19 +30479,19 @@
           <a:lstStyle/>
           <a:p>
             <a:r>
-              <a:rPr lang="en-US" dirty="0"/>
+              <a:rPr lang="en-US"/>
               <a:t>Words</a:t>
             </a:r>
           </a:p>
           <a:p>
             <a:r>
-              <a:rPr lang="en-US" dirty="0"/>
+              <a:rPr lang="en-US"/>
               <a:t>Characters</a:t>
             </a:r>
           </a:p>
           <a:p>
             <a:r>
-              <a:rPr lang="en-US" dirty="0"/>
+              <a:rPr lang="en-US"/>
               <a:t>N-grams – consecutive sequence of n items (words, characters, etc.)</a:t>
             </a:r>
           </a:p>
@@ -29280,7 +30540,7 @@
           <a:p>
             <a:pPr algn="ctr"/>
             <a:r>
-              <a:rPr lang="en-US" sz="2800" dirty="0"/>
+              <a:rPr lang="en-US" sz="2800"/>
               <a:t>Tokenization</a:t>
             </a:r>
           </a:p>
@@ -29329,7 +30589,7 @@
           <a:p>
             <a:pPr algn="ctr"/>
             <a:r>
-              <a:rPr lang="en-US" dirty="0"/>
+              <a:rPr lang="en-US"/>
               <a:t>I like this movie</a:t>
             </a:r>
           </a:p>
@@ -29364,7 +30624,7 @@
           <a:lstStyle/>
           <a:p>
             <a:r>
-              <a:rPr lang="en-US" dirty="0"/>
+              <a:rPr lang="en-US"/>
               <a:t>Text</a:t>
             </a:r>
           </a:p>
@@ -29433,7 +30693,7 @@
             <a:p>
               <a:pPr algn="ctr"/>
               <a:r>
-                <a:rPr lang="en-US" dirty="0"/>
+                <a:rPr lang="en-US"/>
                 <a:t>like</a:t>
               </a:r>
             </a:p>
@@ -29485,7 +30745,6 @@
                 <a:rPr lang="en-US"/>
                 <a:t>I</a:t>
               </a:r>
-              <a:endParaRPr lang="en-US" dirty="0"/>
             </a:p>
           </p:txBody>
         </p:sp>
@@ -29532,7 +30791,7 @@
             <a:p>
               <a:pPr algn="ctr"/>
               <a:r>
-                <a:rPr lang="en-US" dirty="0"/>
+                <a:rPr lang="en-US"/>
                 <a:t>this</a:t>
               </a:r>
             </a:p>
@@ -29581,7 +30840,7 @@
             <a:p>
               <a:pPr algn="ctr"/>
               <a:r>
-                <a:rPr lang="en-US" dirty="0"/>
+                <a:rPr lang="en-US"/>
                 <a:t>movie</a:t>
               </a:r>
             </a:p>
@@ -29630,7 +30889,7 @@
             <a:p>
               <a:pPr algn="ctr"/>
               <a:r>
-                <a:rPr lang="en-US" dirty="0"/>
+                <a:rPr lang="en-US"/>
                 <a:t>I like</a:t>
               </a:r>
             </a:p>
@@ -29679,7 +30938,7 @@
             <a:p>
               <a:pPr algn="ctr"/>
               <a:r>
-                <a:rPr lang="en-US" dirty="0"/>
+                <a:rPr lang="en-US"/>
                 <a:t>like this</a:t>
               </a:r>
             </a:p>
@@ -29728,7 +30987,7 @@
             <a:p>
               <a:pPr algn="ctr"/>
               <a:r>
-                <a:rPr lang="en-US" dirty="0"/>
+                <a:rPr lang="en-US"/>
                 <a:t>this movie</a:t>
               </a:r>
             </a:p>
@@ -29763,7 +31022,7 @@
             <a:lstStyle/>
             <a:p>
               <a:r>
-                <a:rPr lang="en-US" dirty="0"/>
+                <a:rPr lang="en-US"/>
                 <a:t>Word-level n-grams</a:t>
               </a:r>
             </a:p>
@@ -29812,14 +31071,14 @@
             <a:p>
               <a:pPr algn="ctr"/>
               <a:r>
-                <a:rPr lang="en-US" dirty="0"/>
+                <a:rPr lang="en-US"/>
                 <a:t>I like </a:t>
               </a:r>
               <a:r>
-                <a:rPr lang="en-US" altLang="zh-CN" dirty="0"/>
+                <a:rPr lang="en-US" altLang="zh-CN"/>
                 <a:t>this</a:t>
               </a:r>
-              <a:endParaRPr lang="en-US" dirty="0"/>
+              <a:endParaRPr lang="en-US"/>
             </a:p>
           </p:txBody>
         </p:sp>
@@ -29866,14 +31125,14 @@
             <a:p>
               <a:pPr algn="ctr"/>
               <a:r>
-                <a:rPr lang="en-US" dirty="0"/>
+                <a:rPr lang="en-US"/>
                 <a:t>like </a:t>
               </a:r>
               <a:r>
-                <a:rPr lang="en-US" altLang="zh-CN" dirty="0"/>
+                <a:rPr lang="en-US" altLang="zh-CN"/>
                 <a:t>this movie</a:t>
               </a:r>
-              <a:endParaRPr lang="en-US" dirty="0"/>
+              <a:endParaRPr lang="en-US"/>
             </a:p>
           </p:txBody>
         </p:sp>
@@ -29906,7 +31165,7 @@
             <a:lstStyle/>
             <a:p>
               <a:r>
-                <a:rPr lang="en-US" dirty="0"/>
+                <a:rPr lang="en-US"/>
                 <a:t>Unigram</a:t>
               </a:r>
             </a:p>
@@ -29941,7 +31200,7 @@
             <a:lstStyle/>
             <a:p>
               <a:r>
-                <a:rPr lang="en-US" dirty="0"/>
+                <a:rPr lang="en-US"/>
                 <a:t>Bigram</a:t>
               </a:r>
             </a:p>
@@ -29976,7 +31235,7 @@
             <a:lstStyle/>
             <a:p>
               <a:r>
-                <a:rPr lang="en-US" dirty="0"/>
+                <a:rPr lang="en-US"/>
                 <a:t>Trigram</a:t>
               </a:r>
             </a:p>
@@ -30644,16 +31903,6 @@
 </file>
 
 <file path=customXml/item1.xml><?xml version="1.0" encoding="utf-8"?>
-<p:properties xmlns:p="http://schemas.microsoft.com/office/2006/metadata/properties" xmlns:xsi="http://www.w3.org/2001/XMLSchema-instance" xmlns:pc="http://schemas.microsoft.com/office/infopath/2007/PartnerControls">
-  <documentManagement>
-    <_ip_UnifiedCompliancePolicyUIAction xmlns="http://schemas.microsoft.com/sharepoint/v3" xsi:nil="true"/>
-    <_ip_UnifiedCompliancePolicyProperties xmlns="http://schemas.microsoft.com/sharepoint/v3" xsi:nil="true"/>
-    <MediaServiceKeyPoints xmlns="2768e0a3-718c-4d99-a6f7-7b41bc98e0db" xsi:nil="true"/>
-  </documentManagement>
-</p:properties>
-</file>
-
-<file path=customXml/item2.xml><?xml version="1.0" encoding="utf-8"?>
 <ct:contentTypeSchema xmlns:ct="http://schemas.microsoft.com/office/2006/metadata/contentType" xmlns:ma="http://schemas.microsoft.com/office/2006/metadata/properties/metaAttributes" ct:_="" ma:_="" ma:contentTypeName="Document" ma:contentTypeID="0x01010052AA869343B25E44A59E2CC06B630AE2" ma:contentTypeVersion="17" ma:contentTypeDescription="Create a new document." ma:contentTypeScope="" ma:versionID="0dbccdce2b49dad8d22ed2ee7bb4a52b">
   <xsd:schema xmlns:xsd="http://www.w3.org/2001/XMLSchema" xmlns:xs="http://www.w3.org/2001/XMLSchema" xmlns:p="http://schemas.microsoft.com/office/2006/metadata/properties" xmlns:ns1="http://schemas.microsoft.com/sharepoint/v3" xmlns:ns3="0925c178-d837-4748-8178-8bc34b3f9918" xmlns:ns4="2768e0a3-718c-4d99-a6f7-7b41bc98e0db" targetNamespace="http://schemas.microsoft.com/office/2006/metadata/properties" ma:root="true" ma:fieldsID="d09253387109a3be6f2a4ffdb911aa3a" ns1:_="" ns3:_="" ns4:_="">
     <xsd:import namespace="http://schemas.microsoft.com/sharepoint/v3"/>
@@ -30905,7 +32154,7 @@
 </ct:contentTypeSchema>
 </file>
 
-<file path=customXml/item3.xml><?xml version="1.0" encoding="utf-8"?>
+<file path=customXml/item2.xml><?xml version="1.0" encoding="utf-8"?>
 <?mso-contentType ?>
 <FormTemplates xmlns="http://schemas.microsoft.com/sharepoint/v3/contenttype/forms">
   <Display>DocumentLibraryForm</Display>
@@ -30914,41 +32163,58 @@
 </FormTemplates>
 </file>
 
+<file path=customXml/item3.xml><?xml version="1.0" encoding="utf-8"?>
+<p:properties xmlns:p="http://schemas.microsoft.com/office/2006/metadata/properties" xmlns:xsi="http://www.w3.org/2001/XMLSchema-instance" xmlns:pc="http://schemas.microsoft.com/office/infopath/2007/PartnerControls">
+  <documentManagement>
+    <_ip_UnifiedCompliancePolicyUIAction xmlns="http://schemas.microsoft.com/sharepoint/v3" xsi:nil="true"/>
+    <_ip_UnifiedCompliancePolicyProperties xmlns="http://schemas.microsoft.com/sharepoint/v3" xsi:nil="true"/>
+    <MediaServiceKeyPoints xmlns="2768e0a3-718c-4d99-a6f7-7b41bc98e0db" xsi:nil="true"/>
+  </documentManagement>
+</p:properties>
+</file>
+
 <file path=customXml/itemProps1.xml><?xml version="1.0" encoding="utf-8"?>
-<ds:datastoreItem xmlns:ds="http://schemas.openxmlformats.org/officeDocument/2006/customXml" ds:itemID="{ED18A93F-96EB-4FB1-B73F-1749577965FB}">
+<ds:datastoreItem xmlns:ds="http://schemas.openxmlformats.org/officeDocument/2006/customXml" ds:itemID="{1C4554AB-6996-4B80-ADDD-BF06545B1ED5}">
   <ds:schemaRefs>
+    <ds:schemaRef ds:uri="0925c178-d837-4748-8178-8bc34b3f9918"/>
+    <ds:schemaRef ds:uri="2768e0a3-718c-4d99-a6f7-7b41bc98e0db"/>
+    <ds:schemaRef ds:uri="http://purl.org/dc/elements/1.1/"/>
+    <ds:schemaRef ds:uri="http://purl.org/dc/terms/"/>
+    <ds:schemaRef ds:uri="http://schemas.microsoft.com/internal/obd"/>
+    <ds:schemaRef ds:uri="http://schemas.microsoft.com/office/2006/documentManagement/types"/>
+    <ds:schemaRef ds:uri="http://schemas.microsoft.com/office/2006/metadata/contentType"/>
     <ds:schemaRef ds:uri="http://schemas.microsoft.com/office/2006/metadata/properties"/>
+    <ds:schemaRef ds:uri="http://schemas.microsoft.com/office/2006/metadata/properties/metaAttributes"/>
     <ds:schemaRef ds:uri="http://schemas.microsoft.com/office/infopath/2007/PartnerControls"/>
     <ds:schemaRef ds:uri="http://schemas.microsoft.com/sharepoint/v3"/>
-    <ds:schemaRef ds:uri="2768e0a3-718c-4d99-a6f7-7b41bc98e0db"/>
+    <ds:schemaRef ds:uri="http://schemas.openxmlformats.org/package/2006/metadata/core-properties"/>
+    <ds:schemaRef ds:uri="http://www.w3.org/2001/XMLSchema"/>
   </ds:schemaRefs>
 </ds:datastoreItem>
 </file>
 
 <file path=customXml/itemProps2.xml><?xml version="1.0" encoding="utf-8"?>
-<ds:datastoreItem xmlns:ds="http://schemas.openxmlformats.org/officeDocument/2006/customXml" ds:itemID="{1C4554AB-6996-4B80-ADDD-BF06545B1ED5}">
+<ds:datastoreItem xmlns:ds="http://schemas.openxmlformats.org/officeDocument/2006/customXml" ds:itemID="{725EA272-9B32-4C27-963B-C3913C8C4E79}">
   <ds:schemaRefs>
-    <ds:schemaRef ds:uri="http://schemas.microsoft.com/office/2006/metadata/contentType"/>
-    <ds:schemaRef ds:uri="http://schemas.microsoft.com/office/2006/metadata/properties/metaAttributes"/>
-    <ds:schemaRef ds:uri="http://www.w3.org/2001/XMLSchema"/>
-    <ds:schemaRef ds:uri="http://schemas.microsoft.com/office/2006/metadata/properties"/>
-    <ds:schemaRef ds:uri="http://schemas.microsoft.com/sharepoint/v3"/>
-    <ds:schemaRef ds:uri="0925c178-d837-4748-8178-8bc34b3f9918"/>
-    <ds:schemaRef ds:uri="2768e0a3-718c-4d99-a6f7-7b41bc98e0db"/>
-    <ds:schemaRef ds:uri="http://schemas.microsoft.com/office/2006/documentManagement/types"/>
-    <ds:schemaRef ds:uri="http://schemas.microsoft.com/office/infopath/2007/PartnerControls"/>
-    <ds:schemaRef ds:uri="http://schemas.openxmlformats.org/package/2006/metadata/core-properties"/>
-    <ds:schemaRef ds:uri="http://purl.org/dc/elements/1.1/"/>
-    <ds:schemaRef ds:uri="http://purl.org/dc/terms/"/>
-    <ds:schemaRef ds:uri="http://schemas.microsoft.com/internal/obd"/>
+    <ds:schemaRef ds:uri="http://schemas.microsoft.com/sharepoint/v3/contenttype/forms"/>
   </ds:schemaRefs>
 </ds:datastoreItem>
 </file>
 
 <file path=customXml/itemProps3.xml><?xml version="1.0" encoding="utf-8"?>
-<ds:datastoreItem xmlns:ds="http://schemas.openxmlformats.org/officeDocument/2006/customXml" ds:itemID="{725EA272-9B32-4C27-963B-C3913C8C4E79}">
+<ds:datastoreItem xmlns:ds="http://schemas.openxmlformats.org/officeDocument/2006/customXml" ds:itemID="{ED18A93F-96EB-4FB1-B73F-1749577965FB}">
   <ds:schemaRefs>
-    <ds:schemaRef ds:uri="http://schemas.microsoft.com/sharepoint/v3/contenttype/forms"/>
+    <ds:schemaRef ds:uri="0925c178-d837-4748-8178-8bc34b3f9918"/>
+    <ds:schemaRef ds:uri="2768e0a3-718c-4d99-a6f7-7b41bc98e0db"/>
+    <ds:schemaRef ds:uri="http://purl.org/dc/dcmitype/"/>
+    <ds:schemaRef ds:uri="http://purl.org/dc/elements/1.1/"/>
+    <ds:schemaRef ds:uri="http://purl.org/dc/terms/"/>
+    <ds:schemaRef ds:uri="http://schemas.microsoft.com/office/2006/documentManagement/types"/>
+    <ds:schemaRef ds:uri="http://schemas.microsoft.com/office/2006/metadata/properties"/>
+    <ds:schemaRef ds:uri="http://schemas.microsoft.com/office/infopath/2007/PartnerControls"/>
+    <ds:schemaRef ds:uri="http://schemas.microsoft.com/sharepoint/v3"/>
+    <ds:schemaRef ds:uri="http://schemas.openxmlformats.org/package/2006/metadata/core-properties"/>
+    <ds:schemaRef ds:uri="http://www.w3.org/XML/1998/namespace"/>
   </ds:schemaRefs>
 </ds:datastoreItem>
 </file>